--- a/Schematics.pptx
+++ b/Schematics.pptx
@@ -5,7 +5,7 @@
     <p:sldMasterId id="2147483648" r:id="rId1"/>
   </p:sldMasterIdLst>
   <p:notesMasterIdLst>
-    <p:notesMasterId r:id="rId20"/>
+    <p:notesMasterId r:id="rId27"/>
   </p:notesMasterIdLst>
   <p:sldIdLst>
     <p:sldId id="256" r:id="rId2"/>
@@ -26,6 +26,13 @@
     <p:sldId id="273" r:id="rId17"/>
     <p:sldId id="275" r:id="rId18"/>
     <p:sldId id="274" r:id="rId19"/>
+    <p:sldId id="277" r:id="rId20"/>
+    <p:sldId id="278" r:id="rId21"/>
+    <p:sldId id="279" r:id="rId22"/>
+    <p:sldId id="280" r:id="rId23"/>
+    <p:sldId id="282" r:id="rId24"/>
+    <p:sldId id="283" r:id="rId25"/>
+    <p:sldId id="285" r:id="rId26"/>
   </p:sldIdLst>
   <p:sldSz cx="9144000" cy="6858000" type="screen4x3"/>
   <p:notesSz cx="6858000" cy="9144000"/>
@@ -209,7 +216,7 @@
           <a:p>
             <a:fld id="{9C623587-ED78-7A4F-A0A9-8C100C245B15}" type="datetimeFigureOut">
               <a:rPr lang="en-US" smtClean="0"/>
-              <a:t>1/19/15</a:t>
+              <a:t>2/4/15</a:t>
             </a:fld>
             <a:endParaRPr lang="en-US"/>
           </a:p>
@@ -1670,7 +1677,7 @@
           <a:p>
             <a:fld id="{756CED51-C4CA-3343-98C9-94E03FC0165E}" type="datetimeFigureOut">
               <a:rPr lang="en-US" smtClean="0"/>
-              <a:t>1/19/15</a:t>
+              <a:t>2/4/15</a:t>
             </a:fld>
             <a:endParaRPr lang="en-US"/>
           </a:p>
@@ -1840,7 +1847,7 @@
           <a:p>
             <a:fld id="{756CED51-C4CA-3343-98C9-94E03FC0165E}" type="datetimeFigureOut">
               <a:rPr lang="en-US" smtClean="0"/>
-              <a:t>1/19/15</a:t>
+              <a:t>2/4/15</a:t>
             </a:fld>
             <a:endParaRPr lang="en-US"/>
           </a:p>
@@ -2020,7 +2027,7 @@
           <a:p>
             <a:fld id="{756CED51-C4CA-3343-98C9-94E03FC0165E}" type="datetimeFigureOut">
               <a:rPr lang="en-US" smtClean="0"/>
-              <a:t>1/19/15</a:t>
+              <a:t>2/4/15</a:t>
             </a:fld>
             <a:endParaRPr lang="en-US"/>
           </a:p>
@@ -2190,7 +2197,7 @@
           <a:p>
             <a:fld id="{756CED51-C4CA-3343-98C9-94E03FC0165E}" type="datetimeFigureOut">
               <a:rPr lang="en-US" smtClean="0"/>
-              <a:t>1/19/15</a:t>
+              <a:t>2/4/15</a:t>
             </a:fld>
             <a:endParaRPr lang="en-US"/>
           </a:p>
@@ -2436,7 +2443,7 @@
           <a:p>
             <a:fld id="{756CED51-C4CA-3343-98C9-94E03FC0165E}" type="datetimeFigureOut">
               <a:rPr lang="en-US" smtClean="0"/>
-              <a:t>1/19/15</a:t>
+              <a:t>2/4/15</a:t>
             </a:fld>
             <a:endParaRPr lang="en-US"/>
           </a:p>
@@ -2724,7 +2731,7 @@
           <a:p>
             <a:fld id="{756CED51-C4CA-3343-98C9-94E03FC0165E}" type="datetimeFigureOut">
               <a:rPr lang="en-US" smtClean="0"/>
-              <a:t>1/19/15</a:t>
+              <a:t>2/4/15</a:t>
             </a:fld>
             <a:endParaRPr lang="en-US"/>
           </a:p>
@@ -3146,7 +3153,7 @@
           <a:p>
             <a:fld id="{756CED51-C4CA-3343-98C9-94E03FC0165E}" type="datetimeFigureOut">
               <a:rPr lang="en-US" smtClean="0"/>
-              <a:t>1/19/15</a:t>
+              <a:t>2/4/15</a:t>
             </a:fld>
             <a:endParaRPr lang="en-US"/>
           </a:p>
@@ -3264,7 +3271,7 @@
           <a:p>
             <a:fld id="{756CED51-C4CA-3343-98C9-94E03FC0165E}" type="datetimeFigureOut">
               <a:rPr lang="en-US" smtClean="0"/>
-              <a:t>1/19/15</a:t>
+              <a:t>2/4/15</a:t>
             </a:fld>
             <a:endParaRPr lang="en-US"/>
           </a:p>
@@ -3359,7 +3366,7 @@
           <a:p>
             <a:fld id="{756CED51-C4CA-3343-98C9-94E03FC0165E}" type="datetimeFigureOut">
               <a:rPr lang="en-US" smtClean="0"/>
-              <a:t>1/19/15</a:t>
+              <a:t>2/4/15</a:t>
             </a:fld>
             <a:endParaRPr lang="en-US"/>
           </a:p>
@@ -3636,7 +3643,7 @@
           <a:p>
             <a:fld id="{756CED51-C4CA-3343-98C9-94E03FC0165E}" type="datetimeFigureOut">
               <a:rPr lang="en-US" smtClean="0"/>
-              <a:t>1/19/15</a:t>
+              <a:t>2/4/15</a:t>
             </a:fld>
             <a:endParaRPr lang="en-US"/>
           </a:p>
@@ -3889,7 +3896,7 @@
           <a:p>
             <a:fld id="{756CED51-C4CA-3343-98C9-94E03FC0165E}" type="datetimeFigureOut">
               <a:rPr lang="en-US" smtClean="0"/>
-              <a:t>1/19/15</a:t>
+              <a:t>2/4/15</a:t>
             </a:fld>
             <a:endParaRPr lang="en-US"/>
           </a:p>
@@ -4102,7 +4109,7 @@
           <a:p>
             <a:fld id="{756CED51-C4CA-3343-98C9-94E03FC0165E}" type="datetimeFigureOut">
               <a:rPr lang="en-US" smtClean="0"/>
-              <a:t>1/19/15</a:t>
+              <a:t>2/4/15</a:t>
             </a:fld>
             <a:endParaRPr lang="en-US"/>
           </a:p>
@@ -4572,12 +4579,22 @@
         </p:nvSpPr>
         <p:spPr/>
         <p:txBody>
-          <a:bodyPr/>
-          <a:lstStyle/>
-          <a:p>
-            <a:r>
-              <a:rPr lang="en-US" dirty="0" smtClean="0"/>
-              <a:t>Would transmission occur? #2</a:t>
+          <a:bodyPr>
+            <a:normAutofit fontScale="90000"/>
+          </a:bodyPr>
+          <a:lstStyle/>
+          <a:p>
+            <a:r>
+              <a:rPr lang="en-US" dirty="0" smtClean="0"/>
+              <a:t>Step 2a: </a:t>
+            </a:r>
+            <a:r>
+              <a:rPr lang="en-US" dirty="0" smtClean="0"/>
+              <a:t>Known-to-be larger </a:t>
+            </a:r>
+            <a:r>
+              <a:rPr lang="en-US" dirty="0" smtClean="0"/>
+              <a:t>probability</a:t>
             </a:r>
             <a:endParaRPr lang="en-US" dirty="0"/>
           </a:p>
@@ -4592,7 +4609,7 @@
         <p:spPr>
           <a:xfrm>
             <a:off x="593792" y="1417638"/>
-            <a:ext cx="8093007" cy="4832092"/>
+            <a:ext cx="8093007" cy="4154983"/>
           </a:xfrm>
           <a:prstGeom prst="rect">
             <a:avLst/>
@@ -4614,7 +4631,7 @@
           <a:p>
             <a:r>
               <a:rPr lang="en-US" sz="2200" dirty="0" smtClean="0"/>
-              <a:t>Calculate the probability of transmission between an infectious premises (with infectiousness value </a:t>
+              <a:t>Calculate an upper bound on the probability of transmission between an infectious premises (with infectiousness value </a:t>
             </a:r>
             <a:r>
               <a:rPr lang="en-US" sz="2200" dirty="0" err="1" smtClean="0"/>
@@ -4622,16 +4639,25 @@
             </a:r>
             <a:r>
               <a:rPr lang="en-US" sz="2200" dirty="0" smtClean="0"/>
-              <a:t>) in a focal cell to a susceptible premises within a comparison cell (the most susceptible of which has susceptibility value s). The local spread kernel has value k at the closest distance between the focal and comparison cells:</a:t>
+              <a:t>) in a focal cell to a single hypothetical susceptible premises within a comparison cell (the most susceptible of which has susceptibility value s). The local spread kernel has value k at the closest distance between the focal and comparison cells:</a:t>
             </a:r>
           </a:p>
           <a:p>
             <a:endParaRPr lang="en-US" sz="2200" dirty="0" smtClean="0"/>
           </a:p>
           <a:p>
+            <a:pPr algn="ctr"/>
             <a:r>
               <a:rPr lang="en-US" sz="2200" dirty="0" smtClean="0"/>
-              <a:t>P(premises to premises) =  				(1 – e</a:t>
+              <a:t>P</a:t>
+            </a:r>
+            <a:r>
+              <a:rPr lang="en-US" sz="2200" baseline="-25000" dirty="0" smtClean="0"/>
+              <a:t>x</a:t>
+            </a:r>
+            <a:r>
+              <a:rPr lang="en-US" sz="2200" dirty="0" smtClean="0"/>
+              <a:t>=  (1 – e</a:t>
             </a:r>
             <a:r>
               <a:rPr lang="en-US" sz="2200" baseline="30000" dirty="0" smtClean="0"/>
@@ -4659,85 +4685,11 @@
             </a:r>
             <a:r>
               <a:rPr lang="en-US" sz="2200" dirty="0" smtClean="0"/>
-              <a:t>) /</a:t>
-            </a:r>
-          </a:p>
-          <a:p>
-            <a:r>
-              <a:rPr lang="en-US" sz="2200" dirty="0" smtClean="0"/>
-              <a:t>							 (1 – e</a:t>
-            </a:r>
-            <a:r>
-              <a:rPr lang="en-US" sz="2200" baseline="30000" dirty="0" smtClean="0"/>
-              <a:t>-</a:t>
-            </a:r>
-            <a:r>
-              <a:rPr lang="en-US" sz="2200" i="1" baseline="30000" dirty="0" err="1" smtClean="0"/>
-              <a:t>i</a:t>
-            </a:r>
-            <a:r>
-              <a:rPr lang="en-US" sz="2200" baseline="30000" dirty="0" smtClean="0"/>
-              <a:t> * number of remaining premises in cell*</a:t>
-            </a:r>
-            <a:r>
-              <a:rPr lang="en-US" sz="2200" i="1" baseline="30000" dirty="0" smtClean="0"/>
-              <a:t>s</a:t>
-            </a:r>
-            <a:r>
-              <a:rPr lang="en-US" sz="2200" baseline="30000" dirty="0" smtClean="0"/>
-              <a:t> * </a:t>
-            </a:r>
-            <a:r>
-              <a:rPr lang="en-US" sz="2200" i="1" baseline="30000" dirty="0" smtClean="0"/>
-              <a:t>k</a:t>
-            </a:r>
-            <a:r>
-              <a:rPr lang="en-US" sz="2200" dirty="0" smtClean="0"/>
-              <a:t>) </a:t>
-            </a:r>
-          </a:p>
-          <a:p>
-            <a:r>
-              <a:rPr lang="en-US" sz="2200" dirty="0"/>
-              <a:t>u</a:t>
-            </a:r>
-            <a:r>
-              <a:rPr lang="en-US" sz="2200" dirty="0" smtClean="0"/>
-              <a:t>ntil transmission occurs at least once in this comparison cell, then</a:t>
-            </a:r>
-          </a:p>
-          <a:p>
-            <a:r>
-              <a:rPr lang="en-US" sz="2200" dirty="0" smtClean="0"/>
-              <a:t>P(premises to premises) =  (1 – e</a:t>
-            </a:r>
-            <a:r>
-              <a:rPr lang="en-US" sz="2200" baseline="30000" dirty="0" smtClean="0"/>
-              <a:t>-</a:t>
-            </a:r>
-            <a:r>
-              <a:rPr lang="en-US" sz="2200" i="1" baseline="30000" dirty="0" err="1" smtClean="0"/>
-              <a:t>i</a:t>
-            </a:r>
-            <a:r>
-              <a:rPr lang="en-US" sz="2200" baseline="30000" dirty="0" smtClean="0"/>
-              <a:t> * </a:t>
-            </a:r>
-            <a:r>
-              <a:rPr lang="en-US" sz="2200" i="1" baseline="30000" dirty="0" smtClean="0"/>
-              <a:t>s</a:t>
-            </a:r>
-            <a:r>
-              <a:rPr lang="en-US" sz="2200" baseline="30000" dirty="0" smtClean="0"/>
-              <a:t> * </a:t>
-            </a:r>
-            <a:r>
-              <a:rPr lang="en-US" sz="2200" i="1" baseline="30000" dirty="0" smtClean="0"/>
-              <a:t>k</a:t>
-            </a:r>
-            <a:r>
-              <a:rPr lang="en-US" sz="2200" dirty="0" smtClean="0"/>
-              <a:t>)</a:t>
+              <a:t>) /P</a:t>
+            </a:r>
+            <a:r>
+              <a:rPr lang="en-US" sz="2200" baseline="-25000" dirty="0" smtClean="0"/>
+              <a:t>1</a:t>
             </a:r>
           </a:p>
           <a:p>
@@ -4762,7 +4714,15 @@
             </a:r>
             <a:r>
               <a:rPr lang="en-US" sz="2200" dirty="0" smtClean="0"/>
-              <a:t> ≤ P, transmission occurs. If x</a:t>
+              <a:t> ≤ P</a:t>
+            </a:r>
+            <a:r>
+              <a:rPr lang="en-US" sz="2200" baseline="-25000" dirty="0" smtClean="0"/>
+              <a:t>x</a:t>
+            </a:r>
+            <a:r>
+              <a:rPr lang="en-US" sz="2200" dirty="0" smtClean="0"/>
+              <a:t>, continue to step 2b. If x</a:t>
             </a:r>
             <a:r>
               <a:rPr lang="en-US" sz="2000" baseline="-25000" dirty="0" smtClean="0"/>
@@ -4770,7 +4730,15 @@
             </a:r>
             <a:r>
               <a:rPr lang="en-US" sz="2200" dirty="0" smtClean="0"/>
-              <a:t> &gt; P, transmission does not occur. </a:t>
+              <a:t> &gt; P</a:t>
+            </a:r>
+            <a:r>
+              <a:rPr lang="en-US" sz="2200" baseline="-25000" dirty="0" smtClean="0"/>
+              <a:t>x</a:t>
+            </a:r>
+            <a:r>
+              <a:rPr lang="en-US" sz="2200" dirty="0" smtClean="0"/>
+              <a:t>, repeat step 2a for the next susceptible premises. </a:t>
             </a:r>
             <a:endParaRPr lang="en-US" sz="2200" dirty="0"/>
           </a:p>
@@ -4861,12 +4829,14 @@
         </p:nvSpPr>
         <p:spPr/>
         <p:txBody>
-          <a:bodyPr/>
-          <a:lstStyle/>
-          <a:p>
-            <a:r>
-              <a:rPr lang="en-US" dirty="0" smtClean="0"/>
-              <a:t>Will transmission occur? #3</a:t>
+          <a:bodyPr>
+            <a:normAutofit/>
+          </a:bodyPr>
+          <a:lstStyle/>
+          <a:p>
+            <a:r>
+              <a:rPr lang="en-US" dirty="0" smtClean="0"/>
+              <a:t>Step 2b: Will transmission occur?</a:t>
             </a:r>
             <a:endParaRPr lang="en-US" dirty="0"/>
           </a:p>
@@ -4881,7 +4851,7 @@
         <p:spPr>
           <a:xfrm>
             <a:off x="593792" y="1417638"/>
-            <a:ext cx="8093007" cy="3785652"/>
+            <a:ext cx="8093007" cy="3416320"/>
           </a:xfrm>
           <a:prstGeom prst="rect">
             <a:avLst/>
@@ -4936,7 +4906,7 @@
           <a:p>
             <a:r>
               <a:rPr lang="en-US" sz="2400" dirty="0" smtClean="0"/>
-              <a:t>P(premises to premises) =  1 – e</a:t>
+              <a:t>P(premises to premises) =  (1 – e</a:t>
             </a:r>
             <a:r>
               <a:rPr lang="en-US" sz="2400" baseline="30000" dirty="0" smtClean="0"/>
@@ -4968,46 +4938,17 @@
             </a:r>
             <a:r>
               <a:rPr lang="en-US" sz="2400" i="1" baseline="10000" dirty="0" smtClean="0"/>
-              <a:t>1/</a:t>
-            </a:r>
-          </a:p>
-          <a:p>
+              <a:t>1</a:t>
+            </a:r>
             <a:r>
               <a:rPr lang="en-US" sz="2400" dirty="0" smtClean="0"/>
-              <a:t>(</a:t>
-            </a:r>
-            <a:r>
-              <a:rPr lang="en-US" sz="2400" dirty="0"/>
-              <a:t>1 – e</a:t>
-            </a:r>
-            <a:r>
-              <a:rPr lang="en-US" sz="2400" baseline="30000" dirty="0"/>
-              <a:t>-</a:t>
-            </a:r>
-            <a:r>
-              <a:rPr lang="en-US" sz="2400" i="1" baseline="30000" dirty="0" err="1"/>
-              <a:t>i</a:t>
-            </a:r>
-            <a:r>
-              <a:rPr lang="en-US" sz="2400" baseline="30000" dirty="0"/>
-              <a:t> * number of remaining premises in cell*</a:t>
-            </a:r>
-            <a:r>
-              <a:rPr lang="en-US" sz="2400" i="1" baseline="30000" dirty="0"/>
-              <a:t>s</a:t>
-            </a:r>
-            <a:r>
-              <a:rPr lang="en-US" sz="2400" baseline="30000" dirty="0"/>
-              <a:t> * </a:t>
-            </a:r>
-            <a:r>
-              <a:rPr lang="en-US" sz="2400" i="1" baseline="30000" dirty="0"/>
-              <a:t>k</a:t>
-            </a:r>
-            <a:r>
-              <a:rPr lang="en-US" sz="2400" dirty="0"/>
-              <a:t>) </a:t>
-            </a:r>
+              <a:t>)/P</a:t>
+            </a:r>
+            <a:r>
+              <a:rPr lang="en-US" sz="2400" baseline="-25000" dirty="0" smtClean="0"/>
+              <a:t>1</a:t>
+            </a:r>
+            <a:endParaRPr lang="en-US" sz="2400" baseline="-25000" dirty="0"/>
           </a:p>
           <a:p>
             <a:endParaRPr lang="en-US" sz="2400" dirty="0"/>
@@ -6133,14 +6074,10 @@
             <a:pPr lvl="1"/>
             <a:r>
               <a:rPr lang="en-US" dirty="0" smtClean="0"/>
-              <a:t>Population of species n (</a:t>
-            </a:r>
-            <a:r>
-              <a:rPr lang="en-US" dirty="0" err="1" smtClean="0"/>
-              <a:t>p</a:t>
-            </a:r>
-            <a:r>
-              <a:rPr lang="en-US" baseline="-25000" dirty="0" err="1" smtClean="0"/>
+              <a:t>Population of species n (p</a:t>
+            </a:r>
+            <a:r>
+              <a:rPr lang="en-US" baseline="-25000" dirty="0" smtClean="0"/>
               <a:t>n</a:t>
             </a:r>
             <a:r>
@@ -6244,7 +6181,7 @@
           <a:graphicData uri="http://schemas.openxmlformats.org/presentationml/2006/ole">
             <mc:AlternateContent xmlns:mc="http://schemas.openxmlformats.org/markup-compatibility/2006">
               <mc:Choice xmlns:v="urn:schemas-microsoft-com:vml" Requires="v">
-                <p:oleObj spid="_x0000_s1064" name="Equation" r:id="rId4" imgW="609600" imgH="457200" progId="Equation.3">
+                <p:oleObj spid="_x0000_s1112" name="Equation" r:id="rId4" imgW="609600" imgH="457200" progId="Equation.3">
                   <p:embed/>
                 </p:oleObj>
               </mc:Choice>
@@ -6301,7 +6238,7 @@
           <a:graphicData uri="http://schemas.openxmlformats.org/presentationml/2006/ole">
             <mc:AlternateContent xmlns:mc="http://schemas.openxmlformats.org/markup-compatibility/2006">
               <mc:Choice xmlns:v="urn:schemas-microsoft-com:vml" Requires="v">
-                <p:oleObj spid="_x0000_s1065" name="Equation" r:id="rId6" imgW="635000" imgH="457200" progId="Equation.3">
+                <p:oleObj spid="_x0000_s1113" name="Equation" r:id="rId6" imgW="635000" imgH="457200" progId="Equation.3">
                   <p:embed/>
                 </p:oleObj>
               </mc:Choice>
@@ -8467,11 +8404,7 @@
           <a:p>
             <a:r>
               <a:rPr lang="en-US" dirty="0" smtClean="0"/>
-              <a:t>Reading in premises file </a:t>
-            </a:r>
-            <a:r>
-              <a:rPr lang="en-US" dirty="0" smtClean="0"/>
-              <a:t>(832514 </a:t>
+              <a:t>Reading in premises file (832514 </a:t>
             </a:r>
             <a:r>
               <a:rPr lang="en-US" dirty="0" err="1" smtClean="0"/>
@@ -8479,17 +8412,8 @@
             </a:r>
             <a:r>
               <a:rPr lang="en-US" dirty="0" smtClean="0"/>
-              <a:t>)</a:t>
-            </a:r>
-            <a:r>
-              <a:rPr lang="en-US" dirty="0" smtClean="0"/>
-              <a:t>: </a:t>
-            </a:r>
-            <a:r>
-              <a:rPr lang="en-US" dirty="0" smtClean="0"/>
-              <a:t>~6 sec</a:t>
-            </a:r>
-            <a:endParaRPr lang="en-US" dirty="0" smtClean="0"/>
+              <a:t>): ~6 sec</a:t>
+            </a:r>
           </a:p>
           <a:p>
             <a:r>
@@ -8502,15 +8426,7 @@
             </a:r>
             <a:r>
               <a:rPr lang="en-US" dirty="0" smtClean="0"/>
-              <a:t>/cell): </a:t>
-            </a:r>
-            <a:r>
-              <a:rPr lang="en-US" dirty="0" smtClean="0"/>
-              <a:t>30 </a:t>
-            </a:r>
-            <a:r>
-              <a:rPr lang="en-US" dirty="0" smtClean="0"/>
-              <a:t>sec</a:t>
+              <a:t>/cell): 30 sec</a:t>
             </a:r>
           </a:p>
           <a:p>
@@ -8766,6 +8682,1056 @@
 </p:sld>
 </file>
 
+<file path=ppt/slides/slide19.xml><?xml version="1.0" encoding="utf-8"?>
+<p:sld xmlns:a="http://schemas.openxmlformats.org/drawingml/2006/main" xmlns:r="http://schemas.openxmlformats.org/officeDocument/2006/relationships" xmlns:p="http://schemas.openxmlformats.org/presentationml/2006/main">
+  <p:cSld>
+    <p:spTree>
+      <p:nvGrpSpPr>
+        <p:cNvPr id="1" name=""/>
+        <p:cNvGrpSpPr/>
+        <p:nvPr/>
+      </p:nvGrpSpPr>
+      <p:grpSpPr>
+        <a:xfrm>
+          <a:off x="0" y="0"/>
+          <a:ext cx="0" cy="0"/>
+          <a:chOff x="0" y="0"/>
+          <a:chExt cx="0" cy="0"/>
+        </a:xfrm>
+      </p:grpSpPr>
+      <p:cxnSp>
+        <p:nvCxnSpPr>
+          <p:cNvPr id="3" name="Straight Connector 2"/>
+          <p:cNvCxnSpPr/>
+          <p:nvPr/>
+        </p:nvCxnSpPr>
+        <p:spPr>
+          <a:xfrm flipV="1">
+            <a:off x="3130550" y="4114800"/>
+            <a:ext cx="3657600" cy="38100"/>
+          </a:xfrm>
+          <a:prstGeom prst="line">
+            <a:avLst/>
+          </a:prstGeom>
+          <a:ln>
+            <a:solidFill>
+              <a:schemeClr val="bg1">
+                <a:lumMod val="50000"/>
+              </a:schemeClr>
+            </a:solidFill>
+            <a:headEnd type="oval"/>
+            <a:tailEnd type="oval"/>
+          </a:ln>
+          <a:effectLst/>
+        </p:spPr>
+        <p:style>
+          <a:lnRef idx="2">
+            <a:schemeClr val="accent1"/>
+          </a:lnRef>
+          <a:fillRef idx="0">
+            <a:schemeClr val="accent1"/>
+          </a:fillRef>
+          <a:effectRef idx="1">
+            <a:schemeClr val="accent1"/>
+          </a:effectRef>
+          <a:fontRef idx="minor">
+            <a:schemeClr val="tx1"/>
+          </a:fontRef>
+        </p:style>
+      </p:cxnSp>
+      <p:cxnSp>
+        <p:nvCxnSpPr>
+          <p:cNvPr id="4" name="Straight Connector 3"/>
+          <p:cNvCxnSpPr/>
+          <p:nvPr/>
+        </p:nvCxnSpPr>
+        <p:spPr>
+          <a:xfrm flipV="1">
+            <a:off x="3130550" y="4521200"/>
+            <a:ext cx="3657600" cy="38100"/>
+          </a:xfrm>
+          <a:prstGeom prst="line">
+            <a:avLst/>
+          </a:prstGeom>
+          <a:ln>
+            <a:solidFill>
+              <a:schemeClr val="bg1">
+                <a:lumMod val="50000"/>
+              </a:schemeClr>
+            </a:solidFill>
+            <a:headEnd type="oval"/>
+            <a:tailEnd type="oval"/>
+          </a:ln>
+          <a:effectLst/>
+        </p:spPr>
+        <p:style>
+          <a:lnRef idx="2">
+            <a:schemeClr val="accent1"/>
+          </a:lnRef>
+          <a:fillRef idx="0">
+            <a:schemeClr val="accent1"/>
+          </a:fillRef>
+          <a:effectRef idx="1">
+            <a:schemeClr val="accent1"/>
+          </a:effectRef>
+          <a:fontRef idx="minor">
+            <a:schemeClr val="tx1"/>
+          </a:fontRef>
+        </p:style>
+      </p:cxnSp>
+      <p:cxnSp>
+        <p:nvCxnSpPr>
+          <p:cNvPr id="5" name="Straight Connector 4"/>
+          <p:cNvCxnSpPr/>
+          <p:nvPr/>
+        </p:nvCxnSpPr>
+        <p:spPr>
+          <a:xfrm flipV="1">
+            <a:off x="3130550" y="4914900"/>
+            <a:ext cx="3657600" cy="38100"/>
+          </a:xfrm>
+          <a:prstGeom prst="line">
+            <a:avLst/>
+          </a:prstGeom>
+          <a:ln>
+            <a:solidFill>
+              <a:schemeClr val="bg1">
+                <a:lumMod val="50000"/>
+              </a:schemeClr>
+            </a:solidFill>
+            <a:headEnd type="oval"/>
+            <a:tailEnd type="oval"/>
+          </a:ln>
+          <a:effectLst/>
+        </p:spPr>
+        <p:style>
+          <a:lnRef idx="2">
+            <a:schemeClr val="accent1"/>
+          </a:lnRef>
+          <a:fillRef idx="0">
+            <a:schemeClr val="accent1"/>
+          </a:fillRef>
+          <a:effectRef idx="1">
+            <a:schemeClr val="accent1"/>
+          </a:effectRef>
+          <a:fontRef idx="minor">
+            <a:schemeClr val="tx1"/>
+          </a:fontRef>
+        </p:style>
+      </p:cxnSp>
+      <p:sp>
+        <p:nvSpPr>
+          <p:cNvPr id="7" name="TextBox 6"/>
+          <p:cNvSpPr txBox="1"/>
+          <p:nvPr/>
+        </p:nvSpPr>
+        <p:spPr>
+          <a:xfrm>
+            <a:off x="1809750" y="3962400"/>
+            <a:ext cx="1168400" cy="342900"/>
+          </a:xfrm>
+          <a:prstGeom prst="rect">
+            <a:avLst/>
+          </a:prstGeom>
+          <a:noFill/>
+        </p:spPr>
+        <p:txBody>
+          <a:bodyPr wrap="square" rtlCol="0">
+            <a:spAutoFit/>
+          </a:bodyPr>
+          <a:lstStyle/>
+          <a:p>
+            <a:pPr algn="r"/>
+            <a:r>
+              <a:rPr lang="en-US" sz="1600" dirty="0" smtClean="0"/>
+              <a:t>Premises 1</a:t>
+            </a:r>
+          </a:p>
+        </p:txBody>
+      </p:sp>
+      <p:sp>
+        <p:nvSpPr>
+          <p:cNvPr id="16" name="TextBox 15"/>
+          <p:cNvSpPr txBox="1"/>
+          <p:nvPr/>
+        </p:nvSpPr>
+        <p:spPr>
+          <a:xfrm>
+            <a:off x="1809750" y="4362450"/>
+            <a:ext cx="1168400" cy="342900"/>
+          </a:xfrm>
+          <a:prstGeom prst="rect">
+            <a:avLst/>
+          </a:prstGeom>
+          <a:noFill/>
+        </p:spPr>
+        <p:txBody>
+          <a:bodyPr wrap="square" rtlCol="0">
+            <a:spAutoFit/>
+          </a:bodyPr>
+          <a:lstStyle/>
+          <a:p>
+            <a:pPr algn="r"/>
+            <a:r>
+              <a:rPr lang="en-US" sz="1600" dirty="0" smtClean="0"/>
+              <a:t>Premises 2</a:t>
+            </a:r>
+          </a:p>
+        </p:txBody>
+      </p:sp>
+      <p:sp>
+        <p:nvSpPr>
+          <p:cNvPr id="17" name="TextBox 16"/>
+          <p:cNvSpPr txBox="1"/>
+          <p:nvPr/>
+        </p:nvSpPr>
+        <p:spPr>
+          <a:xfrm>
+            <a:off x="1809750" y="4743450"/>
+            <a:ext cx="1168400" cy="342900"/>
+          </a:xfrm>
+          <a:prstGeom prst="rect">
+            <a:avLst/>
+          </a:prstGeom>
+          <a:noFill/>
+        </p:spPr>
+        <p:txBody>
+          <a:bodyPr wrap="square" rtlCol="0">
+            <a:spAutoFit/>
+          </a:bodyPr>
+          <a:lstStyle/>
+          <a:p>
+            <a:pPr algn="r"/>
+            <a:r>
+              <a:rPr lang="en-US" sz="1600" dirty="0" smtClean="0"/>
+              <a:t>Premises n</a:t>
+            </a:r>
+          </a:p>
+        </p:txBody>
+      </p:sp>
+      <p:sp>
+        <p:nvSpPr>
+          <p:cNvPr id="18" name="TextBox 17"/>
+          <p:cNvSpPr txBox="1"/>
+          <p:nvPr/>
+        </p:nvSpPr>
+        <p:spPr>
+          <a:xfrm>
+            <a:off x="3225800" y="3750846"/>
+            <a:ext cx="368300" cy="338554"/>
+          </a:xfrm>
+          <a:prstGeom prst="rect">
+            <a:avLst/>
+          </a:prstGeom>
+          <a:noFill/>
+        </p:spPr>
+        <p:txBody>
+          <a:bodyPr wrap="square" rtlCol="0">
+            <a:spAutoFit/>
+          </a:bodyPr>
+          <a:lstStyle/>
+          <a:p>
+            <a:pPr algn="r"/>
+            <a:r>
+              <a:rPr lang="en-US" sz="1600" dirty="0" smtClean="0"/>
+              <a:t>p</a:t>
+            </a:r>
+            <a:r>
+              <a:rPr lang="en-US" sz="1600" baseline="-25000" dirty="0" smtClean="0"/>
+              <a:t>1</a:t>
+            </a:r>
+          </a:p>
+        </p:txBody>
+      </p:sp>
+      <p:sp>
+        <p:nvSpPr>
+          <p:cNvPr id="19" name="TextBox 18"/>
+          <p:cNvSpPr txBox="1"/>
+          <p:nvPr/>
+        </p:nvSpPr>
+        <p:spPr>
+          <a:xfrm>
+            <a:off x="3384550" y="4165600"/>
+            <a:ext cx="368300" cy="338554"/>
+          </a:xfrm>
+          <a:prstGeom prst="rect">
+            <a:avLst/>
+          </a:prstGeom>
+          <a:noFill/>
+        </p:spPr>
+        <p:txBody>
+          <a:bodyPr wrap="square" rtlCol="0">
+            <a:spAutoFit/>
+          </a:bodyPr>
+          <a:lstStyle/>
+          <a:p>
+            <a:pPr algn="r"/>
+            <a:r>
+              <a:rPr lang="en-US" sz="1600" dirty="0" smtClean="0"/>
+              <a:t>p</a:t>
+            </a:r>
+            <a:r>
+              <a:rPr lang="en-US" sz="1600" baseline="-25000" dirty="0" smtClean="0"/>
+              <a:t>2</a:t>
+            </a:r>
+          </a:p>
+        </p:txBody>
+      </p:sp>
+      <p:sp>
+        <p:nvSpPr>
+          <p:cNvPr id="20" name="TextBox 19"/>
+          <p:cNvSpPr txBox="1"/>
+          <p:nvPr/>
+        </p:nvSpPr>
+        <p:spPr>
+          <a:xfrm>
+            <a:off x="3263900" y="4554954"/>
+            <a:ext cx="368300" cy="338554"/>
+          </a:xfrm>
+          <a:prstGeom prst="rect">
+            <a:avLst/>
+          </a:prstGeom>
+          <a:noFill/>
+        </p:spPr>
+        <p:txBody>
+          <a:bodyPr wrap="square" rtlCol="0">
+            <a:spAutoFit/>
+          </a:bodyPr>
+          <a:lstStyle/>
+          <a:p>
+            <a:pPr algn="r"/>
+            <a:r>
+              <a:rPr lang="en-US" sz="1600" dirty="0" smtClean="0"/>
+              <a:t>p</a:t>
+            </a:r>
+            <a:r>
+              <a:rPr lang="en-US" sz="1600" baseline="-25000" dirty="0" smtClean="0"/>
+              <a:t>n</a:t>
+            </a:r>
+          </a:p>
+        </p:txBody>
+      </p:sp>
+      <p:sp>
+        <p:nvSpPr>
+          <p:cNvPr id="21" name="TextBox 20"/>
+          <p:cNvSpPr txBox="1"/>
+          <p:nvPr/>
+        </p:nvSpPr>
+        <p:spPr>
+          <a:xfrm>
+            <a:off x="2946400" y="3581569"/>
+            <a:ext cx="368300" cy="338554"/>
+          </a:xfrm>
+          <a:prstGeom prst="rect">
+            <a:avLst/>
+          </a:prstGeom>
+          <a:noFill/>
+        </p:spPr>
+        <p:txBody>
+          <a:bodyPr wrap="square" rtlCol="0">
+            <a:spAutoFit/>
+          </a:bodyPr>
+          <a:lstStyle/>
+          <a:p>
+            <a:pPr algn="ctr"/>
+            <a:r>
+              <a:rPr lang="en-US" sz="1600" dirty="0" smtClean="0">
+                <a:solidFill>
+                  <a:schemeClr val="bg1">
+                    <a:lumMod val="50000"/>
+                  </a:schemeClr>
+                </a:solidFill>
+              </a:rPr>
+              <a:t>0</a:t>
+            </a:r>
+            <a:endParaRPr lang="en-US" sz="1600" baseline="-25000" dirty="0" smtClean="0">
+              <a:solidFill>
+                <a:schemeClr val="bg1">
+                  <a:lumMod val="50000"/>
+                </a:schemeClr>
+              </a:solidFill>
+            </a:endParaRPr>
+          </a:p>
+        </p:txBody>
+      </p:sp>
+      <p:sp>
+        <p:nvSpPr>
+          <p:cNvPr id="22" name="TextBox 21"/>
+          <p:cNvSpPr txBox="1"/>
+          <p:nvPr/>
+        </p:nvSpPr>
+        <p:spPr>
+          <a:xfrm flipH="1">
+            <a:off x="6592887" y="3581569"/>
+            <a:ext cx="390525" cy="338554"/>
+          </a:xfrm>
+          <a:prstGeom prst="rect">
+            <a:avLst/>
+          </a:prstGeom>
+          <a:noFill/>
+        </p:spPr>
+        <p:txBody>
+          <a:bodyPr wrap="square" rtlCol="0">
+            <a:spAutoFit/>
+          </a:bodyPr>
+          <a:lstStyle/>
+          <a:p>
+            <a:pPr algn="ctr"/>
+            <a:r>
+              <a:rPr lang="en-US" sz="1600" dirty="0" smtClean="0">
+                <a:solidFill>
+                  <a:schemeClr val="bg1">
+                    <a:lumMod val="50000"/>
+                  </a:schemeClr>
+                </a:solidFill>
+              </a:rPr>
+              <a:t>1</a:t>
+            </a:r>
+            <a:endParaRPr lang="en-US" sz="1600" baseline="-25000" dirty="0" smtClean="0">
+              <a:solidFill>
+                <a:schemeClr val="bg1">
+                  <a:lumMod val="50000"/>
+                </a:schemeClr>
+              </a:solidFill>
+            </a:endParaRPr>
+          </a:p>
+        </p:txBody>
+      </p:sp>
+      <p:sp>
+        <p:nvSpPr>
+          <p:cNvPr id="23" name="Rectangle 22"/>
+          <p:cNvSpPr/>
+          <p:nvPr/>
+        </p:nvSpPr>
+        <p:spPr>
+          <a:xfrm>
+            <a:off x="6399212" y="304800"/>
+            <a:ext cx="2089150" cy="2089150"/>
+          </a:xfrm>
+          <a:prstGeom prst="rect">
+            <a:avLst/>
+          </a:prstGeom>
+          <a:noFill/>
+          <a:ln>
+            <a:solidFill>
+              <a:schemeClr val="tx1"/>
+            </a:solidFill>
+          </a:ln>
+          <a:effectLst/>
+        </p:spPr>
+        <p:style>
+          <a:lnRef idx="1">
+            <a:schemeClr val="accent1"/>
+          </a:lnRef>
+          <a:fillRef idx="3">
+            <a:schemeClr val="accent1"/>
+          </a:fillRef>
+          <a:effectRef idx="2">
+            <a:schemeClr val="accent1"/>
+          </a:effectRef>
+          <a:fontRef idx="minor">
+            <a:schemeClr val="lt1"/>
+          </a:fontRef>
+        </p:style>
+        <p:txBody>
+          <a:bodyPr rtlCol="0" anchor="ctr"/>
+          <a:lstStyle/>
+          <a:p>
+            <a:pPr algn="ctr"/>
+            <a:endParaRPr lang="en-US"/>
+          </a:p>
+        </p:txBody>
+      </p:sp>
+      <p:sp>
+        <p:nvSpPr>
+          <p:cNvPr id="24" name="TextBox 23"/>
+          <p:cNvSpPr txBox="1"/>
+          <p:nvPr/>
+        </p:nvSpPr>
+        <p:spPr>
+          <a:xfrm>
+            <a:off x="6399212" y="1088023"/>
+            <a:ext cx="1168400" cy="342900"/>
+          </a:xfrm>
+          <a:prstGeom prst="rect">
+            <a:avLst/>
+          </a:prstGeom>
+          <a:noFill/>
+        </p:spPr>
+        <p:txBody>
+          <a:bodyPr wrap="square" rtlCol="0">
+            <a:spAutoFit/>
+          </a:bodyPr>
+          <a:lstStyle/>
+          <a:p>
+            <a:pPr algn="r"/>
+            <a:r>
+              <a:rPr lang="en-US" sz="1600" dirty="0" smtClean="0"/>
+              <a:t>Premises 2</a:t>
+            </a:r>
+          </a:p>
+        </p:txBody>
+      </p:sp>
+      <p:sp>
+        <p:nvSpPr>
+          <p:cNvPr id="25" name="TextBox 24"/>
+          <p:cNvSpPr txBox="1"/>
+          <p:nvPr/>
+        </p:nvSpPr>
+        <p:spPr>
+          <a:xfrm>
+            <a:off x="7154862" y="685800"/>
+            <a:ext cx="1168400" cy="342900"/>
+          </a:xfrm>
+          <a:prstGeom prst="rect">
+            <a:avLst/>
+          </a:prstGeom>
+          <a:noFill/>
+        </p:spPr>
+        <p:txBody>
+          <a:bodyPr wrap="square" rtlCol="0">
+            <a:spAutoFit/>
+          </a:bodyPr>
+          <a:lstStyle/>
+          <a:p>
+            <a:pPr algn="r"/>
+            <a:r>
+              <a:rPr lang="en-US" sz="1600" dirty="0" smtClean="0"/>
+              <a:t>Premises 1</a:t>
+            </a:r>
+          </a:p>
+        </p:txBody>
+      </p:sp>
+      <p:sp>
+        <p:nvSpPr>
+          <p:cNvPr id="26" name="TextBox 25"/>
+          <p:cNvSpPr txBox="1"/>
+          <p:nvPr/>
+        </p:nvSpPr>
+        <p:spPr>
+          <a:xfrm>
+            <a:off x="6983412" y="1422400"/>
+            <a:ext cx="1168400" cy="342900"/>
+          </a:xfrm>
+          <a:prstGeom prst="rect">
+            <a:avLst/>
+          </a:prstGeom>
+          <a:noFill/>
+        </p:spPr>
+        <p:txBody>
+          <a:bodyPr wrap="square" rtlCol="0">
+            <a:spAutoFit/>
+          </a:bodyPr>
+          <a:lstStyle/>
+          <a:p>
+            <a:pPr algn="r"/>
+            <a:r>
+              <a:rPr lang="en-US" sz="1600" dirty="0" smtClean="0"/>
+              <a:t>Premises n</a:t>
+            </a:r>
+          </a:p>
+        </p:txBody>
+      </p:sp>
+      <p:sp>
+        <p:nvSpPr>
+          <p:cNvPr id="28" name="TextBox 27"/>
+          <p:cNvSpPr txBox="1"/>
+          <p:nvPr/>
+        </p:nvSpPr>
+        <p:spPr>
+          <a:xfrm>
+            <a:off x="231772" y="2404992"/>
+            <a:ext cx="1044576" cy="523220"/>
+          </a:xfrm>
+          <a:prstGeom prst="rect">
+            <a:avLst/>
+          </a:prstGeom>
+          <a:noFill/>
+        </p:spPr>
+        <p:txBody>
+          <a:bodyPr wrap="square" rtlCol="0">
+            <a:spAutoFit/>
+          </a:bodyPr>
+          <a:lstStyle/>
+          <a:p>
+            <a:pPr algn="ctr"/>
+            <a:r>
+              <a:rPr lang="en-US" sz="1400" dirty="0" smtClean="0"/>
+              <a:t>Source premises </a:t>
+            </a:r>
+          </a:p>
+        </p:txBody>
+      </p:sp>
+      <p:sp>
+        <p:nvSpPr>
+          <p:cNvPr id="29" name="Oval 28"/>
+          <p:cNvSpPr/>
+          <p:nvPr/>
+        </p:nvSpPr>
+        <p:spPr>
+          <a:xfrm>
+            <a:off x="6567487" y="1380123"/>
+            <a:ext cx="105777" cy="105777"/>
+          </a:xfrm>
+          <a:prstGeom prst="ellipse">
+            <a:avLst/>
+          </a:prstGeom>
+          <a:solidFill>
+            <a:schemeClr val="tx1"/>
+          </a:solidFill>
+          <a:ln>
+            <a:solidFill>
+              <a:schemeClr val="tx1"/>
+            </a:solidFill>
+          </a:ln>
+          <a:effectLst/>
+        </p:spPr>
+        <p:style>
+          <a:lnRef idx="1">
+            <a:schemeClr val="accent1"/>
+          </a:lnRef>
+          <a:fillRef idx="3">
+            <a:schemeClr val="accent1"/>
+          </a:fillRef>
+          <a:effectRef idx="2">
+            <a:schemeClr val="accent1"/>
+          </a:effectRef>
+          <a:fontRef idx="minor">
+            <a:schemeClr val="lt1"/>
+          </a:fontRef>
+        </p:style>
+        <p:txBody>
+          <a:bodyPr rtlCol="0" anchor="ctr"/>
+          <a:lstStyle/>
+          <a:p>
+            <a:pPr algn="ctr"/>
+            <a:endParaRPr lang="en-US"/>
+          </a:p>
+        </p:txBody>
+      </p:sp>
+      <p:sp>
+        <p:nvSpPr>
+          <p:cNvPr id="30" name="Oval 29"/>
+          <p:cNvSpPr/>
+          <p:nvPr/>
+        </p:nvSpPr>
+        <p:spPr>
+          <a:xfrm>
+            <a:off x="6986587" y="1596023"/>
+            <a:ext cx="105777" cy="105777"/>
+          </a:xfrm>
+          <a:prstGeom prst="ellipse">
+            <a:avLst/>
+          </a:prstGeom>
+          <a:solidFill>
+            <a:schemeClr val="tx1"/>
+          </a:solidFill>
+          <a:ln>
+            <a:solidFill>
+              <a:schemeClr val="tx1"/>
+            </a:solidFill>
+          </a:ln>
+          <a:effectLst/>
+        </p:spPr>
+        <p:style>
+          <a:lnRef idx="1">
+            <a:schemeClr val="accent1"/>
+          </a:lnRef>
+          <a:fillRef idx="3">
+            <a:schemeClr val="accent1"/>
+          </a:fillRef>
+          <a:effectRef idx="2">
+            <a:schemeClr val="accent1"/>
+          </a:effectRef>
+          <a:fontRef idx="minor">
+            <a:schemeClr val="lt1"/>
+          </a:fontRef>
+        </p:style>
+        <p:txBody>
+          <a:bodyPr rtlCol="0" anchor="ctr"/>
+          <a:lstStyle/>
+          <a:p>
+            <a:pPr algn="ctr"/>
+            <a:endParaRPr lang="en-US"/>
+          </a:p>
+        </p:txBody>
+      </p:sp>
+      <p:sp>
+        <p:nvSpPr>
+          <p:cNvPr id="31" name="Oval 30"/>
+          <p:cNvSpPr/>
+          <p:nvPr/>
+        </p:nvSpPr>
+        <p:spPr>
+          <a:xfrm>
+            <a:off x="7151687" y="808623"/>
+            <a:ext cx="105777" cy="105777"/>
+          </a:xfrm>
+          <a:prstGeom prst="ellipse">
+            <a:avLst/>
+          </a:prstGeom>
+          <a:solidFill>
+            <a:schemeClr val="tx1"/>
+          </a:solidFill>
+          <a:ln>
+            <a:solidFill>
+              <a:schemeClr val="tx1"/>
+            </a:solidFill>
+          </a:ln>
+          <a:effectLst/>
+        </p:spPr>
+        <p:style>
+          <a:lnRef idx="1">
+            <a:schemeClr val="accent1"/>
+          </a:lnRef>
+          <a:fillRef idx="3">
+            <a:schemeClr val="accent1"/>
+          </a:fillRef>
+          <a:effectRef idx="2">
+            <a:schemeClr val="accent1"/>
+          </a:effectRef>
+          <a:fontRef idx="minor">
+            <a:schemeClr val="lt1"/>
+          </a:fontRef>
+        </p:style>
+        <p:txBody>
+          <a:bodyPr rtlCol="0" anchor="ctr"/>
+          <a:lstStyle/>
+          <a:p>
+            <a:pPr algn="ctr"/>
+            <a:endParaRPr lang="en-US"/>
+          </a:p>
+        </p:txBody>
+      </p:sp>
+      <p:sp>
+        <p:nvSpPr>
+          <p:cNvPr id="32" name="Rectangle 31"/>
+          <p:cNvSpPr/>
+          <p:nvPr/>
+        </p:nvSpPr>
+        <p:spPr>
+          <a:xfrm>
+            <a:off x="231773" y="2393950"/>
+            <a:ext cx="1044575" cy="1044575"/>
+          </a:xfrm>
+          <a:prstGeom prst="rect">
+            <a:avLst/>
+          </a:prstGeom>
+          <a:noFill/>
+          <a:ln>
+            <a:solidFill>
+              <a:schemeClr val="tx1"/>
+            </a:solidFill>
+          </a:ln>
+          <a:effectLst/>
+        </p:spPr>
+        <p:style>
+          <a:lnRef idx="1">
+            <a:schemeClr val="accent1"/>
+          </a:lnRef>
+          <a:fillRef idx="3">
+            <a:schemeClr val="accent1"/>
+          </a:fillRef>
+          <a:effectRef idx="2">
+            <a:schemeClr val="accent1"/>
+          </a:effectRef>
+          <a:fontRef idx="minor">
+            <a:schemeClr val="lt1"/>
+          </a:fontRef>
+        </p:style>
+        <p:txBody>
+          <a:bodyPr rtlCol="0" anchor="ctr"/>
+          <a:lstStyle/>
+          <a:p>
+            <a:pPr algn="ctr"/>
+            <a:endParaRPr lang="en-US"/>
+          </a:p>
+        </p:txBody>
+      </p:sp>
+      <p:sp>
+        <p:nvSpPr>
+          <p:cNvPr id="33" name="TextBox 32"/>
+          <p:cNvSpPr txBox="1"/>
+          <p:nvPr/>
+        </p:nvSpPr>
+        <p:spPr>
+          <a:xfrm>
+            <a:off x="1458119" y="576202"/>
+            <a:ext cx="4589462" cy="2862323"/>
+          </a:xfrm>
+          <a:prstGeom prst="rect">
+            <a:avLst/>
+          </a:prstGeom>
+          <a:noFill/>
+        </p:spPr>
+        <p:txBody>
+          <a:bodyPr wrap="square" rtlCol="0">
+            <a:spAutoFit/>
+          </a:bodyPr>
+          <a:lstStyle/>
+          <a:p>
+            <a:r>
+              <a:rPr lang="en-US" dirty="0" smtClean="0"/>
+              <a:t>The </a:t>
+            </a:r>
+            <a:r>
+              <a:rPr lang="en-US" dirty="0" smtClean="0"/>
+              <a:t>probability </a:t>
+            </a:r>
+            <a:r>
+              <a:rPr lang="en-US" dirty="0" smtClean="0"/>
+              <a:t>of a source premises infecting a given premises n in another cell is:</a:t>
+            </a:r>
+          </a:p>
+          <a:p>
+            <a:endParaRPr lang="en-US" dirty="0"/>
+          </a:p>
+          <a:p>
+            <a:pPr algn="ctr"/>
+            <a:r>
+              <a:rPr lang="en-US" dirty="0"/>
+              <a:t>p</a:t>
+            </a:r>
+            <a:r>
+              <a:rPr lang="en-US" baseline="-25000" dirty="0" smtClean="0"/>
+              <a:t>n</a:t>
+            </a:r>
+            <a:r>
+              <a:rPr lang="en-US" dirty="0" smtClean="0"/>
+              <a:t> = 1-e^</a:t>
+            </a:r>
+            <a:r>
+              <a:rPr lang="en-US" dirty="0" smtClean="0"/>
+              <a:t>(-</a:t>
+            </a:r>
+            <a:r>
+              <a:rPr lang="en-US" dirty="0" err="1" smtClean="0"/>
+              <a:t>k</a:t>
+            </a:r>
+            <a:r>
+              <a:rPr lang="en-US" baseline="-25000" dirty="0" err="1" smtClean="0"/>
+              <a:t>n</a:t>
+            </a:r>
+            <a:r>
+              <a:rPr lang="en-US" dirty="0" smtClean="0"/>
+              <a:t>*</a:t>
+            </a:r>
+            <a:r>
+              <a:rPr lang="en-US" dirty="0" err="1" smtClean="0"/>
+              <a:t>s</a:t>
+            </a:r>
+            <a:r>
+              <a:rPr lang="en-US" baseline="-25000" dirty="0" err="1" smtClean="0"/>
+              <a:t>n</a:t>
+            </a:r>
+            <a:r>
+              <a:rPr lang="en-US" dirty="0" smtClean="0"/>
+              <a:t>*i</a:t>
+            </a:r>
+            <a:r>
+              <a:rPr lang="en-US" baseline="-25000" dirty="0" smtClean="0"/>
+              <a:t>s</a:t>
+            </a:r>
+            <a:r>
+              <a:rPr lang="en-US" dirty="0" smtClean="0"/>
+              <a:t>)</a:t>
+            </a:r>
+          </a:p>
+          <a:p>
+            <a:endParaRPr lang="en-US" dirty="0"/>
+          </a:p>
+          <a:p>
+            <a:r>
+              <a:rPr lang="en-US" dirty="0" smtClean="0"/>
+              <a:t>where </a:t>
+            </a:r>
+            <a:r>
+              <a:rPr lang="en-US" dirty="0" err="1" smtClean="0"/>
+              <a:t>k</a:t>
+            </a:r>
+            <a:r>
+              <a:rPr lang="en-US" baseline="-25000" dirty="0" err="1" smtClean="0"/>
+              <a:t>n</a:t>
+            </a:r>
+            <a:r>
+              <a:rPr lang="en-US" dirty="0" smtClean="0"/>
+              <a:t> is the kernel value at the distance from source to premises n, </a:t>
+            </a:r>
+          </a:p>
+          <a:p>
+            <a:r>
+              <a:rPr lang="en-US" dirty="0" err="1" smtClean="0"/>
+              <a:t>s</a:t>
+            </a:r>
+            <a:r>
+              <a:rPr lang="en-US" baseline="-25000" dirty="0" err="1" smtClean="0"/>
+              <a:t>n</a:t>
+            </a:r>
+            <a:r>
+              <a:rPr lang="en-US" dirty="0" smtClean="0"/>
+              <a:t> is the susceptibility value of premises n, and</a:t>
+            </a:r>
+          </a:p>
+          <a:p>
+            <a:r>
+              <a:rPr lang="en-US" dirty="0" smtClean="0"/>
+              <a:t>i</a:t>
+            </a:r>
+            <a:r>
+              <a:rPr lang="en-US" baseline="-25000" dirty="0" smtClean="0"/>
+              <a:t>s</a:t>
+            </a:r>
+            <a:r>
+              <a:rPr lang="en-US" dirty="0" smtClean="0"/>
+              <a:t> is the infectiousness of the source premises.</a:t>
+            </a:r>
+          </a:p>
+          <a:p>
+            <a:endParaRPr lang="en-US" dirty="0"/>
+          </a:p>
+        </p:txBody>
+      </p:sp>
+      <p:sp>
+        <p:nvSpPr>
+          <p:cNvPr id="34" name="TextBox 33"/>
+          <p:cNvSpPr txBox="1"/>
+          <p:nvPr/>
+        </p:nvSpPr>
+        <p:spPr>
+          <a:xfrm>
+            <a:off x="1160342" y="5454314"/>
+            <a:ext cx="6673554" cy="923330"/>
+          </a:xfrm>
+          <a:prstGeom prst="rect">
+            <a:avLst/>
+          </a:prstGeom>
+          <a:noFill/>
+        </p:spPr>
+        <p:txBody>
+          <a:bodyPr wrap="square" rtlCol="0">
+            <a:spAutoFit/>
+          </a:bodyPr>
+          <a:lstStyle/>
+          <a:p>
+            <a:r>
+              <a:rPr lang="en-US" dirty="0"/>
+              <a:t>The </a:t>
+            </a:r>
+            <a:r>
+              <a:rPr lang="en-US" dirty="0" smtClean="0"/>
+              <a:t>exact </a:t>
+            </a:r>
+            <a:r>
+              <a:rPr lang="en-US" dirty="0" smtClean="0"/>
+              <a:t>value </a:t>
+            </a:r>
+            <a:r>
+              <a:rPr lang="en-US" dirty="0"/>
+              <a:t>of p</a:t>
+            </a:r>
+            <a:r>
+              <a:rPr lang="en-US" baseline="-25000" dirty="0"/>
+              <a:t>n</a:t>
+            </a:r>
+            <a:r>
+              <a:rPr lang="en-US" dirty="0"/>
+              <a:t> is unknown/computationally expensive, but we can put upper bounds on it.</a:t>
+            </a:r>
+          </a:p>
+          <a:p>
+            <a:endParaRPr lang="en-US" dirty="0"/>
+          </a:p>
+        </p:txBody>
+      </p:sp>
+      <p:sp>
+        <p:nvSpPr>
+          <p:cNvPr id="35" name="Oval 34"/>
+          <p:cNvSpPr/>
+          <p:nvPr/>
+        </p:nvSpPr>
+        <p:spPr>
+          <a:xfrm>
+            <a:off x="396625" y="2940912"/>
+            <a:ext cx="105777" cy="105777"/>
+          </a:xfrm>
+          <a:prstGeom prst="ellipse">
+            <a:avLst/>
+          </a:prstGeom>
+          <a:solidFill>
+            <a:srgbClr val="FF0000"/>
+          </a:solidFill>
+          <a:ln>
+            <a:solidFill>
+              <a:schemeClr val="tx1"/>
+            </a:solidFill>
+          </a:ln>
+          <a:effectLst/>
+        </p:spPr>
+        <p:style>
+          <a:lnRef idx="1">
+            <a:schemeClr val="accent1"/>
+          </a:lnRef>
+          <a:fillRef idx="3">
+            <a:schemeClr val="accent1"/>
+          </a:fillRef>
+          <a:effectRef idx="2">
+            <a:schemeClr val="accent1"/>
+          </a:effectRef>
+          <a:fontRef idx="minor">
+            <a:schemeClr val="lt1"/>
+          </a:fontRef>
+        </p:style>
+        <p:txBody>
+          <a:bodyPr rtlCol="0" anchor="ctr"/>
+          <a:lstStyle/>
+          <a:p>
+            <a:pPr algn="ctr"/>
+            <a:endParaRPr lang="en-US"/>
+          </a:p>
+        </p:txBody>
+      </p:sp>
+      <p:sp>
+        <p:nvSpPr>
+          <p:cNvPr id="36" name="TextBox 35"/>
+          <p:cNvSpPr txBox="1"/>
+          <p:nvPr/>
+        </p:nvSpPr>
+        <p:spPr>
+          <a:xfrm>
+            <a:off x="2259261" y="4524176"/>
+            <a:ext cx="414421" cy="369332"/>
+          </a:xfrm>
+          <a:prstGeom prst="rect">
+            <a:avLst/>
+          </a:prstGeom>
+          <a:noFill/>
+        </p:spPr>
+        <p:txBody>
+          <a:bodyPr wrap="square" rtlCol="0">
+            <a:spAutoFit/>
+          </a:bodyPr>
+          <a:lstStyle/>
+          <a:p>
+            <a:r>
+              <a:rPr lang="en-US" dirty="0" smtClean="0"/>
+              <a:t>…</a:t>
+            </a:r>
+          </a:p>
+        </p:txBody>
+      </p:sp>
+    </p:spTree>
+    <p:extLst>
+      <p:ext uri="{BB962C8B-B14F-4D97-AF65-F5344CB8AC3E}">
+        <p14:creationId xmlns:p14="http://schemas.microsoft.com/office/powerpoint/2010/main" val="874525768"/>
+      </p:ext>
+    </p:extLst>
+  </p:cSld>
+  <p:clrMapOvr>
+    <a:masterClrMapping/>
+  </p:clrMapOvr>
+</p:sld>
+</file>
+
 <file path=ppt/slides/slide2.xml><?xml version="1.0" encoding="utf-8"?>
 <p:sld xmlns:a="http://schemas.openxmlformats.org/drawingml/2006/main" xmlns:r="http://schemas.openxmlformats.org/officeDocument/2006/relationships" xmlns:p="http://schemas.openxmlformats.org/presentationml/2006/main">
   <p:cSld>
@@ -9748,6 +10714,5715 @@
       </p:par>
     </p:tnLst>
   </p:timing>
+</p:sld>
+</file>
+
+<file path=ppt/slides/slide20.xml><?xml version="1.0" encoding="utf-8"?>
+<p:sld xmlns:a="http://schemas.openxmlformats.org/drawingml/2006/main" xmlns:r="http://schemas.openxmlformats.org/officeDocument/2006/relationships" xmlns:p="http://schemas.openxmlformats.org/presentationml/2006/main">
+  <p:cSld>
+    <p:spTree>
+      <p:nvGrpSpPr>
+        <p:cNvPr id="1" name=""/>
+        <p:cNvGrpSpPr/>
+        <p:nvPr/>
+      </p:nvGrpSpPr>
+      <p:grpSpPr>
+        <a:xfrm>
+          <a:off x="0" y="0"/>
+          <a:ext cx="0" cy="0"/>
+          <a:chOff x="0" y="0"/>
+          <a:chExt cx="0" cy="0"/>
+        </a:xfrm>
+      </p:grpSpPr>
+      <p:cxnSp>
+        <p:nvCxnSpPr>
+          <p:cNvPr id="3" name="Straight Connector 2"/>
+          <p:cNvCxnSpPr/>
+          <p:nvPr/>
+        </p:nvCxnSpPr>
+        <p:spPr>
+          <a:xfrm flipV="1">
+            <a:off x="3130550" y="4114800"/>
+            <a:ext cx="3657600" cy="38100"/>
+          </a:xfrm>
+          <a:prstGeom prst="line">
+            <a:avLst/>
+          </a:prstGeom>
+          <a:ln>
+            <a:solidFill>
+              <a:schemeClr val="bg1">
+                <a:lumMod val="50000"/>
+              </a:schemeClr>
+            </a:solidFill>
+            <a:headEnd type="oval"/>
+            <a:tailEnd type="oval"/>
+          </a:ln>
+          <a:effectLst/>
+        </p:spPr>
+        <p:style>
+          <a:lnRef idx="2">
+            <a:schemeClr val="accent1"/>
+          </a:lnRef>
+          <a:fillRef idx="0">
+            <a:schemeClr val="accent1"/>
+          </a:fillRef>
+          <a:effectRef idx="1">
+            <a:schemeClr val="accent1"/>
+          </a:effectRef>
+          <a:fontRef idx="minor">
+            <a:schemeClr val="tx1"/>
+          </a:fontRef>
+        </p:style>
+      </p:cxnSp>
+      <p:cxnSp>
+        <p:nvCxnSpPr>
+          <p:cNvPr id="4" name="Straight Connector 3"/>
+          <p:cNvCxnSpPr/>
+          <p:nvPr/>
+        </p:nvCxnSpPr>
+        <p:spPr>
+          <a:xfrm flipV="1">
+            <a:off x="3130550" y="4521200"/>
+            <a:ext cx="3657600" cy="38100"/>
+          </a:xfrm>
+          <a:prstGeom prst="line">
+            <a:avLst/>
+          </a:prstGeom>
+          <a:ln>
+            <a:solidFill>
+              <a:schemeClr val="bg1">
+                <a:lumMod val="50000"/>
+              </a:schemeClr>
+            </a:solidFill>
+            <a:headEnd type="oval"/>
+            <a:tailEnd type="oval"/>
+          </a:ln>
+          <a:effectLst/>
+        </p:spPr>
+        <p:style>
+          <a:lnRef idx="2">
+            <a:schemeClr val="accent1"/>
+          </a:lnRef>
+          <a:fillRef idx="0">
+            <a:schemeClr val="accent1"/>
+          </a:fillRef>
+          <a:effectRef idx="1">
+            <a:schemeClr val="accent1"/>
+          </a:effectRef>
+          <a:fontRef idx="minor">
+            <a:schemeClr val="tx1"/>
+          </a:fontRef>
+        </p:style>
+      </p:cxnSp>
+      <p:cxnSp>
+        <p:nvCxnSpPr>
+          <p:cNvPr id="5" name="Straight Connector 4"/>
+          <p:cNvCxnSpPr/>
+          <p:nvPr/>
+        </p:nvCxnSpPr>
+        <p:spPr>
+          <a:xfrm flipV="1">
+            <a:off x="3130550" y="4914900"/>
+            <a:ext cx="3657600" cy="38100"/>
+          </a:xfrm>
+          <a:prstGeom prst="line">
+            <a:avLst/>
+          </a:prstGeom>
+          <a:ln>
+            <a:solidFill>
+              <a:schemeClr val="bg1">
+                <a:lumMod val="50000"/>
+              </a:schemeClr>
+            </a:solidFill>
+            <a:headEnd type="oval"/>
+            <a:tailEnd type="oval"/>
+          </a:ln>
+          <a:effectLst/>
+        </p:spPr>
+        <p:style>
+          <a:lnRef idx="2">
+            <a:schemeClr val="accent1"/>
+          </a:lnRef>
+          <a:fillRef idx="0">
+            <a:schemeClr val="accent1"/>
+          </a:fillRef>
+          <a:effectRef idx="1">
+            <a:schemeClr val="accent1"/>
+          </a:effectRef>
+          <a:fontRef idx="minor">
+            <a:schemeClr val="tx1"/>
+          </a:fontRef>
+        </p:style>
+      </p:cxnSp>
+      <p:sp>
+        <p:nvSpPr>
+          <p:cNvPr id="7" name="TextBox 6"/>
+          <p:cNvSpPr txBox="1"/>
+          <p:nvPr/>
+        </p:nvSpPr>
+        <p:spPr>
+          <a:xfrm>
+            <a:off x="1809750" y="3962400"/>
+            <a:ext cx="1168400" cy="342900"/>
+          </a:xfrm>
+          <a:prstGeom prst="rect">
+            <a:avLst/>
+          </a:prstGeom>
+          <a:noFill/>
+        </p:spPr>
+        <p:txBody>
+          <a:bodyPr wrap="square" rtlCol="0">
+            <a:spAutoFit/>
+          </a:bodyPr>
+          <a:lstStyle/>
+          <a:p>
+            <a:pPr algn="r"/>
+            <a:r>
+              <a:rPr lang="en-US" sz="1600" dirty="0" smtClean="0"/>
+              <a:t>Premises 1</a:t>
+            </a:r>
+          </a:p>
+        </p:txBody>
+      </p:sp>
+      <p:sp>
+        <p:nvSpPr>
+          <p:cNvPr id="16" name="TextBox 15"/>
+          <p:cNvSpPr txBox="1"/>
+          <p:nvPr/>
+        </p:nvSpPr>
+        <p:spPr>
+          <a:xfrm>
+            <a:off x="1809750" y="4362450"/>
+            <a:ext cx="1168400" cy="342900"/>
+          </a:xfrm>
+          <a:prstGeom prst="rect">
+            <a:avLst/>
+          </a:prstGeom>
+          <a:noFill/>
+        </p:spPr>
+        <p:txBody>
+          <a:bodyPr wrap="square" rtlCol="0">
+            <a:spAutoFit/>
+          </a:bodyPr>
+          <a:lstStyle/>
+          <a:p>
+            <a:pPr algn="r"/>
+            <a:r>
+              <a:rPr lang="en-US" sz="1600" dirty="0" smtClean="0"/>
+              <a:t>Premises 2</a:t>
+            </a:r>
+          </a:p>
+        </p:txBody>
+      </p:sp>
+      <p:sp>
+        <p:nvSpPr>
+          <p:cNvPr id="17" name="TextBox 16"/>
+          <p:cNvSpPr txBox="1"/>
+          <p:nvPr/>
+        </p:nvSpPr>
+        <p:spPr>
+          <a:xfrm>
+            <a:off x="1809750" y="4743450"/>
+            <a:ext cx="1168400" cy="342900"/>
+          </a:xfrm>
+          <a:prstGeom prst="rect">
+            <a:avLst/>
+          </a:prstGeom>
+          <a:noFill/>
+        </p:spPr>
+        <p:txBody>
+          <a:bodyPr wrap="square" rtlCol="0">
+            <a:spAutoFit/>
+          </a:bodyPr>
+          <a:lstStyle/>
+          <a:p>
+            <a:pPr algn="r"/>
+            <a:r>
+              <a:rPr lang="en-US" sz="1600" dirty="0" smtClean="0"/>
+              <a:t>Premises n</a:t>
+            </a:r>
+          </a:p>
+        </p:txBody>
+      </p:sp>
+      <p:sp>
+        <p:nvSpPr>
+          <p:cNvPr id="18" name="TextBox 17"/>
+          <p:cNvSpPr txBox="1"/>
+          <p:nvPr/>
+        </p:nvSpPr>
+        <p:spPr>
+          <a:xfrm>
+            <a:off x="3225800" y="3750846"/>
+            <a:ext cx="368300" cy="338554"/>
+          </a:xfrm>
+          <a:prstGeom prst="rect">
+            <a:avLst/>
+          </a:prstGeom>
+          <a:noFill/>
+        </p:spPr>
+        <p:txBody>
+          <a:bodyPr wrap="square" rtlCol="0">
+            <a:spAutoFit/>
+          </a:bodyPr>
+          <a:lstStyle/>
+          <a:p>
+            <a:pPr algn="r"/>
+            <a:r>
+              <a:rPr lang="en-US" sz="1600" dirty="0" smtClean="0"/>
+              <a:t>p</a:t>
+            </a:r>
+            <a:r>
+              <a:rPr lang="en-US" sz="1600" baseline="-25000" dirty="0" smtClean="0"/>
+              <a:t>1</a:t>
+            </a:r>
+          </a:p>
+        </p:txBody>
+      </p:sp>
+      <p:sp>
+        <p:nvSpPr>
+          <p:cNvPr id="19" name="TextBox 18"/>
+          <p:cNvSpPr txBox="1"/>
+          <p:nvPr/>
+        </p:nvSpPr>
+        <p:spPr>
+          <a:xfrm>
+            <a:off x="3384550" y="4165600"/>
+            <a:ext cx="368300" cy="338554"/>
+          </a:xfrm>
+          <a:prstGeom prst="rect">
+            <a:avLst/>
+          </a:prstGeom>
+          <a:noFill/>
+        </p:spPr>
+        <p:txBody>
+          <a:bodyPr wrap="square" rtlCol="0">
+            <a:spAutoFit/>
+          </a:bodyPr>
+          <a:lstStyle/>
+          <a:p>
+            <a:pPr algn="r"/>
+            <a:r>
+              <a:rPr lang="en-US" sz="1600" dirty="0" smtClean="0"/>
+              <a:t>p</a:t>
+            </a:r>
+            <a:r>
+              <a:rPr lang="en-US" sz="1600" baseline="-25000" dirty="0" smtClean="0"/>
+              <a:t>2</a:t>
+            </a:r>
+          </a:p>
+        </p:txBody>
+      </p:sp>
+      <p:sp>
+        <p:nvSpPr>
+          <p:cNvPr id="20" name="TextBox 19"/>
+          <p:cNvSpPr txBox="1"/>
+          <p:nvPr/>
+        </p:nvSpPr>
+        <p:spPr>
+          <a:xfrm>
+            <a:off x="3263900" y="4554954"/>
+            <a:ext cx="368300" cy="338554"/>
+          </a:xfrm>
+          <a:prstGeom prst="rect">
+            <a:avLst/>
+          </a:prstGeom>
+          <a:noFill/>
+        </p:spPr>
+        <p:txBody>
+          <a:bodyPr wrap="square" rtlCol="0">
+            <a:spAutoFit/>
+          </a:bodyPr>
+          <a:lstStyle/>
+          <a:p>
+            <a:pPr algn="r"/>
+            <a:r>
+              <a:rPr lang="en-US" sz="1600" dirty="0" smtClean="0"/>
+              <a:t>p</a:t>
+            </a:r>
+            <a:r>
+              <a:rPr lang="en-US" sz="1600" baseline="-25000" dirty="0" smtClean="0"/>
+              <a:t>n</a:t>
+            </a:r>
+          </a:p>
+        </p:txBody>
+      </p:sp>
+      <p:sp>
+        <p:nvSpPr>
+          <p:cNvPr id="21" name="TextBox 20"/>
+          <p:cNvSpPr txBox="1"/>
+          <p:nvPr/>
+        </p:nvSpPr>
+        <p:spPr>
+          <a:xfrm>
+            <a:off x="2946400" y="3581569"/>
+            <a:ext cx="368300" cy="338554"/>
+          </a:xfrm>
+          <a:prstGeom prst="rect">
+            <a:avLst/>
+          </a:prstGeom>
+          <a:noFill/>
+        </p:spPr>
+        <p:txBody>
+          <a:bodyPr wrap="square" rtlCol="0">
+            <a:spAutoFit/>
+          </a:bodyPr>
+          <a:lstStyle/>
+          <a:p>
+            <a:pPr algn="ctr"/>
+            <a:r>
+              <a:rPr lang="en-US" sz="1600" dirty="0" smtClean="0">
+                <a:solidFill>
+                  <a:schemeClr val="bg1">
+                    <a:lumMod val="50000"/>
+                  </a:schemeClr>
+                </a:solidFill>
+              </a:rPr>
+              <a:t>0</a:t>
+            </a:r>
+            <a:endParaRPr lang="en-US" sz="1600" baseline="-25000" dirty="0" smtClean="0">
+              <a:solidFill>
+                <a:schemeClr val="bg1">
+                  <a:lumMod val="50000"/>
+                </a:schemeClr>
+              </a:solidFill>
+            </a:endParaRPr>
+          </a:p>
+        </p:txBody>
+      </p:sp>
+      <p:sp>
+        <p:nvSpPr>
+          <p:cNvPr id="22" name="TextBox 21"/>
+          <p:cNvSpPr txBox="1"/>
+          <p:nvPr/>
+        </p:nvSpPr>
+        <p:spPr>
+          <a:xfrm flipH="1">
+            <a:off x="6592887" y="3581569"/>
+            <a:ext cx="390525" cy="338554"/>
+          </a:xfrm>
+          <a:prstGeom prst="rect">
+            <a:avLst/>
+          </a:prstGeom>
+          <a:noFill/>
+        </p:spPr>
+        <p:txBody>
+          <a:bodyPr wrap="square" rtlCol="0">
+            <a:spAutoFit/>
+          </a:bodyPr>
+          <a:lstStyle/>
+          <a:p>
+            <a:pPr algn="ctr"/>
+            <a:r>
+              <a:rPr lang="en-US" sz="1600" dirty="0" smtClean="0">
+                <a:solidFill>
+                  <a:schemeClr val="bg1">
+                    <a:lumMod val="50000"/>
+                  </a:schemeClr>
+                </a:solidFill>
+              </a:rPr>
+              <a:t>1</a:t>
+            </a:r>
+            <a:endParaRPr lang="en-US" sz="1600" baseline="-25000" dirty="0" smtClean="0">
+              <a:solidFill>
+                <a:schemeClr val="bg1">
+                  <a:lumMod val="50000"/>
+                </a:schemeClr>
+              </a:solidFill>
+            </a:endParaRPr>
+          </a:p>
+        </p:txBody>
+      </p:sp>
+      <p:sp>
+        <p:nvSpPr>
+          <p:cNvPr id="23" name="Rectangle 22"/>
+          <p:cNvSpPr/>
+          <p:nvPr/>
+        </p:nvSpPr>
+        <p:spPr>
+          <a:xfrm>
+            <a:off x="6399212" y="304800"/>
+            <a:ext cx="2089150" cy="2089150"/>
+          </a:xfrm>
+          <a:prstGeom prst="rect">
+            <a:avLst/>
+          </a:prstGeom>
+          <a:noFill/>
+          <a:ln>
+            <a:solidFill>
+              <a:schemeClr val="tx1"/>
+            </a:solidFill>
+          </a:ln>
+          <a:effectLst/>
+        </p:spPr>
+        <p:style>
+          <a:lnRef idx="1">
+            <a:schemeClr val="accent1"/>
+          </a:lnRef>
+          <a:fillRef idx="3">
+            <a:schemeClr val="accent1"/>
+          </a:fillRef>
+          <a:effectRef idx="2">
+            <a:schemeClr val="accent1"/>
+          </a:effectRef>
+          <a:fontRef idx="minor">
+            <a:schemeClr val="lt1"/>
+          </a:fontRef>
+        </p:style>
+        <p:txBody>
+          <a:bodyPr rtlCol="0" anchor="ctr"/>
+          <a:lstStyle/>
+          <a:p>
+            <a:pPr algn="ctr"/>
+            <a:endParaRPr lang="en-US"/>
+          </a:p>
+        </p:txBody>
+      </p:sp>
+      <p:sp>
+        <p:nvSpPr>
+          <p:cNvPr id="24" name="TextBox 23"/>
+          <p:cNvSpPr txBox="1"/>
+          <p:nvPr/>
+        </p:nvSpPr>
+        <p:spPr>
+          <a:xfrm>
+            <a:off x="6399212" y="1088023"/>
+            <a:ext cx="1168400" cy="342900"/>
+          </a:xfrm>
+          <a:prstGeom prst="rect">
+            <a:avLst/>
+          </a:prstGeom>
+          <a:noFill/>
+        </p:spPr>
+        <p:txBody>
+          <a:bodyPr wrap="square" rtlCol="0">
+            <a:spAutoFit/>
+          </a:bodyPr>
+          <a:lstStyle/>
+          <a:p>
+            <a:pPr algn="r"/>
+            <a:r>
+              <a:rPr lang="en-US" sz="1600" dirty="0" smtClean="0"/>
+              <a:t>Premises 2</a:t>
+            </a:r>
+          </a:p>
+        </p:txBody>
+      </p:sp>
+      <p:sp>
+        <p:nvSpPr>
+          <p:cNvPr id="25" name="TextBox 24"/>
+          <p:cNvSpPr txBox="1"/>
+          <p:nvPr/>
+        </p:nvSpPr>
+        <p:spPr>
+          <a:xfrm>
+            <a:off x="7154862" y="685800"/>
+            <a:ext cx="1168400" cy="342900"/>
+          </a:xfrm>
+          <a:prstGeom prst="rect">
+            <a:avLst/>
+          </a:prstGeom>
+          <a:noFill/>
+        </p:spPr>
+        <p:txBody>
+          <a:bodyPr wrap="square" rtlCol="0">
+            <a:spAutoFit/>
+          </a:bodyPr>
+          <a:lstStyle/>
+          <a:p>
+            <a:pPr algn="r"/>
+            <a:r>
+              <a:rPr lang="en-US" sz="1600" dirty="0" smtClean="0"/>
+              <a:t>Premises 1</a:t>
+            </a:r>
+          </a:p>
+        </p:txBody>
+      </p:sp>
+      <p:sp>
+        <p:nvSpPr>
+          <p:cNvPr id="26" name="TextBox 25"/>
+          <p:cNvSpPr txBox="1"/>
+          <p:nvPr/>
+        </p:nvSpPr>
+        <p:spPr>
+          <a:xfrm>
+            <a:off x="6983412" y="1422400"/>
+            <a:ext cx="1168400" cy="342900"/>
+          </a:xfrm>
+          <a:prstGeom prst="rect">
+            <a:avLst/>
+          </a:prstGeom>
+          <a:noFill/>
+        </p:spPr>
+        <p:txBody>
+          <a:bodyPr wrap="square" rtlCol="0">
+            <a:spAutoFit/>
+          </a:bodyPr>
+          <a:lstStyle/>
+          <a:p>
+            <a:pPr algn="r"/>
+            <a:r>
+              <a:rPr lang="en-US" sz="1600" dirty="0" smtClean="0"/>
+              <a:t>Premises n</a:t>
+            </a:r>
+          </a:p>
+        </p:txBody>
+      </p:sp>
+      <p:sp>
+        <p:nvSpPr>
+          <p:cNvPr id="29" name="Oval 28"/>
+          <p:cNvSpPr/>
+          <p:nvPr/>
+        </p:nvSpPr>
+        <p:spPr>
+          <a:xfrm>
+            <a:off x="6567487" y="1380123"/>
+            <a:ext cx="105777" cy="105777"/>
+          </a:xfrm>
+          <a:prstGeom prst="ellipse">
+            <a:avLst/>
+          </a:prstGeom>
+          <a:solidFill>
+            <a:schemeClr val="tx1"/>
+          </a:solidFill>
+          <a:ln>
+            <a:solidFill>
+              <a:schemeClr val="tx1"/>
+            </a:solidFill>
+          </a:ln>
+          <a:effectLst/>
+        </p:spPr>
+        <p:style>
+          <a:lnRef idx="1">
+            <a:schemeClr val="accent1"/>
+          </a:lnRef>
+          <a:fillRef idx="3">
+            <a:schemeClr val="accent1"/>
+          </a:fillRef>
+          <a:effectRef idx="2">
+            <a:schemeClr val="accent1"/>
+          </a:effectRef>
+          <a:fontRef idx="minor">
+            <a:schemeClr val="lt1"/>
+          </a:fontRef>
+        </p:style>
+        <p:txBody>
+          <a:bodyPr rtlCol="0" anchor="ctr"/>
+          <a:lstStyle/>
+          <a:p>
+            <a:pPr algn="ctr"/>
+            <a:endParaRPr lang="en-US"/>
+          </a:p>
+        </p:txBody>
+      </p:sp>
+      <p:sp>
+        <p:nvSpPr>
+          <p:cNvPr id="30" name="Oval 29"/>
+          <p:cNvSpPr/>
+          <p:nvPr/>
+        </p:nvSpPr>
+        <p:spPr>
+          <a:xfrm>
+            <a:off x="6986587" y="1596023"/>
+            <a:ext cx="105777" cy="105777"/>
+          </a:xfrm>
+          <a:prstGeom prst="ellipse">
+            <a:avLst/>
+          </a:prstGeom>
+          <a:solidFill>
+            <a:schemeClr val="tx1"/>
+          </a:solidFill>
+          <a:ln>
+            <a:solidFill>
+              <a:schemeClr val="tx1"/>
+            </a:solidFill>
+          </a:ln>
+          <a:effectLst/>
+        </p:spPr>
+        <p:style>
+          <a:lnRef idx="1">
+            <a:schemeClr val="accent1"/>
+          </a:lnRef>
+          <a:fillRef idx="3">
+            <a:schemeClr val="accent1"/>
+          </a:fillRef>
+          <a:effectRef idx="2">
+            <a:schemeClr val="accent1"/>
+          </a:effectRef>
+          <a:fontRef idx="minor">
+            <a:schemeClr val="lt1"/>
+          </a:fontRef>
+        </p:style>
+        <p:txBody>
+          <a:bodyPr rtlCol="0" anchor="ctr"/>
+          <a:lstStyle/>
+          <a:p>
+            <a:pPr algn="ctr"/>
+            <a:endParaRPr lang="en-US"/>
+          </a:p>
+        </p:txBody>
+      </p:sp>
+      <p:sp>
+        <p:nvSpPr>
+          <p:cNvPr id="31" name="Oval 30"/>
+          <p:cNvSpPr/>
+          <p:nvPr/>
+        </p:nvSpPr>
+        <p:spPr>
+          <a:xfrm>
+            <a:off x="7151687" y="808623"/>
+            <a:ext cx="105777" cy="105777"/>
+          </a:xfrm>
+          <a:prstGeom prst="ellipse">
+            <a:avLst/>
+          </a:prstGeom>
+          <a:solidFill>
+            <a:schemeClr val="tx1"/>
+          </a:solidFill>
+          <a:ln>
+            <a:solidFill>
+              <a:schemeClr val="tx1"/>
+            </a:solidFill>
+          </a:ln>
+          <a:effectLst/>
+        </p:spPr>
+        <p:style>
+          <a:lnRef idx="1">
+            <a:schemeClr val="accent1"/>
+          </a:lnRef>
+          <a:fillRef idx="3">
+            <a:schemeClr val="accent1"/>
+          </a:fillRef>
+          <a:effectRef idx="2">
+            <a:schemeClr val="accent1"/>
+          </a:effectRef>
+          <a:fontRef idx="minor">
+            <a:schemeClr val="lt1"/>
+          </a:fontRef>
+        </p:style>
+        <p:txBody>
+          <a:bodyPr rtlCol="0" anchor="ctr"/>
+          <a:lstStyle/>
+          <a:p>
+            <a:pPr algn="ctr"/>
+            <a:endParaRPr lang="en-US"/>
+          </a:p>
+        </p:txBody>
+      </p:sp>
+      <p:sp>
+        <p:nvSpPr>
+          <p:cNvPr id="33" name="TextBox 32"/>
+          <p:cNvSpPr txBox="1"/>
+          <p:nvPr/>
+        </p:nvSpPr>
+        <p:spPr>
+          <a:xfrm>
+            <a:off x="4224421" y="3455740"/>
+            <a:ext cx="614279" cy="338554"/>
+          </a:xfrm>
+          <a:prstGeom prst="rect">
+            <a:avLst/>
+          </a:prstGeom>
+          <a:noFill/>
+        </p:spPr>
+        <p:txBody>
+          <a:bodyPr wrap="square" rtlCol="0">
+            <a:spAutoFit/>
+          </a:bodyPr>
+          <a:lstStyle/>
+          <a:p>
+            <a:pPr algn="ctr"/>
+            <a:r>
+              <a:rPr lang="en-US" sz="1600" dirty="0" smtClean="0"/>
+              <a:t>p</a:t>
+            </a:r>
+            <a:r>
+              <a:rPr lang="en-US" sz="1600" baseline="-25000" dirty="0" smtClean="0"/>
+              <a:t>x</a:t>
+            </a:r>
+            <a:endParaRPr lang="en-US" sz="1600" baseline="-25000" dirty="0" smtClean="0"/>
+          </a:p>
+        </p:txBody>
+      </p:sp>
+      <p:cxnSp>
+        <p:nvCxnSpPr>
+          <p:cNvPr id="6" name="Straight Connector 5"/>
+          <p:cNvCxnSpPr>
+            <a:stCxn id="33" idx="2"/>
+          </p:cNvCxnSpPr>
+          <p:nvPr/>
+        </p:nvCxnSpPr>
+        <p:spPr>
+          <a:xfrm>
+            <a:off x="4531561" y="3794294"/>
+            <a:ext cx="2339" cy="1476206"/>
+          </a:xfrm>
+          <a:prstGeom prst="line">
+            <a:avLst/>
+          </a:prstGeom>
+          <a:ln>
+            <a:solidFill>
+              <a:schemeClr val="tx1"/>
+            </a:solidFill>
+            <a:prstDash val="dash"/>
+            <a:headEnd type="none"/>
+            <a:tailEnd type="none"/>
+          </a:ln>
+          <a:effectLst/>
+        </p:spPr>
+        <p:style>
+          <a:lnRef idx="2">
+            <a:schemeClr val="accent1"/>
+          </a:lnRef>
+          <a:fillRef idx="0">
+            <a:schemeClr val="accent1"/>
+          </a:fillRef>
+          <a:effectRef idx="1">
+            <a:schemeClr val="accent1"/>
+          </a:effectRef>
+          <a:fontRef idx="minor">
+            <a:schemeClr val="tx1"/>
+          </a:fontRef>
+        </p:style>
+      </p:cxnSp>
+      <p:sp>
+        <p:nvSpPr>
+          <p:cNvPr id="34" name="Oval 33"/>
+          <p:cNvSpPr/>
+          <p:nvPr/>
+        </p:nvSpPr>
+        <p:spPr>
+          <a:xfrm>
+            <a:off x="6351587" y="2319923"/>
+            <a:ext cx="105777" cy="105777"/>
+          </a:xfrm>
+          <a:prstGeom prst="ellipse">
+            <a:avLst/>
+          </a:prstGeom>
+          <a:solidFill>
+            <a:schemeClr val="bg1">
+              <a:lumMod val="50000"/>
+            </a:schemeClr>
+          </a:solidFill>
+          <a:ln>
+            <a:solidFill>
+              <a:srgbClr val="000000"/>
+            </a:solidFill>
+          </a:ln>
+          <a:effectLst/>
+        </p:spPr>
+        <p:style>
+          <a:lnRef idx="1">
+            <a:schemeClr val="accent1"/>
+          </a:lnRef>
+          <a:fillRef idx="3">
+            <a:schemeClr val="accent1"/>
+          </a:fillRef>
+          <a:effectRef idx="2">
+            <a:schemeClr val="accent1"/>
+          </a:effectRef>
+          <a:fontRef idx="minor">
+            <a:schemeClr val="lt1"/>
+          </a:fontRef>
+        </p:style>
+        <p:txBody>
+          <a:bodyPr rtlCol="0" anchor="ctr"/>
+          <a:lstStyle/>
+          <a:p>
+            <a:pPr algn="ctr"/>
+            <a:endParaRPr lang="en-US"/>
+          </a:p>
+        </p:txBody>
+      </p:sp>
+      <p:sp>
+        <p:nvSpPr>
+          <p:cNvPr id="35" name="TextBox 34"/>
+          <p:cNvSpPr txBox="1"/>
+          <p:nvPr/>
+        </p:nvSpPr>
+        <p:spPr>
+          <a:xfrm>
+            <a:off x="5815012" y="2408012"/>
+            <a:ext cx="1339850" cy="338554"/>
+          </a:xfrm>
+          <a:prstGeom prst="rect">
+            <a:avLst/>
+          </a:prstGeom>
+          <a:noFill/>
+        </p:spPr>
+        <p:txBody>
+          <a:bodyPr wrap="square" rtlCol="0">
+            <a:spAutoFit/>
+          </a:bodyPr>
+          <a:lstStyle/>
+          <a:p>
+            <a:pPr algn="r"/>
+            <a:r>
+              <a:rPr lang="en-US" sz="1600" dirty="0" smtClean="0"/>
+              <a:t>Premises </a:t>
+            </a:r>
+            <a:r>
+              <a:rPr lang="en-US" sz="1600" dirty="0" smtClean="0"/>
+              <a:t>x</a:t>
+            </a:r>
+            <a:endParaRPr lang="en-US" sz="1600" dirty="0" smtClean="0"/>
+          </a:p>
+        </p:txBody>
+      </p:sp>
+      <p:sp>
+        <p:nvSpPr>
+          <p:cNvPr id="8" name="TextBox 7"/>
+          <p:cNvSpPr txBox="1"/>
+          <p:nvPr/>
+        </p:nvSpPr>
+        <p:spPr>
+          <a:xfrm>
+            <a:off x="431801" y="326023"/>
+            <a:ext cx="5346700" cy="2031325"/>
+          </a:xfrm>
+          <a:prstGeom prst="rect">
+            <a:avLst/>
+          </a:prstGeom>
+          <a:noFill/>
+        </p:spPr>
+        <p:txBody>
+          <a:bodyPr wrap="square" rtlCol="0">
+            <a:spAutoFit/>
+          </a:bodyPr>
+          <a:lstStyle/>
+          <a:p>
+            <a:r>
+              <a:rPr lang="en-US" dirty="0" smtClean="0"/>
+              <a:t>Hypothetical premises x is located at the closest possible distance in the cell to the source (largest kernel value) and has the largest susceptibility value of any of the premises in the cell…</a:t>
+            </a:r>
+          </a:p>
+          <a:p>
+            <a:endParaRPr lang="en-US" dirty="0"/>
+          </a:p>
+          <a:p>
+            <a:pPr algn="ctr"/>
+            <a:r>
+              <a:rPr lang="en-US" dirty="0" smtClean="0"/>
+              <a:t>p</a:t>
+            </a:r>
+            <a:r>
+              <a:rPr lang="en-US" baseline="-25000" dirty="0" smtClean="0"/>
+              <a:t>x</a:t>
+            </a:r>
+            <a:r>
+              <a:rPr lang="en-US" dirty="0" smtClean="0"/>
+              <a:t> </a:t>
+            </a:r>
+            <a:r>
+              <a:rPr lang="en-US" dirty="0"/>
+              <a:t>= 1-e^</a:t>
+            </a:r>
+            <a:r>
+              <a:rPr lang="en-US" dirty="0" smtClean="0"/>
+              <a:t>(-</a:t>
+            </a:r>
+            <a:r>
+              <a:rPr lang="en-US" dirty="0" smtClean="0">
+                <a:solidFill>
+                  <a:srgbClr val="FF0000"/>
+                </a:solidFill>
+              </a:rPr>
+              <a:t>K</a:t>
+            </a:r>
+            <a:r>
+              <a:rPr lang="en-US" dirty="0" smtClean="0"/>
+              <a:t>*</a:t>
+            </a:r>
+            <a:r>
+              <a:rPr lang="en-US" dirty="0" smtClean="0">
+                <a:solidFill>
+                  <a:srgbClr val="FF0000"/>
+                </a:solidFill>
+              </a:rPr>
+              <a:t>S</a:t>
+            </a:r>
+            <a:r>
+              <a:rPr lang="en-US" dirty="0" smtClean="0"/>
+              <a:t>*</a:t>
+            </a:r>
+            <a:r>
+              <a:rPr lang="en-US" dirty="0"/>
+              <a:t>i</a:t>
+            </a:r>
+            <a:r>
+              <a:rPr lang="en-US" baseline="-25000" dirty="0"/>
+              <a:t>s</a:t>
+            </a:r>
+            <a:r>
+              <a:rPr lang="en-US" dirty="0"/>
+              <a:t>)</a:t>
+            </a:r>
+          </a:p>
+          <a:p>
+            <a:endParaRPr lang="en-US" dirty="0"/>
+          </a:p>
+        </p:txBody>
+      </p:sp>
+      <p:cxnSp>
+        <p:nvCxnSpPr>
+          <p:cNvPr id="10" name="Straight Arrow Connector 9"/>
+          <p:cNvCxnSpPr/>
+          <p:nvPr/>
+        </p:nvCxnSpPr>
+        <p:spPr>
+          <a:xfrm>
+            <a:off x="4533900" y="1485900"/>
+            <a:ext cx="1701800" cy="834023"/>
+          </a:xfrm>
+          <a:prstGeom prst="straightConnector1">
+            <a:avLst/>
+          </a:prstGeom>
+          <a:ln>
+            <a:solidFill>
+              <a:schemeClr val="tx1"/>
+            </a:solidFill>
+            <a:headEnd type="none"/>
+            <a:tailEnd type="arrow"/>
+          </a:ln>
+          <a:effectLst/>
+        </p:spPr>
+        <p:style>
+          <a:lnRef idx="2">
+            <a:schemeClr val="accent1"/>
+          </a:lnRef>
+          <a:fillRef idx="0">
+            <a:schemeClr val="accent1"/>
+          </a:fillRef>
+          <a:effectRef idx="1">
+            <a:schemeClr val="accent1"/>
+          </a:effectRef>
+          <a:fontRef idx="minor">
+            <a:schemeClr val="tx1"/>
+          </a:fontRef>
+        </p:style>
+      </p:cxnSp>
+      <p:cxnSp>
+        <p:nvCxnSpPr>
+          <p:cNvPr id="12" name="Straight Connector 11"/>
+          <p:cNvCxnSpPr>
+            <a:endCxn id="34" idx="3"/>
+          </p:cNvCxnSpPr>
+          <p:nvPr/>
+        </p:nvCxnSpPr>
+        <p:spPr>
+          <a:xfrm>
+            <a:off x="1276348" y="2404992"/>
+            <a:ext cx="5090730" cy="5217"/>
+          </a:xfrm>
+          <a:prstGeom prst="line">
+            <a:avLst/>
+          </a:prstGeom>
+          <a:ln>
+            <a:solidFill>
+              <a:schemeClr val="tx1"/>
+            </a:solidFill>
+            <a:prstDash val="dot"/>
+            <a:headEnd type="none"/>
+            <a:tailEnd type="none"/>
+          </a:ln>
+          <a:effectLst/>
+        </p:spPr>
+        <p:style>
+          <a:lnRef idx="2">
+            <a:schemeClr val="accent1"/>
+          </a:lnRef>
+          <a:fillRef idx="0">
+            <a:schemeClr val="accent1"/>
+          </a:fillRef>
+          <a:effectRef idx="1">
+            <a:schemeClr val="accent1"/>
+          </a:effectRef>
+          <a:fontRef idx="minor">
+            <a:schemeClr val="tx1"/>
+          </a:fontRef>
+        </p:style>
+      </p:cxnSp>
+      <p:sp>
+        <p:nvSpPr>
+          <p:cNvPr id="36" name="TextBox 35"/>
+          <p:cNvSpPr txBox="1"/>
+          <p:nvPr/>
+        </p:nvSpPr>
+        <p:spPr>
+          <a:xfrm>
+            <a:off x="2425700" y="2404992"/>
+            <a:ext cx="2413000" cy="338554"/>
+          </a:xfrm>
+          <a:prstGeom prst="rect">
+            <a:avLst/>
+          </a:prstGeom>
+          <a:noFill/>
+        </p:spPr>
+        <p:txBody>
+          <a:bodyPr wrap="square" rtlCol="0">
+            <a:spAutoFit/>
+          </a:bodyPr>
+          <a:lstStyle/>
+          <a:p>
+            <a:pPr algn="r"/>
+            <a:r>
+              <a:rPr lang="en-US" sz="1600" dirty="0" smtClean="0"/>
+              <a:t>Shortest cell-cell distance</a:t>
+            </a:r>
+          </a:p>
+        </p:txBody>
+      </p:sp>
+      <p:sp>
+        <p:nvSpPr>
+          <p:cNvPr id="13" name="TextBox 12"/>
+          <p:cNvSpPr txBox="1"/>
+          <p:nvPr/>
+        </p:nvSpPr>
+        <p:spPr>
+          <a:xfrm>
+            <a:off x="5534233" y="2794000"/>
+            <a:ext cx="3116262" cy="923330"/>
+          </a:xfrm>
+          <a:prstGeom prst="rect">
+            <a:avLst/>
+          </a:prstGeom>
+          <a:noFill/>
+        </p:spPr>
+        <p:txBody>
+          <a:bodyPr wrap="square" rtlCol="0">
+            <a:spAutoFit/>
+          </a:bodyPr>
+          <a:lstStyle/>
+          <a:p>
+            <a:r>
+              <a:rPr lang="en-US" dirty="0" smtClean="0"/>
+              <a:t>… so we know </a:t>
+            </a:r>
+            <a:r>
+              <a:rPr lang="en-US" dirty="0" smtClean="0"/>
+              <a:t>p</a:t>
+            </a:r>
+            <a:r>
+              <a:rPr lang="en-US" baseline="-25000" dirty="0" smtClean="0"/>
+              <a:t>x</a:t>
+            </a:r>
+            <a:r>
+              <a:rPr lang="en-US" dirty="0" smtClean="0"/>
+              <a:t> </a:t>
+            </a:r>
+            <a:r>
+              <a:rPr lang="en-US" dirty="0" smtClean="0"/>
+              <a:t>is equal to or (more likely) larger than any p</a:t>
+            </a:r>
+            <a:r>
+              <a:rPr lang="en-US" baseline="-25000" dirty="0" smtClean="0"/>
+              <a:t>n</a:t>
+            </a:r>
+            <a:r>
+              <a:rPr lang="en-US" dirty="0" smtClean="0"/>
+              <a:t> value.</a:t>
+            </a:r>
+            <a:endParaRPr lang="en-US" dirty="0"/>
+          </a:p>
+        </p:txBody>
+      </p:sp>
+      <p:sp>
+        <p:nvSpPr>
+          <p:cNvPr id="41" name="TextBox 40"/>
+          <p:cNvSpPr txBox="1"/>
+          <p:nvPr/>
+        </p:nvSpPr>
+        <p:spPr>
+          <a:xfrm>
+            <a:off x="231772" y="2404992"/>
+            <a:ext cx="1044576" cy="523220"/>
+          </a:xfrm>
+          <a:prstGeom prst="rect">
+            <a:avLst/>
+          </a:prstGeom>
+          <a:noFill/>
+        </p:spPr>
+        <p:txBody>
+          <a:bodyPr wrap="square" rtlCol="0">
+            <a:spAutoFit/>
+          </a:bodyPr>
+          <a:lstStyle/>
+          <a:p>
+            <a:pPr algn="ctr"/>
+            <a:r>
+              <a:rPr lang="en-US" sz="1400" dirty="0" smtClean="0"/>
+              <a:t>Source premises </a:t>
+            </a:r>
+          </a:p>
+        </p:txBody>
+      </p:sp>
+      <p:sp>
+        <p:nvSpPr>
+          <p:cNvPr id="42" name="Rectangle 41"/>
+          <p:cNvSpPr/>
+          <p:nvPr/>
+        </p:nvSpPr>
+        <p:spPr>
+          <a:xfrm>
+            <a:off x="231773" y="2393950"/>
+            <a:ext cx="1044575" cy="1044575"/>
+          </a:xfrm>
+          <a:prstGeom prst="rect">
+            <a:avLst/>
+          </a:prstGeom>
+          <a:noFill/>
+          <a:ln>
+            <a:solidFill>
+              <a:schemeClr val="tx1"/>
+            </a:solidFill>
+          </a:ln>
+          <a:effectLst/>
+        </p:spPr>
+        <p:style>
+          <a:lnRef idx="1">
+            <a:schemeClr val="accent1"/>
+          </a:lnRef>
+          <a:fillRef idx="3">
+            <a:schemeClr val="accent1"/>
+          </a:fillRef>
+          <a:effectRef idx="2">
+            <a:schemeClr val="accent1"/>
+          </a:effectRef>
+          <a:fontRef idx="minor">
+            <a:schemeClr val="lt1"/>
+          </a:fontRef>
+        </p:style>
+        <p:txBody>
+          <a:bodyPr rtlCol="0" anchor="ctr"/>
+          <a:lstStyle/>
+          <a:p>
+            <a:pPr algn="ctr"/>
+            <a:endParaRPr lang="en-US"/>
+          </a:p>
+        </p:txBody>
+      </p:sp>
+      <p:sp>
+        <p:nvSpPr>
+          <p:cNvPr id="44" name="Oval 43"/>
+          <p:cNvSpPr/>
+          <p:nvPr/>
+        </p:nvSpPr>
+        <p:spPr>
+          <a:xfrm>
+            <a:off x="396625" y="2940912"/>
+            <a:ext cx="105777" cy="105777"/>
+          </a:xfrm>
+          <a:prstGeom prst="ellipse">
+            <a:avLst/>
+          </a:prstGeom>
+          <a:solidFill>
+            <a:srgbClr val="FF0000"/>
+          </a:solidFill>
+          <a:ln>
+            <a:solidFill>
+              <a:schemeClr val="tx1"/>
+            </a:solidFill>
+          </a:ln>
+          <a:effectLst/>
+        </p:spPr>
+        <p:style>
+          <a:lnRef idx="1">
+            <a:schemeClr val="accent1"/>
+          </a:lnRef>
+          <a:fillRef idx="3">
+            <a:schemeClr val="accent1"/>
+          </a:fillRef>
+          <a:effectRef idx="2">
+            <a:schemeClr val="accent1"/>
+          </a:effectRef>
+          <a:fontRef idx="minor">
+            <a:schemeClr val="lt1"/>
+          </a:fontRef>
+        </p:style>
+        <p:txBody>
+          <a:bodyPr rtlCol="0" anchor="ctr"/>
+          <a:lstStyle/>
+          <a:p>
+            <a:pPr algn="ctr"/>
+            <a:endParaRPr lang="en-US"/>
+          </a:p>
+        </p:txBody>
+      </p:sp>
+      <p:sp>
+        <p:nvSpPr>
+          <p:cNvPr id="45" name="TextBox 44"/>
+          <p:cNvSpPr txBox="1"/>
+          <p:nvPr/>
+        </p:nvSpPr>
+        <p:spPr>
+          <a:xfrm>
+            <a:off x="2259261" y="4524176"/>
+            <a:ext cx="414421" cy="369332"/>
+          </a:xfrm>
+          <a:prstGeom prst="rect">
+            <a:avLst/>
+          </a:prstGeom>
+          <a:noFill/>
+        </p:spPr>
+        <p:txBody>
+          <a:bodyPr wrap="square" rtlCol="0">
+            <a:spAutoFit/>
+          </a:bodyPr>
+          <a:lstStyle/>
+          <a:p>
+            <a:r>
+              <a:rPr lang="en-US" dirty="0" smtClean="0"/>
+              <a:t>…</a:t>
+            </a:r>
+          </a:p>
+        </p:txBody>
+      </p:sp>
+    </p:spTree>
+    <p:extLst>
+      <p:ext uri="{BB962C8B-B14F-4D97-AF65-F5344CB8AC3E}">
+        <p14:creationId xmlns:p14="http://schemas.microsoft.com/office/powerpoint/2010/main" val="2519940240"/>
+      </p:ext>
+    </p:extLst>
+  </p:cSld>
+  <p:clrMapOvr>
+    <a:masterClrMapping/>
+  </p:clrMapOvr>
+</p:sld>
+</file>
+
+<file path=ppt/slides/slide21.xml><?xml version="1.0" encoding="utf-8"?>
+<p:sld xmlns:a="http://schemas.openxmlformats.org/drawingml/2006/main" xmlns:r="http://schemas.openxmlformats.org/officeDocument/2006/relationships" xmlns:p="http://schemas.openxmlformats.org/presentationml/2006/main">
+  <p:cSld>
+    <p:spTree>
+      <p:nvGrpSpPr>
+        <p:cNvPr id="1" name=""/>
+        <p:cNvGrpSpPr/>
+        <p:nvPr/>
+      </p:nvGrpSpPr>
+      <p:grpSpPr>
+        <a:xfrm>
+          <a:off x="0" y="0"/>
+          <a:ext cx="0" cy="0"/>
+          <a:chOff x="0" y="0"/>
+          <a:chExt cx="0" cy="0"/>
+        </a:xfrm>
+      </p:grpSpPr>
+      <p:cxnSp>
+        <p:nvCxnSpPr>
+          <p:cNvPr id="3" name="Straight Connector 2"/>
+          <p:cNvCxnSpPr/>
+          <p:nvPr/>
+        </p:nvCxnSpPr>
+        <p:spPr>
+          <a:xfrm flipV="1">
+            <a:off x="3130550" y="4114800"/>
+            <a:ext cx="3657600" cy="38100"/>
+          </a:xfrm>
+          <a:prstGeom prst="line">
+            <a:avLst/>
+          </a:prstGeom>
+          <a:ln>
+            <a:solidFill>
+              <a:schemeClr val="bg1">
+                <a:lumMod val="50000"/>
+              </a:schemeClr>
+            </a:solidFill>
+            <a:headEnd type="oval"/>
+            <a:tailEnd type="oval"/>
+          </a:ln>
+          <a:effectLst/>
+        </p:spPr>
+        <p:style>
+          <a:lnRef idx="2">
+            <a:schemeClr val="accent1"/>
+          </a:lnRef>
+          <a:fillRef idx="0">
+            <a:schemeClr val="accent1"/>
+          </a:fillRef>
+          <a:effectRef idx="1">
+            <a:schemeClr val="accent1"/>
+          </a:effectRef>
+          <a:fontRef idx="minor">
+            <a:schemeClr val="tx1"/>
+          </a:fontRef>
+        </p:style>
+      </p:cxnSp>
+      <p:cxnSp>
+        <p:nvCxnSpPr>
+          <p:cNvPr id="4" name="Straight Connector 3"/>
+          <p:cNvCxnSpPr/>
+          <p:nvPr/>
+        </p:nvCxnSpPr>
+        <p:spPr>
+          <a:xfrm flipV="1">
+            <a:off x="3130550" y="4521200"/>
+            <a:ext cx="3657600" cy="38100"/>
+          </a:xfrm>
+          <a:prstGeom prst="line">
+            <a:avLst/>
+          </a:prstGeom>
+          <a:ln>
+            <a:solidFill>
+              <a:schemeClr val="bg1">
+                <a:lumMod val="50000"/>
+              </a:schemeClr>
+            </a:solidFill>
+            <a:headEnd type="oval"/>
+            <a:tailEnd type="oval"/>
+          </a:ln>
+          <a:effectLst/>
+        </p:spPr>
+        <p:style>
+          <a:lnRef idx="2">
+            <a:schemeClr val="accent1"/>
+          </a:lnRef>
+          <a:fillRef idx="0">
+            <a:schemeClr val="accent1"/>
+          </a:fillRef>
+          <a:effectRef idx="1">
+            <a:schemeClr val="accent1"/>
+          </a:effectRef>
+          <a:fontRef idx="minor">
+            <a:schemeClr val="tx1"/>
+          </a:fontRef>
+        </p:style>
+      </p:cxnSp>
+      <p:cxnSp>
+        <p:nvCxnSpPr>
+          <p:cNvPr id="5" name="Straight Connector 4"/>
+          <p:cNvCxnSpPr/>
+          <p:nvPr/>
+        </p:nvCxnSpPr>
+        <p:spPr>
+          <a:xfrm flipV="1">
+            <a:off x="3130550" y="4914900"/>
+            <a:ext cx="3657600" cy="38100"/>
+          </a:xfrm>
+          <a:prstGeom prst="line">
+            <a:avLst/>
+          </a:prstGeom>
+          <a:ln>
+            <a:solidFill>
+              <a:schemeClr val="bg1">
+                <a:lumMod val="50000"/>
+              </a:schemeClr>
+            </a:solidFill>
+            <a:headEnd type="oval"/>
+            <a:tailEnd type="oval"/>
+          </a:ln>
+          <a:effectLst/>
+        </p:spPr>
+        <p:style>
+          <a:lnRef idx="2">
+            <a:schemeClr val="accent1"/>
+          </a:lnRef>
+          <a:fillRef idx="0">
+            <a:schemeClr val="accent1"/>
+          </a:fillRef>
+          <a:effectRef idx="1">
+            <a:schemeClr val="accent1"/>
+          </a:effectRef>
+          <a:fontRef idx="minor">
+            <a:schemeClr val="tx1"/>
+          </a:fontRef>
+        </p:style>
+      </p:cxnSp>
+      <p:sp>
+        <p:nvSpPr>
+          <p:cNvPr id="7" name="TextBox 6"/>
+          <p:cNvSpPr txBox="1"/>
+          <p:nvPr/>
+        </p:nvSpPr>
+        <p:spPr>
+          <a:xfrm>
+            <a:off x="1809750" y="3962400"/>
+            <a:ext cx="1168400" cy="342900"/>
+          </a:xfrm>
+          <a:prstGeom prst="rect">
+            <a:avLst/>
+          </a:prstGeom>
+          <a:noFill/>
+        </p:spPr>
+        <p:txBody>
+          <a:bodyPr wrap="square" rtlCol="0">
+            <a:spAutoFit/>
+          </a:bodyPr>
+          <a:lstStyle/>
+          <a:p>
+            <a:pPr algn="r"/>
+            <a:r>
+              <a:rPr lang="en-US" sz="1600" dirty="0" smtClean="0"/>
+              <a:t>Premises 1</a:t>
+            </a:r>
+          </a:p>
+        </p:txBody>
+      </p:sp>
+      <p:sp>
+        <p:nvSpPr>
+          <p:cNvPr id="16" name="TextBox 15"/>
+          <p:cNvSpPr txBox="1"/>
+          <p:nvPr/>
+        </p:nvSpPr>
+        <p:spPr>
+          <a:xfrm>
+            <a:off x="1809750" y="4362450"/>
+            <a:ext cx="1168400" cy="342900"/>
+          </a:xfrm>
+          <a:prstGeom prst="rect">
+            <a:avLst/>
+          </a:prstGeom>
+          <a:noFill/>
+        </p:spPr>
+        <p:txBody>
+          <a:bodyPr wrap="square" rtlCol="0">
+            <a:spAutoFit/>
+          </a:bodyPr>
+          <a:lstStyle/>
+          <a:p>
+            <a:pPr algn="r"/>
+            <a:r>
+              <a:rPr lang="en-US" sz="1600" dirty="0" smtClean="0"/>
+              <a:t>Premises 2</a:t>
+            </a:r>
+          </a:p>
+        </p:txBody>
+      </p:sp>
+      <p:sp>
+        <p:nvSpPr>
+          <p:cNvPr id="17" name="TextBox 16"/>
+          <p:cNvSpPr txBox="1"/>
+          <p:nvPr/>
+        </p:nvSpPr>
+        <p:spPr>
+          <a:xfrm>
+            <a:off x="1809750" y="4743450"/>
+            <a:ext cx="1168400" cy="342900"/>
+          </a:xfrm>
+          <a:prstGeom prst="rect">
+            <a:avLst/>
+          </a:prstGeom>
+          <a:noFill/>
+        </p:spPr>
+        <p:txBody>
+          <a:bodyPr wrap="square" rtlCol="0">
+            <a:spAutoFit/>
+          </a:bodyPr>
+          <a:lstStyle/>
+          <a:p>
+            <a:pPr algn="r"/>
+            <a:r>
+              <a:rPr lang="en-US" sz="1600" dirty="0" smtClean="0"/>
+              <a:t>Premises n</a:t>
+            </a:r>
+          </a:p>
+        </p:txBody>
+      </p:sp>
+      <p:sp>
+        <p:nvSpPr>
+          <p:cNvPr id="18" name="TextBox 17"/>
+          <p:cNvSpPr txBox="1"/>
+          <p:nvPr/>
+        </p:nvSpPr>
+        <p:spPr>
+          <a:xfrm>
+            <a:off x="3225800" y="3750846"/>
+            <a:ext cx="368300" cy="338554"/>
+          </a:xfrm>
+          <a:prstGeom prst="rect">
+            <a:avLst/>
+          </a:prstGeom>
+          <a:noFill/>
+        </p:spPr>
+        <p:txBody>
+          <a:bodyPr wrap="square" rtlCol="0">
+            <a:spAutoFit/>
+          </a:bodyPr>
+          <a:lstStyle/>
+          <a:p>
+            <a:pPr algn="r"/>
+            <a:r>
+              <a:rPr lang="en-US" sz="1600" dirty="0" smtClean="0"/>
+              <a:t>p</a:t>
+            </a:r>
+            <a:r>
+              <a:rPr lang="en-US" sz="1600" baseline="-25000" dirty="0" smtClean="0"/>
+              <a:t>1</a:t>
+            </a:r>
+          </a:p>
+        </p:txBody>
+      </p:sp>
+      <p:sp>
+        <p:nvSpPr>
+          <p:cNvPr id="19" name="TextBox 18"/>
+          <p:cNvSpPr txBox="1"/>
+          <p:nvPr/>
+        </p:nvSpPr>
+        <p:spPr>
+          <a:xfrm>
+            <a:off x="3384550" y="4165600"/>
+            <a:ext cx="368300" cy="338554"/>
+          </a:xfrm>
+          <a:prstGeom prst="rect">
+            <a:avLst/>
+          </a:prstGeom>
+          <a:noFill/>
+        </p:spPr>
+        <p:txBody>
+          <a:bodyPr wrap="square" rtlCol="0">
+            <a:spAutoFit/>
+          </a:bodyPr>
+          <a:lstStyle/>
+          <a:p>
+            <a:pPr algn="r"/>
+            <a:r>
+              <a:rPr lang="en-US" sz="1600" dirty="0" smtClean="0"/>
+              <a:t>p</a:t>
+            </a:r>
+            <a:r>
+              <a:rPr lang="en-US" sz="1600" baseline="-25000" dirty="0" smtClean="0"/>
+              <a:t>2</a:t>
+            </a:r>
+          </a:p>
+        </p:txBody>
+      </p:sp>
+      <p:sp>
+        <p:nvSpPr>
+          <p:cNvPr id="20" name="TextBox 19"/>
+          <p:cNvSpPr txBox="1"/>
+          <p:nvPr/>
+        </p:nvSpPr>
+        <p:spPr>
+          <a:xfrm>
+            <a:off x="3263900" y="4554954"/>
+            <a:ext cx="368300" cy="338554"/>
+          </a:xfrm>
+          <a:prstGeom prst="rect">
+            <a:avLst/>
+          </a:prstGeom>
+          <a:noFill/>
+        </p:spPr>
+        <p:txBody>
+          <a:bodyPr wrap="square" rtlCol="0">
+            <a:spAutoFit/>
+          </a:bodyPr>
+          <a:lstStyle/>
+          <a:p>
+            <a:pPr algn="r"/>
+            <a:r>
+              <a:rPr lang="en-US" sz="1600" dirty="0" smtClean="0"/>
+              <a:t>p</a:t>
+            </a:r>
+            <a:r>
+              <a:rPr lang="en-US" sz="1600" baseline="-25000" dirty="0" smtClean="0"/>
+              <a:t>n</a:t>
+            </a:r>
+          </a:p>
+        </p:txBody>
+      </p:sp>
+      <p:sp>
+        <p:nvSpPr>
+          <p:cNvPr id="21" name="TextBox 20"/>
+          <p:cNvSpPr txBox="1"/>
+          <p:nvPr/>
+        </p:nvSpPr>
+        <p:spPr>
+          <a:xfrm>
+            <a:off x="2946400" y="3581569"/>
+            <a:ext cx="368300" cy="338554"/>
+          </a:xfrm>
+          <a:prstGeom prst="rect">
+            <a:avLst/>
+          </a:prstGeom>
+          <a:noFill/>
+        </p:spPr>
+        <p:txBody>
+          <a:bodyPr wrap="square" rtlCol="0">
+            <a:spAutoFit/>
+          </a:bodyPr>
+          <a:lstStyle/>
+          <a:p>
+            <a:pPr algn="ctr"/>
+            <a:r>
+              <a:rPr lang="en-US" sz="1600" dirty="0" smtClean="0">
+                <a:solidFill>
+                  <a:schemeClr val="bg1">
+                    <a:lumMod val="50000"/>
+                  </a:schemeClr>
+                </a:solidFill>
+              </a:rPr>
+              <a:t>0</a:t>
+            </a:r>
+            <a:endParaRPr lang="en-US" sz="1600" baseline="-25000" dirty="0" smtClean="0">
+              <a:solidFill>
+                <a:schemeClr val="bg1">
+                  <a:lumMod val="50000"/>
+                </a:schemeClr>
+              </a:solidFill>
+            </a:endParaRPr>
+          </a:p>
+        </p:txBody>
+      </p:sp>
+      <p:sp>
+        <p:nvSpPr>
+          <p:cNvPr id="22" name="TextBox 21"/>
+          <p:cNvSpPr txBox="1"/>
+          <p:nvPr/>
+        </p:nvSpPr>
+        <p:spPr>
+          <a:xfrm flipH="1">
+            <a:off x="6592887" y="3581569"/>
+            <a:ext cx="390525" cy="338554"/>
+          </a:xfrm>
+          <a:prstGeom prst="rect">
+            <a:avLst/>
+          </a:prstGeom>
+          <a:noFill/>
+        </p:spPr>
+        <p:txBody>
+          <a:bodyPr wrap="square" rtlCol="0">
+            <a:spAutoFit/>
+          </a:bodyPr>
+          <a:lstStyle/>
+          <a:p>
+            <a:pPr algn="ctr"/>
+            <a:r>
+              <a:rPr lang="en-US" sz="1600" dirty="0" smtClean="0">
+                <a:solidFill>
+                  <a:schemeClr val="bg1">
+                    <a:lumMod val="50000"/>
+                  </a:schemeClr>
+                </a:solidFill>
+              </a:rPr>
+              <a:t>1</a:t>
+            </a:r>
+            <a:endParaRPr lang="en-US" sz="1600" baseline="-25000" dirty="0" smtClean="0">
+              <a:solidFill>
+                <a:schemeClr val="bg1">
+                  <a:lumMod val="50000"/>
+                </a:schemeClr>
+              </a:solidFill>
+            </a:endParaRPr>
+          </a:p>
+        </p:txBody>
+      </p:sp>
+      <p:sp>
+        <p:nvSpPr>
+          <p:cNvPr id="23" name="Rectangle 22"/>
+          <p:cNvSpPr/>
+          <p:nvPr/>
+        </p:nvSpPr>
+        <p:spPr>
+          <a:xfrm>
+            <a:off x="6399212" y="304800"/>
+            <a:ext cx="2089150" cy="2089150"/>
+          </a:xfrm>
+          <a:prstGeom prst="rect">
+            <a:avLst/>
+          </a:prstGeom>
+          <a:noFill/>
+          <a:ln>
+            <a:solidFill>
+              <a:schemeClr val="tx1"/>
+            </a:solidFill>
+          </a:ln>
+          <a:effectLst/>
+        </p:spPr>
+        <p:style>
+          <a:lnRef idx="1">
+            <a:schemeClr val="accent1"/>
+          </a:lnRef>
+          <a:fillRef idx="3">
+            <a:schemeClr val="accent1"/>
+          </a:fillRef>
+          <a:effectRef idx="2">
+            <a:schemeClr val="accent1"/>
+          </a:effectRef>
+          <a:fontRef idx="minor">
+            <a:schemeClr val="lt1"/>
+          </a:fontRef>
+        </p:style>
+        <p:txBody>
+          <a:bodyPr rtlCol="0" anchor="ctr"/>
+          <a:lstStyle/>
+          <a:p>
+            <a:pPr algn="ctr"/>
+            <a:endParaRPr lang="en-US"/>
+          </a:p>
+        </p:txBody>
+      </p:sp>
+      <p:sp>
+        <p:nvSpPr>
+          <p:cNvPr id="24" name="TextBox 23"/>
+          <p:cNvSpPr txBox="1"/>
+          <p:nvPr/>
+        </p:nvSpPr>
+        <p:spPr>
+          <a:xfrm>
+            <a:off x="6399212" y="1088023"/>
+            <a:ext cx="1168400" cy="342900"/>
+          </a:xfrm>
+          <a:prstGeom prst="rect">
+            <a:avLst/>
+          </a:prstGeom>
+          <a:noFill/>
+        </p:spPr>
+        <p:txBody>
+          <a:bodyPr wrap="square" rtlCol="0">
+            <a:spAutoFit/>
+          </a:bodyPr>
+          <a:lstStyle/>
+          <a:p>
+            <a:pPr algn="r"/>
+            <a:r>
+              <a:rPr lang="en-US" sz="1600" dirty="0" smtClean="0"/>
+              <a:t>Premises 2</a:t>
+            </a:r>
+          </a:p>
+        </p:txBody>
+      </p:sp>
+      <p:sp>
+        <p:nvSpPr>
+          <p:cNvPr id="25" name="TextBox 24"/>
+          <p:cNvSpPr txBox="1"/>
+          <p:nvPr/>
+        </p:nvSpPr>
+        <p:spPr>
+          <a:xfrm>
+            <a:off x="7154862" y="685800"/>
+            <a:ext cx="1168400" cy="342900"/>
+          </a:xfrm>
+          <a:prstGeom prst="rect">
+            <a:avLst/>
+          </a:prstGeom>
+          <a:noFill/>
+        </p:spPr>
+        <p:txBody>
+          <a:bodyPr wrap="square" rtlCol="0">
+            <a:spAutoFit/>
+          </a:bodyPr>
+          <a:lstStyle/>
+          <a:p>
+            <a:pPr algn="r"/>
+            <a:r>
+              <a:rPr lang="en-US" sz="1600" dirty="0" smtClean="0"/>
+              <a:t>Premises 1</a:t>
+            </a:r>
+          </a:p>
+        </p:txBody>
+      </p:sp>
+      <p:sp>
+        <p:nvSpPr>
+          <p:cNvPr id="26" name="TextBox 25"/>
+          <p:cNvSpPr txBox="1"/>
+          <p:nvPr/>
+        </p:nvSpPr>
+        <p:spPr>
+          <a:xfrm>
+            <a:off x="6983412" y="1422400"/>
+            <a:ext cx="1168400" cy="342900"/>
+          </a:xfrm>
+          <a:prstGeom prst="rect">
+            <a:avLst/>
+          </a:prstGeom>
+          <a:noFill/>
+        </p:spPr>
+        <p:txBody>
+          <a:bodyPr wrap="square" rtlCol="0">
+            <a:spAutoFit/>
+          </a:bodyPr>
+          <a:lstStyle/>
+          <a:p>
+            <a:pPr algn="r"/>
+            <a:r>
+              <a:rPr lang="en-US" sz="1600" dirty="0" smtClean="0"/>
+              <a:t>Premises n</a:t>
+            </a:r>
+          </a:p>
+        </p:txBody>
+      </p:sp>
+      <p:sp>
+        <p:nvSpPr>
+          <p:cNvPr id="29" name="Oval 28"/>
+          <p:cNvSpPr/>
+          <p:nvPr/>
+        </p:nvSpPr>
+        <p:spPr>
+          <a:xfrm>
+            <a:off x="6567487" y="1380123"/>
+            <a:ext cx="105777" cy="105777"/>
+          </a:xfrm>
+          <a:prstGeom prst="ellipse">
+            <a:avLst/>
+          </a:prstGeom>
+          <a:solidFill>
+            <a:schemeClr val="tx1"/>
+          </a:solidFill>
+          <a:ln>
+            <a:solidFill>
+              <a:schemeClr val="tx1"/>
+            </a:solidFill>
+          </a:ln>
+          <a:effectLst/>
+        </p:spPr>
+        <p:style>
+          <a:lnRef idx="1">
+            <a:schemeClr val="accent1"/>
+          </a:lnRef>
+          <a:fillRef idx="3">
+            <a:schemeClr val="accent1"/>
+          </a:fillRef>
+          <a:effectRef idx="2">
+            <a:schemeClr val="accent1"/>
+          </a:effectRef>
+          <a:fontRef idx="minor">
+            <a:schemeClr val="lt1"/>
+          </a:fontRef>
+        </p:style>
+        <p:txBody>
+          <a:bodyPr rtlCol="0" anchor="ctr"/>
+          <a:lstStyle/>
+          <a:p>
+            <a:pPr algn="ctr"/>
+            <a:endParaRPr lang="en-US"/>
+          </a:p>
+        </p:txBody>
+      </p:sp>
+      <p:sp>
+        <p:nvSpPr>
+          <p:cNvPr id="30" name="Oval 29"/>
+          <p:cNvSpPr/>
+          <p:nvPr/>
+        </p:nvSpPr>
+        <p:spPr>
+          <a:xfrm>
+            <a:off x="6986587" y="1596023"/>
+            <a:ext cx="105777" cy="105777"/>
+          </a:xfrm>
+          <a:prstGeom prst="ellipse">
+            <a:avLst/>
+          </a:prstGeom>
+          <a:solidFill>
+            <a:schemeClr val="tx1"/>
+          </a:solidFill>
+          <a:ln>
+            <a:solidFill>
+              <a:schemeClr val="tx1"/>
+            </a:solidFill>
+          </a:ln>
+          <a:effectLst/>
+        </p:spPr>
+        <p:style>
+          <a:lnRef idx="1">
+            <a:schemeClr val="accent1"/>
+          </a:lnRef>
+          <a:fillRef idx="3">
+            <a:schemeClr val="accent1"/>
+          </a:fillRef>
+          <a:effectRef idx="2">
+            <a:schemeClr val="accent1"/>
+          </a:effectRef>
+          <a:fontRef idx="minor">
+            <a:schemeClr val="lt1"/>
+          </a:fontRef>
+        </p:style>
+        <p:txBody>
+          <a:bodyPr rtlCol="0" anchor="ctr"/>
+          <a:lstStyle/>
+          <a:p>
+            <a:pPr algn="ctr"/>
+            <a:endParaRPr lang="en-US"/>
+          </a:p>
+        </p:txBody>
+      </p:sp>
+      <p:sp>
+        <p:nvSpPr>
+          <p:cNvPr id="31" name="Oval 30"/>
+          <p:cNvSpPr/>
+          <p:nvPr/>
+        </p:nvSpPr>
+        <p:spPr>
+          <a:xfrm>
+            <a:off x="7151687" y="808623"/>
+            <a:ext cx="105777" cy="105777"/>
+          </a:xfrm>
+          <a:prstGeom prst="ellipse">
+            <a:avLst/>
+          </a:prstGeom>
+          <a:solidFill>
+            <a:schemeClr val="tx1"/>
+          </a:solidFill>
+          <a:ln>
+            <a:solidFill>
+              <a:schemeClr val="tx1"/>
+            </a:solidFill>
+          </a:ln>
+          <a:effectLst/>
+        </p:spPr>
+        <p:style>
+          <a:lnRef idx="1">
+            <a:schemeClr val="accent1"/>
+          </a:lnRef>
+          <a:fillRef idx="3">
+            <a:schemeClr val="accent1"/>
+          </a:fillRef>
+          <a:effectRef idx="2">
+            <a:schemeClr val="accent1"/>
+          </a:effectRef>
+          <a:fontRef idx="minor">
+            <a:schemeClr val="lt1"/>
+          </a:fontRef>
+        </p:style>
+        <p:txBody>
+          <a:bodyPr rtlCol="0" anchor="ctr"/>
+          <a:lstStyle/>
+          <a:p>
+            <a:pPr algn="ctr"/>
+            <a:endParaRPr lang="en-US"/>
+          </a:p>
+        </p:txBody>
+      </p:sp>
+      <p:sp>
+        <p:nvSpPr>
+          <p:cNvPr id="33" name="TextBox 32"/>
+          <p:cNvSpPr txBox="1"/>
+          <p:nvPr/>
+        </p:nvSpPr>
+        <p:spPr>
+          <a:xfrm>
+            <a:off x="4356100" y="3455740"/>
+            <a:ext cx="368300" cy="338554"/>
+          </a:xfrm>
+          <a:prstGeom prst="rect">
+            <a:avLst/>
+          </a:prstGeom>
+          <a:noFill/>
+        </p:spPr>
+        <p:txBody>
+          <a:bodyPr wrap="square" rtlCol="0">
+            <a:spAutoFit/>
+          </a:bodyPr>
+          <a:lstStyle/>
+          <a:p>
+            <a:pPr algn="r"/>
+            <a:r>
+              <a:rPr lang="en-US" sz="1600" dirty="0" smtClean="0"/>
+              <a:t>p</a:t>
+            </a:r>
+            <a:r>
+              <a:rPr lang="en-US" sz="1600" baseline="-25000" dirty="0"/>
+              <a:t>x</a:t>
+            </a:r>
+            <a:endParaRPr lang="en-US" sz="1600" baseline="-25000" dirty="0" smtClean="0"/>
+          </a:p>
+        </p:txBody>
+      </p:sp>
+      <p:cxnSp>
+        <p:nvCxnSpPr>
+          <p:cNvPr id="6" name="Straight Connector 5"/>
+          <p:cNvCxnSpPr>
+            <a:stCxn id="33" idx="2"/>
+          </p:cNvCxnSpPr>
+          <p:nvPr/>
+        </p:nvCxnSpPr>
+        <p:spPr>
+          <a:xfrm flipH="1">
+            <a:off x="4533900" y="3794294"/>
+            <a:ext cx="6350" cy="1476206"/>
+          </a:xfrm>
+          <a:prstGeom prst="line">
+            <a:avLst/>
+          </a:prstGeom>
+          <a:ln>
+            <a:solidFill>
+              <a:schemeClr val="tx1"/>
+            </a:solidFill>
+            <a:prstDash val="dash"/>
+            <a:headEnd type="none"/>
+            <a:tailEnd type="none"/>
+          </a:ln>
+          <a:effectLst/>
+        </p:spPr>
+        <p:style>
+          <a:lnRef idx="2">
+            <a:schemeClr val="accent1"/>
+          </a:lnRef>
+          <a:fillRef idx="0">
+            <a:schemeClr val="accent1"/>
+          </a:fillRef>
+          <a:effectRef idx="1">
+            <a:schemeClr val="accent1"/>
+          </a:effectRef>
+          <a:fontRef idx="minor">
+            <a:schemeClr val="tx1"/>
+          </a:fontRef>
+        </p:style>
+      </p:cxnSp>
+      <p:sp>
+        <p:nvSpPr>
+          <p:cNvPr id="34" name="Oval 33"/>
+          <p:cNvSpPr/>
+          <p:nvPr/>
+        </p:nvSpPr>
+        <p:spPr>
+          <a:xfrm>
+            <a:off x="6237287" y="2204118"/>
+            <a:ext cx="330200" cy="330200"/>
+          </a:xfrm>
+          <a:prstGeom prst="ellipse">
+            <a:avLst/>
+          </a:prstGeom>
+          <a:solidFill>
+            <a:schemeClr val="bg1">
+              <a:lumMod val="50000"/>
+            </a:schemeClr>
+          </a:solidFill>
+          <a:ln>
+            <a:solidFill>
+              <a:srgbClr val="7F7F7F"/>
+            </a:solidFill>
+          </a:ln>
+          <a:effectLst/>
+        </p:spPr>
+        <p:style>
+          <a:lnRef idx="1">
+            <a:schemeClr val="accent1"/>
+          </a:lnRef>
+          <a:fillRef idx="3">
+            <a:schemeClr val="accent1"/>
+          </a:fillRef>
+          <a:effectRef idx="2">
+            <a:schemeClr val="accent1"/>
+          </a:effectRef>
+          <a:fontRef idx="minor">
+            <a:schemeClr val="lt1"/>
+          </a:fontRef>
+        </p:style>
+        <p:txBody>
+          <a:bodyPr rtlCol="0" anchor="ctr"/>
+          <a:lstStyle/>
+          <a:p>
+            <a:pPr algn="ctr"/>
+            <a:endParaRPr lang="en-US"/>
+          </a:p>
+        </p:txBody>
+      </p:sp>
+      <p:sp>
+        <p:nvSpPr>
+          <p:cNvPr id="35" name="TextBox 34"/>
+          <p:cNvSpPr txBox="1"/>
+          <p:nvPr/>
+        </p:nvSpPr>
+        <p:spPr>
+          <a:xfrm>
+            <a:off x="5804819" y="1873003"/>
+            <a:ext cx="619711" cy="342900"/>
+          </a:xfrm>
+          <a:prstGeom prst="rect">
+            <a:avLst/>
+          </a:prstGeom>
+          <a:noFill/>
+        </p:spPr>
+        <p:txBody>
+          <a:bodyPr wrap="square" rtlCol="0">
+            <a:spAutoFit/>
+          </a:bodyPr>
+          <a:lstStyle/>
+          <a:p>
+            <a:pPr algn="r"/>
+            <a:r>
+              <a:rPr lang="en-US" sz="1600" dirty="0" smtClean="0">
+                <a:solidFill>
+                  <a:srgbClr val="7F7F7F"/>
+                </a:solidFill>
+              </a:rPr>
+              <a:t>p</a:t>
+            </a:r>
+            <a:r>
+              <a:rPr lang="en-US" sz="1600" baseline="-25000" dirty="0" smtClean="0">
+                <a:solidFill>
+                  <a:srgbClr val="7F7F7F"/>
+                </a:solidFill>
+              </a:rPr>
+              <a:t>cell</a:t>
+            </a:r>
+          </a:p>
+        </p:txBody>
+      </p:sp>
+      <p:sp>
+        <p:nvSpPr>
+          <p:cNvPr id="8" name="TextBox 7"/>
+          <p:cNvSpPr txBox="1"/>
+          <p:nvPr/>
+        </p:nvSpPr>
+        <p:spPr>
+          <a:xfrm>
+            <a:off x="461418" y="669868"/>
+            <a:ext cx="5685589" cy="2769989"/>
+          </a:xfrm>
+          <a:prstGeom prst="rect">
+            <a:avLst/>
+          </a:prstGeom>
+          <a:noFill/>
+        </p:spPr>
+        <p:txBody>
+          <a:bodyPr wrap="square" rtlCol="0">
+            <a:spAutoFit/>
+          </a:bodyPr>
+          <a:lstStyle/>
+          <a:p>
+            <a:r>
+              <a:rPr lang="en-US" dirty="0" smtClean="0"/>
+              <a:t>p</a:t>
+            </a:r>
+            <a:r>
+              <a:rPr lang="en-US" baseline="-25000" dirty="0" smtClean="0"/>
+              <a:t>cell</a:t>
+            </a:r>
+            <a:r>
+              <a:rPr lang="en-US" dirty="0" smtClean="0"/>
+              <a:t> </a:t>
+            </a:r>
+            <a:r>
+              <a:rPr lang="en-US" dirty="0"/>
+              <a:t>is an overestimate of observing 1 or more </a:t>
+            </a:r>
+            <a:r>
+              <a:rPr lang="en-US" dirty="0" smtClean="0"/>
+              <a:t>infections in the cell (observing 1 or more infections among N hypothetical farms with inflated value p</a:t>
+            </a:r>
+            <a:r>
+              <a:rPr lang="en-US" baseline="-25000" dirty="0" smtClean="0"/>
+              <a:t>x</a:t>
+            </a:r>
+            <a:r>
+              <a:rPr lang="en-US" dirty="0" smtClean="0"/>
+              <a:t>). Observing no infections means we can skip the entire cell. </a:t>
+            </a:r>
+          </a:p>
+          <a:p>
+            <a:endParaRPr lang="en-US" dirty="0" smtClean="0"/>
+          </a:p>
+          <a:p>
+            <a:pPr algn="ctr"/>
+            <a:r>
+              <a:rPr lang="en-US" dirty="0" smtClean="0"/>
+              <a:t>p</a:t>
+            </a:r>
+            <a:r>
+              <a:rPr lang="en-US" baseline="-25000" dirty="0" smtClean="0"/>
+              <a:t>cell</a:t>
+            </a:r>
+            <a:r>
+              <a:rPr lang="en-US" dirty="0" smtClean="0"/>
+              <a:t> = 1</a:t>
+            </a:r>
+            <a:r>
+              <a:rPr lang="en-US" dirty="0"/>
+              <a:t>-e^</a:t>
+            </a:r>
+            <a:r>
+              <a:rPr lang="en-US" dirty="0" smtClean="0"/>
+              <a:t>(-K</a:t>
+            </a:r>
+            <a:r>
+              <a:rPr lang="en-US" dirty="0"/>
+              <a:t>*S*</a:t>
+            </a:r>
+            <a:r>
+              <a:rPr lang="en-US" dirty="0" smtClean="0"/>
+              <a:t>i</a:t>
+            </a:r>
+            <a:r>
+              <a:rPr lang="en-US" baseline="-25000" dirty="0" smtClean="0"/>
+              <a:t>s</a:t>
+            </a:r>
+            <a:r>
+              <a:rPr lang="en-US" dirty="0" smtClean="0"/>
+              <a:t>*</a:t>
+            </a:r>
+            <a:r>
+              <a:rPr lang="en-US" dirty="0" smtClean="0">
+                <a:solidFill>
+                  <a:srgbClr val="FF0000"/>
+                </a:solidFill>
+              </a:rPr>
+              <a:t>N</a:t>
+            </a:r>
+            <a:r>
+              <a:rPr lang="en-US" dirty="0" smtClean="0"/>
+              <a:t>)</a:t>
+            </a:r>
+            <a:endParaRPr lang="en-US" dirty="0"/>
+          </a:p>
+          <a:p>
+            <a:endParaRPr lang="en-US" baseline="-25000" dirty="0" smtClean="0"/>
+          </a:p>
+          <a:p>
+            <a:pPr algn="ctr"/>
+            <a:r>
+              <a:rPr lang="en-US" dirty="0" smtClean="0"/>
+              <a:t>So, this is always true:</a:t>
+            </a:r>
+            <a:endParaRPr lang="en-US" dirty="0"/>
+          </a:p>
+          <a:p>
+            <a:pPr algn="ctr"/>
+            <a:r>
+              <a:rPr lang="en-US" sz="2400" dirty="0" smtClean="0"/>
+              <a:t>Any p</a:t>
+            </a:r>
+            <a:r>
+              <a:rPr lang="en-US" sz="2400" baseline="-25000" dirty="0" smtClean="0"/>
+              <a:t>n</a:t>
+            </a:r>
+            <a:r>
+              <a:rPr lang="en-US" sz="2400" dirty="0" smtClean="0"/>
+              <a:t> </a:t>
+            </a:r>
+            <a:r>
+              <a:rPr lang="en-US" sz="2400" dirty="0" smtClean="0"/>
+              <a:t>≤ </a:t>
+            </a:r>
+            <a:r>
+              <a:rPr lang="en-US" sz="2400" dirty="0" smtClean="0"/>
+              <a:t>p</a:t>
+            </a:r>
+            <a:r>
+              <a:rPr lang="en-US" sz="2400" baseline="-25000" dirty="0" smtClean="0"/>
+              <a:t>x</a:t>
+            </a:r>
+            <a:r>
+              <a:rPr lang="en-US" sz="2400" dirty="0" smtClean="0"/>
+              <a:t> </a:t>
+            </a:r>
+            <a:r>
+              <a:rPr lang="en-US" sz="2400" dirty="0" smtClean="0"/>
+              <a:t>≤ </a:t>
+            </a:r>
+            <a:r>
+              <a:rPr lang="en-US" sz="2400" dirty="0" smtClean="0"/>
+              <a:t>p</a:t>
+            </a:r>
+            <a:r>
+              <a:rPr lang="en-US" sz="2400" baseline="-25000" dirty="0" smtClean="0"/>
+              <a:t>cell</a:t>
+            </a:r>
+          </a:p>
+          <a:p>
+            <a:endParaRPr lang="en-US" baseline="-25000" dirty="0"/>
+          </a:p>
+        </p:txBody>
+      </p:sp>
+      <p:sp>
+        <p:nvSpPr>
+          <p:cNvPr id="37" name="TextBox 36"/>
+          <p:cNvSpPr txBox="1"/>
+          <p:nvPr/>
+        </p:nvSpPr>
+        <p:spPr>
+          <a:xfrm>
+            <a:off x="6147007" y="3457243"/>
+            <a:ext cx="620713" cy="338554"/>
+          </a:xfrm>
+          <a:prstGeom prst="rect">
+            <a:avLst/>
+          </a:prstGeom>
+          <a:noFill/>
+        </p:spPr>
+        <p:txBody>
+          <a:bodyPr wrap="square" rtlCol="0">
+            <a:spAutoFit/>
+          </a:bodyPr>
+          <a:lstStyle/>
+          <a:p>
+            <a:pPr algn="r"/>
+            <a:r>
+              <a:rPr lang="en-US" sz="1600" dirty="0" smtClean="0"/>
+              <a:t>p</a:t>
+            </a:r>
+            <a:r>
+              <a:rPr lang="en-US" sz="1600" baseline="-25000" dirty="0" smtClean="0"/>
+              <a:t>cell</a:t>
+            </a:r>
+          </a:p>
+        </p:txBody>
+      </p:sp>
+      <p:cxnSp>
+        <p:nvCxnSpPr>
+          <p:cNvPr id="38" name="Straight Connector 37"/>
+          <p:cNvCxnSpPr>
+            <a:stCxn id="37" idx="2"/>
+          </p:cNvCxnSpPr>
+          <p:nvPr/>
+        </p:nvCxnSpPr>
+        <p:spPr>
+          <a:xfrm>
+            <a:off x="6457364" y="3795797"/>
+            <a:ext cx="0" cy="1476206"/>
+          </a:xfrm>
+          <a:prstGeom prst="line">
+            <a:avLst/>
+          </a:prstGeom>
+          <a:ln>
+            <a:solidFill>
+              <a:schemeClr val="tx1"/>
+            </a:solidFill>
+            <a:prstDash val="dash"/>
+            <a:headEnd type="none"/>
+            <a:tailEnd type="none"/>
+          </a:ln>
+          <a:effectLst/>
+        </p:spPr>
+        <p:style>
+          <a:lnRef idx="2">
+            <a:schemeClr val="accent1"/>
+          </a:lnRef>
+          <a:fillRef idx="0">
+            <a:schemeClr val="accent1"/>
+          </a:fillRef>
+          <a:effectRef idx="1">
+            <a:schemeClr val="accent1"/>
+          </a:effectRef>
+          <a:fontRef idx="minor">
+            <a:schemeClr val="tx1"/>
+          </a:fontRef>
+        </p:style>
+      </p:cxnSp>
+      <p:cxnSp>
+        <p:nvCxnSpPr>
+          <p:cNvPr id="15" name="Straight Arrow Connector 14"/>
+          <p:cNvCxnSpPr/>
+          <p:nvPr/>
+        </p:nvCxnSpPr>
+        <p:spPr>
+          <a:xfrm>
+            <a:off x="2946400" y="3342105"/>
+            <a:ext cx="438150" cy="239464"/>
+          </a:xfrm>
+          <a:prstGeom prst="straightConnector1">
+            <a:avLst/>
+          </a:prstGeom>
+          <a:ln>
+            <a:solidFill>
+              <a:schemeClr val="tx1"/>
+            </a:solidFill>
+            <a:headEnd type="none"/>
+            <a:tailEnd type="arrow"/>
+          </a:ln>
+          <a:effectLst/>
+        </p:spPr>
+        <p:style>
+          <a:lnRef idx="2">
+            <a:schemeClr val="accent1"/>
+          </a:lnRef>
+          <a:fillRef idx="0">
+            <a:schemeClr val="accent1"/>
+          </a:fillRef>
+          <a:effectRef idx="1">
+            <a:schemeClr val="accent1"/>
+          </a:effectRef>
+          <a:fontRef idx="minor">
+            <a:schemeClr val="tx1"/>
+          </a:fontRef>
+        </p:style>
+      </p:cxnSp>
+      <p:cxnSp>
+        <p:nvCxnSpPr>
+          <p:cNvPr id="40" name="Straight Arrow Connector 39"/>
+          <p:cNvCxnSpPr/>
+          <p:nvPr/>
+        </p:nvCxnSpPr>
+        <p:spPr>
+          <a:xfrm>
+            <a:off x="3752850" y="3342105"/>
+            <a:ext cx="603250" cy="408741"/>
+          </a:xfrm>
+          <a:prstGeom prst="straightConnector1">
+            <a:avLst/>
+          </a:prstGeom>
+          <a:ln>
+            <a:solidFill>
+              <a:schemeClr val="tx1"/>
+            </a:solidFill>
+            <a:headEnd type="none"/>
+            <a:tailEnd type="arrow"/>
+          </a:ln>
+          <a:effectLst/>
+        </p:spPr>
+        <p:style>
+          <a:lnRef idx="2">
+            <a:schemeClr val="accent1"/>
+          </a:lnRef>
+          <a:fillRef idx="0">
+            <a:schemeClr val="accent1"/>
+          </a:fillRef>
+          <a:effectRef idx="1">
+            <a:schemeClr val="accent1"/>
+          </a:effectRef>
+          <a:fontRef idx="minor">
+            <a:schemeClr val="tx1"/>
+          </a:fontRef>
+        </p:style>
+      </p:cxnSp>
+      <p:cxnSp>
+        <p:nvCxnSpPr>
+          <p:cNvPr id="42" name="Straight Arrow Connector 41"/>
+          <p:cNvCxnSpPr>
+            <a:endCxn id="37" idx="1"/>
+          </p:cNvCxnSpPr>
+          <p:nvPr/>
+        </p:nvCxnSpPr>
+        <p:spPr>
+          <a:xfrm>
+            <a:off x="4533900" y="3235158"/>
+            <a:ext cx="1613107" cy="391362"/>
+          </a:xfrm>
+          <a:prstGeom prst="straightConnector1">
+            <a:avLst/>
+          </a:prstGeom>
+          <a:ln>
+            <a:solidFill>
+              <a:schemeClr val="tx1"/>
+            </a:solidFill>
+            <a:headEnd type="none"/>
+            <a:tailEnd type="arrow"/>
+          </a:ln>
+          <a:effectLst/>
+        </p:spPr>
+        <p:style>
+          <a:lnRef idx="2">
+            <a:schemeClr val="accent1"/>
+          </a:lnRef>
+          <a:fillRef idx="0">
+            <a:schemeClr val="accent1"/>
+          </a:fillRef>
+          <a:effectRef idx="1">
+            <a:schemeClr val="accent1"/>
+          </a:effectRef>
+          <a:fontRef idx="minor">
+            <a:schemeClr val="tx1"/>
+          </a:fontRef>
+        </p:style>
+      </p:cxnSp>
+      <p:sp>
+        <p:nvSpPr>
+          <p:cNvPr id="47" name="Oval 46"/>
+          <p:cNvSpPr/>
+          <p:nvPr/>
+        </p:nvSpPr>
+        <p:spPr>
+          <a:xfrm>
+            <a:off x="6351587" y="2319923"/>
+            <a:ext cx="105777" cy="105777"/>
+          </a:xfrm>
+          <a:prstGeom prst="ellipse">
+            <a:avLst/>
+          </a:prstGeom>
+          <a:solidFill>
+            <a:schemeClr val="bg1">
+              <a:lumMod val="50000"/>
+            </a:schemeClr>
+          </a:solidFill>
+          <a:ln>
+            <a:solidFill>
+              <a:schemeClr val="tx1"/>
+            </a:solidFill>
+          </a:ln>
+          <a:effectLst/>
+        </p:spPr>
+        <p:style>
+          <a:lnRef idx="1">
+            <a:schemeClr val="accent1"/>
+          </a:lnRef>
+          <a:fillRef idx="3">
+            <a:schemeClr val="accent1"/>
+          </a:fillRef>
+          <a:effectRef idx="2">
+            <a:schemeClr val="accent1"/>
+          </a:effectRef>
+          <a:fontRef idx="minor">
+            <a:schemeClr val="lt1"/>
+          </a:fontRef>
+        </p:style>
+        <p:txBody>
+          <a:bodyPr rtlCol="0" anchor="ctr"/>
+          <a:lstStyle/>
+          <a:p>
+            <a:pPr algn="ctr"/>
+            <a:endParaRPr lang="en-US"/>
+          </a:p>
+        </p:txBody>
+      </p:sp>
+      <p:sp>
+        <p:nvSpPr>
+          <p:cNvPr id="48" name="TextBox 47"/>
+          <p:cNvSpPr txBox="1"/>
+          <p:nvPr/>
+        </p:nvSpPr>
+        <p:spPr>
+          <a:xfrm>
+            <a:off x="5818187" y="2425700"/>
+            <a:ext cx="1168400" cy="342900"/>
+          </a:xfrm>
+          <a:prstGeom prst="rect">
+            <a:avLst/>
+          </a:prstGeom>
+          <a:noFill/>
+        </p:spPr>
+        <p:txBody>
+          <a:bodyPr wrap="square" rtlCol="0">
+            <a:spAutoFit/>
+          </a:bodyPr>
+          <a:lstStyle/>
+          <a:p>
+            <a:pPr algn="r"/>
+            <a:r>
+              <a:rPr lang="en-US" sz="1600" dirty="0" smtClean="0">
+                <a:solidFill>
+                  <a:srgbClr val="000000"/>
+                </a:solidFill>
+              </a:rPr>
+              <a:t>Premises x</a:t>
+            </a:r>
+          </a:p>
+        </p:txBody>
+      </p:sp>
+      <p:sp>
+        <p:nvSpPr>
+          <p:cNvPr id="56" name="TextBox 55"/>
+          <p:cNvSpPr txBox="1"/>
+          <p:nvPr/>
+        </p:nvSpPr>
+        <p:spPr>
+          <a:xfrm>
+            <a:off x="2259261" y="4524176"/>
+            <a:ext cx="414421" cy="369332"/>
+          </a:xfrm>
+          <a:prstGeom prst="rect">
+            <a:avLst/>
+          </a:prstGeom>
+          <a:noFill/>
+        </p:spPr>
+        <p:txBody>
+          <a:bodyPr wrap="square" rtlCol="0">
+            <a:spAutoFit/>
+          </a:bodyPr>
+          <a:lstStyle/>
+          <a:p>
+            <a:r>
+              <a:rPr lang="en-US" dirty="0" smtClean="0"/>
+              <a:t>…</a:t>
+            </a:r>
+          </a:p>
+        </p:txBody>
+      </p:sp>
+    </p:spTree>
+    <p:extLst>
+      <p:ext uri="{BB962C8B-B14F-4D97-AF65-F5344CB8AC3E}">
+        <p14:creationId xmlns:p14="http://schemas.microsoft.com/office/powerpoint/2010/main" val="920815692"/>
+      </p:ext>
+    </p:extLst>
+  </p:cSld>
+  <p:clrMapOvr>
+    <a:masterClrMapping/>
+  </p:clrMapOvr>
+</p:sld>
+</file>
+
+<file path=ppt/slides/slide22.xml><?xml version="1.0" encoding="utf-8"?>
+<p:sld xmlns:a="http://schemas.openxmlformats.org/drawingml/2006/main" xmlns:r="http://schemas.openxmlformats.org/officeDocument/2006/relationships" xmlns:p="http://schemas.openxmlformats.org/presentationml/2006/main">
+  <p:cSld>
+    <p:spTree>
+      <p:nvGrpSpPr>
+        <p:cNvPr id="1" name=""/>
+        <p:cNvGrpSpPr/>
+        <p:nvPr/>
+      </p:nvGrpSpPr>
+      <p:grpSpPr>
+        <a:xfrm>
+          <a:off x="0" y="0"/>
+          <a:ext cx="0" cy="0"/>
+          <a:chOff x="0" y="0"/>
+          <a:chExt cx="0" cy="0"/>
+        </a:xfrm>
+      </p:grpSpPr>
+      <p:cxnSp>
+        <p:nvCxnSpPr>
+          <p:cNvPr id="3" name="Straight Connector 2"/>
+          <p:cNvCxnSpPr/>
+          <p:nvPr/>
+        </p:nvCxnSpPr>
+        <p:spPr>
+          <a:xfrm flipV="1">
+            <a:off x="2431255" y="4632322"/>
+            <a:ext cx="3657600" cy="38100"/>
+          </a:xfrm>
+          <a:prstGeom prst="line">
+            <a:avLst/>
+          </a:prstGeom>
+          <a:ln>
+            <a:solidFill>
+              <a:schemeClr val="bg1">
+                <a:lumMod val="50000"/>
+              </a:schemeClr>
+            </a:solidFill>
+            <a:headEnd type="oval"/>
+            <a:tailEnd type="oval"/>
+          </a:ln>
+          <a:effectLst/>
+        </p:spPr>
+        <p:style>
+          <a:lnRef idx="2">
+            <a:schemeClr val="accent1"/>
+          </a:lnRef>
+          <a:fillRef idx="0">
+            <a:schemeClr val="accent1"/>
+          </a:fillRef>
+          <a:effectRef idx="1">
+            <a:schemeClr val="accent1"/>
+          </a:effectRef>
+          <a:fontRef idx="minor">
+            <a:schemeClr val="tx1"/>
+          </a:fontRef>
+        </p:style>
+      </p:cxnSp>
+      <p:sp>
+        <p:nvSpPr>
+          <p:cNvPr id="21" name="TextBox 20"/>
+          <p:cNvSpPr txBox="1"/>
+          <p:nvPr/>
+        </p:nvSpPr>
+        <p:spPr>
+          <a:xfrm>
+            <a:off x="2247105" y="4099091"/>
+            <a:ext cx="368300" cy="338554"/>
+          </a:xfrm>
+          <a:prstGeom prst="rect">
+            <a:avLst/>
+          </a:prstGeom>
+          <a:noFill/>
+        </p:spPr>
+        <p:txBody>
+          <a:bodyPr wrap="square" rtlCol="0">
+            <a:spAutoFit/>
+          </a:bodyPr>
+          <a:lstStyle/>
+          <a:p>
+            <a:pPr algn="ctr"/>
+            <a:r>
+              <a:rPr lang="en-US" sz="1600" dirty="0" smtClean="0">
+                <a:solidFill>
+                  <a:schemeClr val="bg1">
+                    <a:lumMod val="50000"/>
+                  </a:schemeClr>
+                </a:solidFill>
+              </a:rPr>
+              <a:t>0</a:t>
+            </a:r>
+            <a:endParaRPr lang="en-US" sz="1600" baseline="-25000" dirty="0" smtClean="0">
+              <a:solidFill>
+                <a:schemeClr val="bg1">
+                  <a:lumMod val="50000"/>
+                </a:schemeClr>
+              </a:solidFill>
+            </a:endParaRPr>
+          </a:p>
+        </p:txBody>
+      </p:sp>
+      <p:sp>
+        <p:nvSpPr>
+          <p:cNvPr id="22" name="TextBox 21"/>
+          <p:cNvSpPr txBox="1"/>
+          <p:nvPr/>
+        </p:nvSpPr>
+        <p:spPr>
+          <a:xfrm flipH="1">
+            <a:off x="5893592" y="4099091"/>
+            <a:ext cx="390525" cy="338554"/>
+          </a:xfrm>
+          <a:prstGeom prst="rect">
+            <a:avLst/>
+          </a:prstGeom>
+          <a:noFill/>
+        </p:spPr>
+        <p:txBody>
+          <a:bodyPr wrap="square" rtlCol="0">
+            <a:spAutoFit/>
+          </a:bodyPr>
+          <a:lstStyle/>
+          <a:p>
+            <a:pPr algn="ctr"/>
+            <a:r>
+              <a:rPr lang="en-US" sz="1600" dirty="0" smtClean="0">
+                <a:solidFill>
+                  <a:schemeClr val="bg1">
+                    <a:lumMod val="50000"/>
+                  </a:schemeClr>
+                </a:solidFill>
+              </a:rPr>
+              <a:t>1</a:t>
+            </a:r>
+            <a:endParaRPr lang="en-US" sz="1600" baseline="-25000" dirty="0" smtClean="0">
+              <a:solidFill>
+                <a:schemeClr val="bg1">
+                  <a:lumMod val="50000"/>
+                </a:schemeClr>
+              </a:solidFill>
+            </a:endParaRPr>
+          </a:p>
+        </p:txBody>
+      </p:sp>
+      <p:sp>
+        <p:nvSpPr>
+          <p:cNvPr id="8" name="TextBox 7"/>
+          <p:cNvSpPr txBox="1"/>
+          <p:nvPr/>
+        </p:nvSpPr>
+        <p:spPr>
+          <a:xfrm>
+            <a:off x="574842" y="671479"/>
+            <a:ext cx="8114631" cy="2585323"/>
+          </a:xfrm>
+          <a:prstGeom prst="rect">
+            <a:avLst/>
+          </a:prstGeom>
+          <a:noFill/>
+        </p:spPr>
+        <p:txBody>
+          <a:bodyPr wrap="square" rtlCol="0">
+            <a:spAutoFit/>
+          </a:bodyPr>
+          <a:lstStyle/>
+          <a:p>
+            <a:r>
+              <a:rPr lang="en-US" dirty="0" smtClean="0"/>
+              <a:t>Conduct a pass/fail test with probability p</a:t>
+            </a:r>
+            <a:r>
+              <a:rPr lang="en-US" baseline="-25000" dirty="0" smtClean="0"/>
+              <a:t>cell</a:t>
+            </a:r>
+            <a:r>
+              <a:rPr lang="en-US" dirty="0" smtClean="0"/>
+              <a:t>: </a:t>
+            </a:r>
+          </a:p>
+          <a:p>
+            <a:r>
+              <a:rPr lang="en-US" dirty="0" smtClean="0"/>
+              <a:t>draw a random number </a:t>
+            </a:r>
+            <a:r>
+              <a:rPr lang="en-US" dirty="0" err="1" smtClean="0"/>
+              <a:t>r</a:t>
+            </a:r>
+            <a:r>
+              <a:rPr lang="en-US" baseline="-25000" dirty="0" err="1" smtClean="0"/>
+              <a:t>cell</a:t>
+            </a:r>
+            <a:r>
+              <a:rPr lang="en-US" dirty="0" smtClean="0"/>
+              <a:t> between 0 and 1.</a:t>
+            </a:r>
+          </a:p>
+          <a:p>
+            <a:endParaRPr lang="en-US" dirty="0" smtClean="0"/>
+          </a:p>
+          <a:p>
+            <a:r>
+              <a:rPr lang="en-US" dirty="0" smtClean="0">
+                <a:solidFill>
+                  <a:srgbClr val="008000"/>
+                </a:solidFill>
+              </a:rPr>
+              <a:t>Pass: </a:t>
+            </a:r>
+            <a:r>
+              <a:rPr lang="en-US" dirty="0" err="1" smtClean="0">
+                <a:solidFill>
+                  <a:srgbClr val="008000"/>
+                </a:solidFill>
+              </a:rPr>
+              <a:t>r</a:t>
+            </a:r>
+            <a:r>
+              <a:rPr lang="en-US" baseline="-25000" dirty="0" err="1" smtClean="0">
+                <a:solidFill>
+                  <a:srgbClr val="008000"/>
+                </a:solidFill>
+              </a:rPr>
+              <a:t>cell</a:t>
+            </a:r>
+            <a:r>
+              <a:rPr lang="en-US" dirty="0" smtClean="0">
+                <a:solidFill>
+                  <a:srgbClr val="008000"/>
+                </a:solidFill>
+              </a:rPr>
+              <a:t> ≤ p</a:t>
+            </a:r>
+            <a:r>
+              <a:rPr lang="en-US" baseline="-25000" dirty="0" smtClean="0">
+                <a:solidFill>
+                  <a:srgbClr val="008000"/>
+                </a:solidFill>
+              </a:rPr>
+              <a:t>cell</a:t>
+            </a:r>
+            <a:r>
+              <a:rPr lang="en-US" dirty="0" smtClean="0"/>
+              <a:t>, continue to p</a:t>
+            </a:r>
+            <a:r>
+              <a:rPr lang="en-US" baseline="-25000" dirty="0" smtClean="0"/>
+              <a:t>x</a:t>
+            </a:r>
+            <a:r>
+              <a:rPr lang="en-US" dirty="0" smtClean="0"/>
+              <a:t> test (“enter the cell”)</a:t>
+            </a:r>
+          </a:p>
+          <a:p>
+            <a:endParaRPr lang="en-US" dirty="0" smtClean="0"/>
+          </a:p>
+          <a:p>
+            <a:r>
+              <a:rPr lang="en-US" dirty="0" smtClean="0"/>
+              <a:t>Fail: </a:t>
+            </a:r>
+            <a:r>
+              <a:rPr lang="en-US" dirty="0" err="1"/>
+              <a:t>r</a:t>
+            </a:r>
+            <a:r>
+              <a:rPr lang="en-US" baseline="-25000" dirty="0" err="1"/>
+              <a:t>cell</a:t>
+            </a:r>
+            <a:r>
+              <a:rPr lang="en-US" dirty="0" smtClean="0"/>
+              <a:t> &gt; p</a:t>
+            </a:r>
+            <a:r>
+              <a:rPr lang="en-US" baseline="-25000" dirty="0" smtClean="0"/>
+              <a:t>cell</a:t>
+            </a:r>
+            <a:r>
+              <a:rPr lang="en-US" dirty="0" smtClean="0"/>
+              <a:t>, go on to the next cell. </a:t>
+            </a:r>
+            <a:r>
+              <a:rPr lang="en-US" dirty="0"/>
+              <a:t>Failing p</a:t>
+            </a:r>
+            <a:r>
+              <a:rPr lang="en-US" baseline="-25000" dirty="0"/>
+              <a:t>cell</a:t>
+            </a:r>
+            <a:r>
+              <a:rPr lang="en-US" dirty="0"/>
+              <a:t> means we are realizing a subset of outcomes in which none of premises 1 through n are infected by this source premises</a:t>
+            </a:r>
+            <a:r>
+              <a:rPr lang="en-US" dirty="0" smtClean="0"/>
+              <a:t>. This cell is actually less likely to be skipped than if we used the actual probability of observing infection in one or more premises in the cell.</a:t>
+            </a:r>
+            <a:endParaRPr lang="en-US" dirty="0"/>
+          </a:p>
+        </p:txBody>
+      </p:sp>
+      <p:sp>
+        <p:nvSpPr>
+          <p:cNvPr id="37" name="TextBox 36"/>
+          <p:cNvSpPr txBox="1"/>
+          <p:nvPr/>
+        </p:nvSpPr>
+        <p:spPr>
+          <a:xfrm>
+            <a:off x="5447712" y="3636211"/>
+            <a:ext cx="620713" cy="338554"/>
+          </a:xfrm>
+          <a:prstGeom prst="rect">
+            <a:avLst/>
+          </a:prstGeom>
+          <a:noFill/>
+        </p:spPr>
+        <p:txBody>
+          <a:bodyPr wrap="square" rtlCol="0">
+            <a:spAutoFit/>
+          </a:bodyPr>
+          <a:lstStyle/>
+          <a:p>
+            <a:pPr algn="r"/>
+            <a:r>
+              <a:rPr lang="en-US" sz="1600" dirty="0" smtClean="0"/>
+              <a:t>p</a:t>
+            </a:r>
+            <a:r>
+              <a:rPr lang="en-US" sz="1600" baseline="-25000" dirty="0" smtClean="0"/>
+              <a:t>cell</a:t>
+            </a:r>
+          </a:p>
+        </p:txBody>
+      </p:sp>
+      <p:cxnSp>
+        <p:nvCxnSpPr>
+          <p:cNvPr id="38" name="Straight Connector 37"/>
+          <p:cNvCxnSpPr>
+            <a:stCxn id="37" idx="2"/>
+          </p:cNvCxnSpPr>
+          <p:nvPr/>
+        </p:nvCxnSpPr>
+        <p:spPr>
+          <a:xfrm>
+            <a:off x="5758069" y="3974765"/>
+            <a:ext cx="0" cy="1070307"/>
+          </a:xfrm>
+          <a:prstGeom prst="line">
+            <a:avLst/>
+          </a:prstGeom>
+          <a:ln>
+            <a:solidFill>
+              <a:schemeClr val="tx1"/>
+            </a:solidFill>
+            <a:prstDash val="dash"/>
+            <a:headEnd type="none"/>
+            <a:tailEnd type="none"/>
+          </a:ln>
+          <a:effectLst/>
+        </p:spPr>
+        <p:style>
+          <a:lnRef idx="2">
+            <a:schemeClr val="accent1"/>
+          </a:lnRef>
+          <a:fillRef idx="0">
+            <a:schemeClr val="accent1"/>
+          </a:fillRef>
+          <a:effectRef idx="1">
+            <a:schemeClr val="accent1"/>
+          </a:effectRef>
+          <a:fontRef idx="minor">
+            <a:schemeClr val="tx1"/>
+          </a:fontRef>
+        </p:style>
+      </p:cxnSp>
+      <p:cxnSp>
+        <p:nvCxnSpPr>
+          <p:cNvPr id="15" name="Straight Arrow Connector 14"/>
+          <p:cNvCxnSpPr>
+            <a:endCxn id="21" idx="2"/>
+          </p:cNvCxnSpPr>
+          <p:nvPr/>
+        </p:nvCxnSpPr>
+        <p:spPr>
+          <a:xfrm flipH="1">
+            <a:off x="2431255" y="4437645"/>
+            <a:ext cx="3326814" cy="0"/>
+          </a:xfrm>
+          <a:prstGeom prst="straightConnector1">
+            <a:avLst/>
+          </a:prstGeom>
+          <a:ln>
+            <a:solidFill>
+              <a:srgbClr val="008000"/>
+            </a:solidFill>
+            <a:headEnd type="oval"/>
+            <a:tailEnd type="arrow"/>
+          </a:ln>
+          <a:effectLst/>
+        </p:spPr>
+        <p:style>
+          <a:lnRef idx="2">
+            <a:schemeClr val="accent1"/>
+          </a:lnRef>
+          <a:fillRef idx="0">
+            <a:schemeClr val="accent1"/>
+          </a:fillRef>
+          <a:effectRef idx="1">
+            <a:schemeClr val="accent1"/>
+          </a:effectRef>
+          <a:fontRef idx="minor">
+            <a:schemeClr val="tx1"/>
+          </a:fontRef>
+        </p:style>
+      </p:cxnSp>
+      <p:sp>
+        <p:nvSpPr>
+          <p:cNvPr id="39" name="TextBox 38"/>
+          <p:cNvSpPr txBox="1"/>
+          <p:nvPr/>
+        </p:nvSpPr>
+        <p:spPr>
+          <a:xfrm>
+            <a:off x="3700462" y="4068313"/>
+            <a:ext cx="647700" cy="369332"/>
+          </a:xfrm>
+          <a:prstGeom prst="rect">
+            <a:avLst/>
+          </a:prstGeom>
+          <a:noFill/>
+        </p:spPr>
+        <p:txBody>
+          <a:bodyPr wrap="square" rtlCol="0">
+            <a:spAutoFit/>
+          </a:bodyPr>
+          <a:lstStyle/>
+          <a:p>
+            <a:r>
+              <a:rPr lang="en-US" dirty="0" smtClean="0">
+                <a:solidFill>
+                  <a:srgbClr val="008000"/>
+                </a:solidFill>
+              </a:rPr>
+              <a:t>Pass</a:t>
+            </a:r>
+          </a:p>
+        </p:txBody>
+      </p:sp>
+      <p:sp>
+        <p:nvSpPr>
+          <p:cNvPr id="43" name="TextBox 42"/>
+          <p:cNvSpPr txBox="1"/>
+          <p:nvPr/>
+        </p:nvSpPr>
+        <p:spPr>
+          <a:xfrm>
+            <a:off x="6582360" y="4120205"/>
+            <a:ext cx="1797636" cy="1477328"/>
+          </a:xfrm>
+          <a:prstGeom prst="rect">
+            <a:avLst/>
+          </a:prstGeom>
+          <a:noFill/>
+        </p:spPr>
+        <p:txBody>
+          <a:bodyPr wrap="square" rtlCol="0">
+            <a:spAutoFit/>
+          </a:bodyPr>
+          <a:lstStyle/>
+          <a:p>
+            <a:r>
+              <a:rPr lang="en-US" dirty="0" smtClean="0"/>
+              <a:t>Probability of observing </a:t>
+            </a:r>
+            <a:r>
+              <a:rPr lang="en-US" i="1" dirty="0" smtClean="0"/>
+              <a:t>no</a:t>
+            </a:r>
+            <a:r>
+              <a:rPr lang="en-US" dirty="0" smtClean="0"/>
+              <a:t> infections is </a:t>
+            </a:r>
+            <a:r>
+              <a:rPr lang="en-US" i="1" dirty="0" smtClean="0"/>
+              <a:t>under</a:t>
+            </a:r>
+            <a:r>
+              <a:rPr lang="en-US" dirty="0" smtClean="0"/>
+              <a:t>estimated using p</a:t>
+            </a:r>
+            <a:r>
+              <a:rPr lang="en-US" baseline="-25000" dirty="0" smtClean="0"/>
+              <a:t>cell</a:t>
+            </a:r>
+            <a:endParaRPr lang="en-US" baseline="-25000" dirty="0"/>
+          </a:p>
+        </p:txBody>
+      </p:sp>
+      <p:cxnSp>
+        <p:nvCxnSpPr>
+          <p:cNvPr id="44" name="Straight Arrow Connector 43"/>
+          <p:cNvCxnSpPr/>
+          <p:nvPr/>
+        </p:nvCxnSpPr>
+        <p:spPr>
+          <a:xfrm>
+            <a:off x="5777743" y="4469729"/>
+            <a:ext cx="330786" cy="0"/>
+          </a:xfrm>
+          <a:prstGeom prst="straightConnector1">
+            <a:avLst/>
+          </a:prstGeom>
+          <a:ln>
+            <a:solidFill>
+              <a:srgbClr val="FF0000"/>
+            </a:solidFill>
+            <a:headEnd type="none"/>
+            <a:tailEnd type="arrow"/>
+          </a:ln>
+          <a:effectLst/>
+        </p:spPr>
+        <p:style>
+          <a:lnRef idx="2">
+            <a:schemeClr val="accent1"/>
+          </a:lnRef>
+          <a:fillRef idx="0">
+            <a:schemeClr val="accent1"/>
+          </a:fillRef>
+          <a:effectRef idx="1">
+            <a:schemeClr val="accent1"/>
+          </a:effectRef>
+          <a:fontRef idx="minor">
+            <a:schemeClr val="tx1"/>
+          </a:fontRef>
+        </p:style>
+      </p:cxnSp>
+    </p:spTree>
+    <p:extLst>
+      <p:ext uri="{BB962C8B-B14F-4D97-AF65-F5344CB8AC3E}">
+        <p14:creationId xmlns:p14="http://schemas.microsoft.com/office/powerpoint/2010/main" val="2800182303"/>
+      </p:ext>
+    </p:extLst>
+  </p:cSld>
+  <p:clrMapOvr>
+    <a:masterClrMapping/>
+  </p:clrMapOvr>
+</p:sld>
+</file>
+
+<file path=ppt/slides/slide23.xml><?xml version="1.0" encoding="utf-8"?>
+<p:sld xmlns:a="http://schemas.openxmlformats.org/drawingml/2006/main" xmlns:r="http://schemas.openxmlformats.org/officeDocument/2006/relationships" xmlns:p="http://schemas.openxmlformats.org/presentationml/2006/main">
+  <p:cSld>
+    <p:spTree>
+      <p:nvGrpSpPr>
+        <p:cNvPr id="1" name=""/>
+        <p:cNvGrpSpPr/>
+        <p:nvPr/>
+      </p:nvGrpSpPr>
+      <p:grpSpPr>
+        <a:xfrm>
+          <a:off x="0" y="0"/>
+          <a:ext cx="0" cy="0"/>
+          <a:chOff x="0" y="0"/>
+          <a:chExt cx="0" cy="0"/>
+        </a:xfrm>
+      </p:grpSpPr>
+      <p:cxnSp>
+        <p:nvCxnSpPr>
+          <p:cNvPr id="38" name="Straight Connector 37"/>
+          <p:cNvCxnSpPr>
+            <a:stCxn id="37" idx="2"/>
+          </p:cNvCxnSpPr>
+          <p:nvPr/>
+        </p:nvCxnSpPr>
+        <p:spPr>
+          <a:xfrm>
+            <a:off x="5476286" y="1647493"/>
+            <a:ext cx="0" cy="1983370"/>
+          </a:xfrm>
+          <a:prstGeom prst="line">
+            <a:avLst/>
+          </a:prstGeom>
+          <a:ln>
+            <a:solidFill>
+              <a:schemeClr val="tx1"/>
+            </a:solidFill>
+            <a:prstDash val="dash"/>
+            <a:headEnd type="none"/>
+            <a:tailEnd type="none"/>
+          </a:ln>
+          <a:effectLst/>
+        </p:spPr>
+        <p:style>
+          <a:lnRef idx="2">
+            <a:schemeClr val="accent1"/>
+          </a:lnRef>
+          <a:fillRef idx="0">
+            <a:schemeClr val="accent1"/>
+          </a:fillRef>
+          <a:effectRef idx="1">
+            <a:schemeClr val="accent1"/>
+          </a:effectRef>
+          <a:fontRef idx="minor">
+            <a:schemeClr val="tx1"/>
+          </a:fontRef>
+        </p:style>
+      </p:cxnSp>
+      <p:cxnSp>
+        <p:nvCxnSpPr>
+          <p:cNvPr id="3" name="Straight Connector 2"/>
+          <p:cNvCxnSpPr/>
+          <p:nvPr/>
+        </p:nvCxnSpPr>
+        <p:spPr>
+          <a:xfrm flipV="1">
+            <a:off x="2149472" y="2305050"/>
+            <a:ext cx="3657600" cy="38100"/>
+          </a:xfrm>
+          <a:prstGeom prst="line">
+            <a:avLst/>
+          </a:prstGeom>
+          <a:ln>
+            <a:solidFill>
+              <a:schemeClr val="bg1">
+                <a:lumMod val="50000"/>
+              </a:schemeClr>
+            </a:solidFill>
+            <a:headEnd type="oval"/>
+            <a:tailEnd type="oval"/>
+          </a:ln>
+          <a:effectLst/>
+        </p:spPr>
+        <p:style>
+          <a:lnRef idx="2">
+            <a:schemeClr val="accent1"/>
+          </a:lnRef>
+          <a:fillRef idx="0">
+            <a:schemeClr val="accent1"/>
+          </a:fillRef>
+          <a:effectRef idx="1">
+            <a:schemeClr val="accent1"/>
+          </a:effectRef>
+          <a:fontRef idx="minor">
+            <a:schemeClr val="tx1"/>
+          </a:fontRef>
+        </p:style>
+      </p:cxnSp>
+      <p:sp>
+        <p:nvSpPr>
+          <p:cNvPr id="21" name="TextBox 20"/>
+          <p:cNvSpPr txBox="1"/>
+          <p:nvPr/>
+        </p:nvSpPr>
+        <p:spPr>
+          <a:xfrm>
+            <a:off x="1965322" y="1771819"/>
+            <a:ext cx="368300" cy="338554"/>
+          </a:xfrm>
+          <a:prstGeom prst="rect">
+            <a:avLst/>
+          </a:prstGeom>
+          <a:noFill/>
+        </p:spPr>
+        <p:txBody>
+          <a:bodyPr wrap="square" rtlCol="0">
+            <a:spAutoFit/>
+          </a:bodyPr>
+          <a:lstStyle/>
+          <a:p>
+            <a:pPr algn="ctr"/>
+            <a:r>
+              <a:rPr lang="en-US" sz="1600" dirty="0" smtClean="0">
+                <a:solidFill>
+                  <a:schemeClr val="bg1">
+                    <a:lumMod val="50000"/>
+                  </a:schemeClr>
+                </a:solidFill>
+              </a:rPr>
+              <a:t>0</a:t>
+            </a:r>
+            <a:endParaRPr lang="en-US" sz="1600" baseline="-25000" dirty="0" smtClean="0">
+              <a:solidFill>
+                <a:schemeClr val="bg1">
+                  <a:lumMod val="50000"/>
+                </a:schemeClr>
+              </a:solidFill>
+            </a:endParaRPr>
+          </a:p>
+        </p:txBody>
+      </p:sp>
+      <p:sp>
+        <p:nvSpPr>
+          <p:cNvPr id="22" name="TextBox 21"/>
+          <p:cNvSpPr txBox="1"/>
+          <p:nvPr/>
+        </p:nvSpPr>
+        <p:spPr>
+          <a:xfrm flipH="1">
+            <a:off x="5611809" y="1771819"/>
+            <a:ext cx="390525" cy="338554"/>
+          </a:xfrm>
+          <a:prstGeom prst="rect">
+            <a:avLst/>
+          </a:prstGeom>
+          <a:noFill/>
+        </p:spPr>
+        <p:txBody>
+          <a:bodyPr wrap="square" rtlCol="0">
+            <a:spAutoFit/>
+          </a:bodyPr>
+          <a:lstStyle/>
+          <a:p>
+            <a:pPr algn="ctr"/>
+            <a:r>
+              <a:rPr lang="en-US" sz="1600" dirty="0" smtClean="0">
+                <a:solidFill>
+                  <a:schemeClr val="bg1">
+                    <a:lumMod val="50000"/>
+                  </a:schemeClr>
+                </a:solidFill>
+              </a:rPr>
+              <a:t>1</a:t>
+            </a:r>
+            <a:endParaRPr lang="en-US" sz="1600" baseline="-25000" dirty="0" smtClean="0">
+              <a:solidFill>
+                <a:schemeClr val="bg1">
+                  <a:lumMod val="50000"/>
+                </a:schemeClr>
+              </a:solidFill>
+            </a:endParaRPr>
+          </a:p>
+        </p:txBody>
+      </p:sp>
+      <p:sp>
+        <p:nvSpPr>
+          <p:cNvPr id="8" name="TextBox 7"/>
+          <p:cNvSpPr txBox="1"/>
+          <p:nvPr/>
+        </p:nvSpPr>
+        <p:spPr>
+          <a:xfrm>
+            <a:off x="1830386" y="382721"/>
+            <a:ext cx="4672808" cy="923330"/>
+          </a:xfrm>
+          <a:prstGeom prst="rect">
+            <a:avLst/>
+          </a:prstGeom>
+          <a:noFill/>
+        </p:spPr>
+        <p:txBody>
+          <a:bodyPr wrap="square" rtlCol="0">
+            <a:spAutoFit/>
+          </a:bodyPr>
+          <a:lstStyle/>
+          <a:p>
+            <a:r>
+              <a:rPr lang="en-US" i="1" dirty="0" smtClean="0"/>
+              <a:t>For each premises in the cell</a:t>
+            </a:r>
+            <a:r>
+              <a:rPr lang="en-US" dirty="0" smtClean="0"/>
+              <a:t>, conduct a pass/fail test with probability p</a:t>
+            </a:r>
+            <a:r>
+              <a:rPr lang="en-US" baseline="-25000" dirty="0" smtClean="0"/>
+              <a:t>x</a:t>
+            </a:r>
+            <a:r>
+              <a:rPr lang="en-US" dirty="0" smtClean="0"/>
+              <a:t>. First scale everything to p</a:t>
+            </a:r>
+            <a:r>
+              <a:rPr lang="en-US" baseline="-25000" dirty="0" smtClean="0"/>
+              <a:t>cell</a:t>
+            </a:r>
+            <a:r>
+              <a:rPr lang="en-US" dirty="0" smtClean="0"/>
+              <a:t> to adjust for the </a:t>
+            </a:r>
+            <a:r>
+              <a:rPr lang="en-US" dirty="0" smtClean="0">
+                <a:solidFill>
+                  <a:srgbClr val="008000"/>
+                </a:solidFill>
+              </a:rPr>
+              <a:t>successful p</a:t>
+            </a:r>
+            <a:r>
+              <a:rPr lang="en-US" baseline="-25000" dirty="0" smtClean="0">
+                <a:solidFill>
+                  <a:srgbClr val="008000"/>
+                </a:solidFill>
+              </a:rPr>
+              <a:t>cell</a:t>
+            </a:r>
+            <a:r>
+              <a:rPr lang="en-US" dirty="0" smtClean="0">
+                <a:solidFill>
+                  <a:srgbClr val="008000"/>
+                </a:solidFill>
+              </a:rPr>
+              <a:t> test</a:t>
+            </a:r>
+            <a:r>
+              <a:rPr lang="en-US" dirty="0" smtClean="0"/>
+              <a:t>. </a:t>
+            </a:r>
+          </a:p>
+        </p:txBody>
+      </p:sp>
+      <p:sp>
+        <p:nvSpPr>
+          <p:cNvPr id="37" name="TextBox 36"/>
+          <p:cNvSpPr txBox="1"/>
+          <p:nvPr/>
+        </p:nvSpPr>
+        <p:spPr>
+          <a:xfrm>
+            <a:off x="5165929" y="1308939"/>
+            <a:ext cx="620713" cy="338554"/>
+          </a:xfrm>
+          <a:prstGeom prst="rect">
+            <a:avLst/>
+          </a:prstGeom>
+          <a:noFill/>
+        </p:spPr>
+        <p:txBody>
+          <a:bodyPr wrap="square" rtlCol="0">
+            <a:spAutoFit/>
+          </a:bodyPr>
+          <a:lstStyle/>
+          <a:p>
+            <a:pPr algn="r"/>
+            <a:r>
+              <a:rPr lang="en-US" sz="1600" dirty="0" smtClean="0"/>
+              <a:t>p</a:t>
+            </a:r>
+            <a:r>
+              <a:rPr lang="en-US" sz="1600" baseline="-25000" dirty="0" smtClean="0"/>
+              <a:t>cell</a:t>
+            </a:r>
+          </a:p>
+        </p:txBody>
+      </p:sp>
+      <p:cxnSp>
+        <p:nvCxnSpPr>
+          <p:cNvPr id="15" name="Straight Arrow Connector 14"/>
+          <p:cNvCxnSpPr>
+            <a:endCxn id="21" idx="2"/>
+          </p:cNvCxnSpPr>
+          <p:nvPr/>
+        </p:nvCxnSpPr>
+        <p:spPr>
+          <a:xfrm flipH="1">
+            <a:off x="2149472" y="2110373"/>
+            <a:ext cx="3326814" cy="0"/>
+          </a:xfrm>
+          <a:prstGeom prst="straightConnector1">
+            <a:avLst/>
+          </a:prstGeom>
+          <a:ln>
+            <a:solidFill>
+              <a:srgbClr val="008000"/>
+            </a:solidFill>
+            <a:headEnd type="oval"/>
+            <a:tailEnd type="arrow"/>
+          </a:ln>
+          <a:effectLst/>
+        </p:spPr>
+        <p:style>
+          <a:lnRef idx="2">
+            <a:schemeClr val="accent1"/>
+          </a:lnRef>
+          <a:fillRef idx="0">
+            <a:schemeClr val="accent1"/>
+          </a:fillRef>
+          <a:effectRef idx="1">
+            <a:schemeClr val="accent1"/>
+          </a:effectRef>
+          <a:fontRef idx="minor">
+            <a:schemeClr val="tx1"/>
+          </a:fontRef>
+        </p:style>
+      </p:cxnSp>
+      <p:cxnSp>
+        <p:nvCxnSpPr>
+          <p:cNvPr id="14" name="Straight Connector 13"/>
+          <p:cNvCxnSpPr/>
+          <p:nvPr/>
+        </p:nvCxnSpPr>
+        <p:spPr>
+          <a:xfrm flipV="1">
+            <a:off x="2147093" y="3249860"/>
+            <a:ext cx="3329193" cy="38100"/>
+          </a:xfrm>
+          <a:prstGeom prst="line">
+            <a:avLst/>
+          </a:prstGeom>
+          <a:ln>
+            <a:solidFill>
+              <a:schemeClr val="bg1">
+                <a:lumMod val="50000"/>
+              </a:schemeClr>
+            </a:solidFill>
+            <a:headEnd type="oval"/>
+            <a:tailEnd type="oval"/>
+          </a:ln>
+          <a:effectLst/>
+        </p:spPr>
+        <p:style>
+          <a:lnRef idx="2">
+            <a:schemeClr val="accent1"/>
+          </a:lnRef>
+          <a:fillRef idx="0">
+            <a:schemeClr val="accent1"/>
+          </a:fillRef>
+          <a:effectRef idx="1">
+            <a:schemeClr val="accent1"/>
+          </a:effectRef>
+          <a:fontRef idx="minor">
+            <a:schemeClr val="tx1"/>
+          </a:fontRef>
+        </p:style>
+      </p:cxnSp>
+      <p:sp>
+        <p:nvSpPr>
+          <p:cNvPr id="17" name="TextBox 16"/>
+          <p:cNvSpPr txBox="1"/>
+          <p:nvPr/>
+        </p:nvSpPr>
+        <p:spPr>
+          <a:xfrm>
+            <a:off x="1962943" y="2716629"/>
+            <a:ext cx="368300" cy="338554"/>
+          </a:xfrm>
+          <a:prstGeom prst="rect">
+            <a:avLst/>
+          </a:prstGeom>
+          <a:noFill/>
+        </p:spPr>
+        <p:txBody>
+          <a:bodyPr wrap="square" rtlCol="0">
+            <a:spAutoFit/>
+          </a:bodyPr>
+          <a:lstStyle/>
+          <a:p>
+            <a:pPr algn="ctr"/>
+            <a:r>
+              <a:rPr lang="en-US" sz="1600" dirty="0" smtClean="0">
+                <a:solidFill>
+                  <a:schemeClr val="bg1">
+                    <a:lumMod val="50000"/>
+                  </a:schemeClr>
+                </a:solidFill>
+              </a:rPr>
+              <a:t>0</a:t>
+            </a:r>
+            <a:endParaRPr lang="en-US" sz="1600" baseline="-25000" dirty="0" smtClean="0">
+              <a:solidFill>
+                <a:schemeClr val="bg1">
+                  <a:lumMod val="50000"/>
+                </a:schemeClr>
+              </a:solidFill>
+            </a:endParaRPr>
+          </a:p>
+        </p:txBody>
+      </p:sp>
+      <p:sp>
+        <p:nvSpPr>
+          <p:cNvPr id="19" name="TextBox 18"/>
+          <p:cNvSpPr txBox="1"/>
+          <p:nvPr/>
+        </p:nvSpPr>
+        <p:spPr>
+          <a:xfrm>
+            <a:off x="3035300" y="2679700"/>
+            <a:ext cx="1031079" cy="502702"/>
+          </a:xfrm>
+          <a:prstGeom prst="rect">
+            <a:avLst/>
+          </a:prstGeom>
+          <a:noFill/>
+        </p:spPr>
+        <p:txBody>
+          <a:bodyPr wrap="square" rtlCol="0">
+            <a:spAutoFit/>
+          </a:bodyPr>
+          <a:lstStyle/>
+          <a:p>
+            <a:pPr algn="r"/>
+            <a:r>
+              <a:rPr lang="en-US" sz="1600" dirty="0" smtClean="0"/>
+              <a:t>p</a:t>
+            </a:r>
+            <a:r>
+              <a:rPr lang="en-US" sz="1600" baseline="-25000" dirty="0" smtClean="0"/>
+              <a:t>x</a:t>
+            </a:r>
+            <a:r>
+              <a:rPr lang="en-US" sz="1600" dirty="0" smtClean="0"/>
+              <a:t>/</a:t>
+            </a:r>
+            <a:r>
+              <a:rPr lang="en-US" sz="1600" dirty="0"/>
+              <a:t>p</a:t>
+            </a:r>
+            <a:r>
+              <a:rPr lang="en-US" sz="1600" baseline="-25000" dirty="0"/>
+              <a:t>cell</a:t>
+            </a:r>
+          </a:p>
+          <a:p>
+            <a:pPr algn="r"/>
+            <a:endParaRPr lang="en-US" sz="1600" baseline="-25000" dirty="0" smtClean="0"/>
+          </a:p>
+        </p:txBody>
+      </p:sp>
+      <p:cxnSp>
+        <p:nvCxnSpPr>
+          <p:cNvPr id="20" name="Straight Connector 19"/>
+          <p:cNvCxnSpPr/>
+          <p:nvPr/>
+        </p:nvCxnSpPr>
+        <p:spPr>
+          <a:xfrm>
+            <a:off x="3457971" y="3055183"/>
+            <a:ext cx="7144" cy="575680"/>
+          </a:xfrm>
+          <a:prstGeom prst="line">
+            <a:avLst/>
+          </a:prstGeom>
+          <a:ln>
+            <a:solidFill>
+              <a:schemeClr val="tx1"/>
+            </a:solidFill>
+            <a:prstDash val="dash"/>
+            <a:headEnd type="none"/>
+            <a:tailEnd type="none"/>
+          </a:ln>
+          <a:effectLst/>
+        </p:spPr>
+        <p:style>
+          <a:lnRef idx="2">
+            <a:schemeClr val="accent1"/>
+          </a:lnRef>
+          <a:fillRef idx="0">
+            <a:schemeClr val="accent1"/>
+          </a:fillRef>
+          <a:effectRef idx="1">
+            <a:schemeClr val="accent1"/>
+          </a:effectRef>
+          <a:fontRef idx="minor">
+            <a:schemeClr val="tx1"/>
+          </a:fontRef>
+        </p:style>
+      </p:cxnSp>
+      <p:sp>
+        <p:nvSpPr>
+          <p:cNvPr id="2" name="TextBox 1"/>
+          <p:cNvSpPr txBox="1"/>
+          <p:nvPr/>
+        </p:nvSpPr>
+        <p:spPr>
+          <a:xfrm>
+            <a:off x="1715294" y="3709239"/>
+            <a:ext cx="6997700" cy="2031325"/>
+          </a:xfrm>
+          <a:prstGeom prst="rect">
+            <a:avLst/>
+          </a:prstGeom>
+          <a:noFill/>
+        </p:spPr>
+        <p:txBody>
+          <a:bodyPr wrap="square" rtlCol="0">
+            <a:spAutoFit/>
+          </a:bodyPr>
+          <a:lstStyle/>
+          <a:p>
+            <a:endParaRPr lang="en-US" dirty="0"/>
+          </a:p>
+          <a:p>
+            <a:r>
+              <a:rPr lang="en-US" dirty="0"/>
+              <a:t>Draw a random number </a:t>
+            </a:r>
+            <a:r>
+              <a:rPr lang="en-US" dirty="0" err="1" smtClean="0"/>
+              <a:t>r</a:t>
+            </a:r>
+            <a:r>
+              <a:rPr lang="en-US" baseline="-25000" dirty="0" err="1" smtClean="0"/>
+              <a:t>n</a:t>
+            </a:r>
+            <a:r>
+              <a:rPr lang="en-US" dirty="0" smtClean="0"/>
+              <a:t> </a:t>
+            </a:r>
+            <a:r>
+              <a:rPr lang="en-US" dirty="0"/>
+              <a:t>between 0 and </a:t>
+            </a:r>
+            <a:r>
+              <a:rPr lang="en-US" dirty="0" smtClean="0"/>
+              <a:t>1 (alternatively, we could have not scaled and drawn </a:t>
+            </a:r>
+            <a:r>
+              <a:rPr lang="en-US" dirty="0" err="1" smtClean="0"/>
+              <a:t>r</a:t>
+            </a:r>
+            <a:r>
+              <a:rPr lang="en-US" baseline="-25000" dirty="0" err="1" smtClean="0"/>
+              <a:t>n</a:t>
+            </a:r>
+            <a:r>
+              <a:rPr lang="en-US" dirty="0" smtClean="0"/>
+              <a:t> between 0 and </a:t>
+            </a:r>
+            <a:r>
+              <a:rPr lang="en-US" baseline="-25000" dirty="0" smtClean="0"/>
+              <a:t>pcell</a:t>
+            </a:r>
+            <a:r>
+              <a:rPr lang="en-US" dirty="0" smtClean="0"/>
+              <a:t>).</a:t>
+            </a:r>
+            <a:endParaRPr lang="en-US" dirty="0"/>
+          </a:p>
+          <a:p>
+            <a:endParaRPr lang="en-US" dirty="0"/>
+          </a:p>
+          <a:p>
+            <a:r>
+              <a:rPr lang="en-US" dirty="0">
+                <a:solidFill>
+                  <a:srgbClr val="FF6600"/>
+                </a:solidFill>
+              </a:rPr>
+              <a:t>Pass: </a:t>
+            </a:r>
+            <a:r>
+              <a:rPr lang="en-US" dirty="0" err="1" smtClean="0">
+                <a:solidFill>
+                  <a:srgbClr val="FF6600"/>
+                </a:solidFill>
+              </a:rPr>
+              <a:t>r</a:t>
+            </a:r>
+            <a:r>
+              <a:rPr lang="en-US" baseline="-25000" dirty="0" err="1" smtClean="0">
+                <a:solidFill>
+                  <a:srgbClr val="FF6600"/>
+                </a:solidFill>
+              </a:rPr>
+              <a:t>n</a:t>
+            </a:r>
+            <a:r>
+              <a:rPr lang="en-US" dirty="0" smtClean="0">
+                <a:solidFill>
+                  <a:srgbClr val="FF6600"/>
+                </a:solidFill>
+              </a:rPr>
+              <a:t> </a:t>
+            </a:r>
+            <a:r>
+              <a:rPr lang="en-US" dirty="0" smtClean="0">
+                <a:solidFill>
+                  <a:srgbClr val="FF6600"/>
+                </a:solidFill>
+              </a:rPr>
+              <a:t>≤ p</a:t>
+            </a:r>
+            <a:r>
+              <a:rPr lang="en-US" baseline="-25000" dirty="0" smtClean="0">
+                <a:solidFill>
+                  <a:srgbClr val="FF6600"/>
+                </a:solidFill>
+              </a:rPr>
+              <a:t>x</a:t>
+            </a:r>
+            <a:r>
+              <a:rPr lang="en-US" dirty="0">
+                <a:solidFill>
+                  <a:srgbClr val="FF6600"/>
+                </a:solidFill>
+              </a:rPr>
+              <a:t>/</a:t>
+            </a:r>
+            <a:r>
+              <a:rPr lang="en-US" dirty="0" smtClean="0">
+                <a:solidFill>
+                  <a:srgbClr val="FF6600"/>
+                </a:solidFill>
+              </a:rPr>
+              <a:t>p</a:t>
+            </a:r>
+            <a:r>
+              <a:rPr lang="en-US" baseline="-25000" dirty="0" smtClean="0">
+                <a:solidFill>
+                  <a:srgbClr val="FF6600"/>
+                </a:solidFill>
+              </a:rPr>
+              <a:t>cell</a:t>
+            </a:r>
+            <a:r>
+              <a:rPr lang="en-US" dirty="0"/>
+              <a:t>, continue to </a:t>
+            </a:r>
+            <a:r>
+              <a:rPr lang="en-US" dirty="0" smtClean="0"/>
+              <a:t>p</a:t>
+            </a:r>
+            <a:r>
+              <a:rPr lang="en-US" baseline="-25000" dirty="0" smtClean="0"/>
+              <a:t>n</a:t>
+            </a:r>
+            <a:r>
+              <a:rPr lang="en-US" dirty="0" smtClean="0"/>
+              <a:t> </a:t>
+            </a:r>
+            <a:r>
+              <a:rPr lang="en-US" dirty="0"/>
+              <a:t>test </a:t>
+            </a:r>
+            <a:r>
+              <a:rPr lang="en-US" dirty="0" smtClean="0"/>
+              <a:t>(the actual probability)</a:t>
+            </a:r>
+            <a:endParaRPr lang="en-US" dirty="0"/>
+          </a:p>
+          <a:p>
+            <a:r>
+              <a:rPr lang="en-US" dirty="0"/>
+              <a:t>Fail: </a:t>
+            </a:r>
+            <a:r>
+              <a:rPr lang="en-US" dirty="0" err="1" smtClean="0"/>
+              <a:t>r</a:t>
+            </a:r>
+            <a:r>
+              <a:rPr lang="en-US" baseline="-25000" dirty="0" err="1" smtClean="0"/>
+              <a:t>n</a:t>
+            </a:r>
+            <a:r>
+              <a:rPr lang="en-US" baseline="-25000" dirty="0" smtClean="0"/>
+              <a:t> </a:t>
+            </a:r>
+            <a:r>
+              <a:rPr lang="en-US" dirty="0" smtClean="0"/>
+              <a:t>&gt; p</a:t>
+            </a:r>
+            <a:r>
+              <a:rPr lang="en-US" baseline="-25000" dirty="0" smtClean="0"/>
+              <a:t>x</a:t>
+            </a:r>
+            <a:r>
+              <a:rPr lang="en-US" dirty="0"/>
+              <a:t>/</a:t>
+            </a:r>
+            <a:r>
+              <a:rPr lang="en-US" dirty="0" smtClean="0"/>
+              <a:t>p</a:t>
+            </a:r>
+            <a:r>
+              <a:rPr lang="en-US" baseline="-25000" dirty="0" smtClean="0"/>
+              <a:t>cell</a:t>
+            </a:r>
+            <a:r>
+              <a:rPr lang="en-US" dirty="0"/>
+              <a:t>, </a:t>
+            </a:r>
+            <a:r>
+              <a:rPr lang="en-US" dirty="0" smtClean="0"/>
+              <a:t>test p</a:t>
+            </a:r>
+            <a:r>
+              <a:rPr lang="en-US" baseline="-25000" dirty="0" smtClean="0"/>
+              <a:t>x</a:t>
+            </a:r>
+            <a:r>
+              <a:rPr lang="en-US" dirty="0" smtClean="0"/>
+              <a:t> against a new </a:t>
+            </a:r>
+            <a:r>
+              <a:rPr lang="en-US" dirty="0" err="1" smtClean="0"/>
+              <a:t>r</a:t>
+            </a:r>
+            <a:r>
+              <a:rPr lang="en-US" baseline="-25000" dirty="0" err="1" smtClean="0"/>
+              <a:t>n</a:t>
+            </a:r>
+            <a:r>
+              <a:rPr lang="en-US" dirty="0" smtClean="0"/>
+              <a:t> </a:t>
+            </a:r>
+            <a:r>
+              <a:rPr lang="en-US" dirty="0" smtClean="0"/>
+              <a:t>for the next premises in this cell</a:t>
+            </a:r>
+            <a:endParaRPr lang="en-US" dirty="0"/>
+          </a:p>
+          <a:p>
+            <a:endParaRPr lang="en-US" dirty="0"/>
+          </a:p>
+        </p:txBody>
+      </p:sp>
+      <p:sp>
+        <p:nvSpPr>
+          <p:cNvPr id="23" name="TextBox 22"/>
+          <p:cNvSpPr txBox="1"/>
+          <p:nvPr/>
+        </p:nvSpPr>
+        <p:spPr>
+          <a:xfrm>
+            <a:off x="3277393" y="1471151"/>
+            <a:ext cx="368300" cy="338554"/>
+          </a:xfrm>
+          <a:prstGeom prst="rect">
+            <a:avLst/>
+          </a:prstGeom>
+          <a:noFill/>
+        </p:spPr>
+        <p:txBody>
+          <a:bodyPr wrap="square" rtlCol="0">
+            <a:spAutoFit/>
+          </a:bodyPr>
+          <a:lstStyle/>
+          <a:p>
+            <a:pPr algn="r"/>
+            <a:r>
+              <a:rPr lang="en-US" sz="1600" dirty="0" smtClean="0"/>
+              <a:t>p</a:t>
+            </a:r>
+            <a:r>
+              <a:rPr lang="en-US" sz="1600" baseline="-25000" dirty="0"/>
+              <a:t>x</a:t>
+            </a:r>
+            <a:endParaRPr lang="en-US" sz="1600" baseline="-25000" dirty="0" smtClean="0"/>
+          </a:p>
+        </p:txBody>
+      </p:sp>
+      <p:cxnSp>
+        <p:nvCxnSpPr>
+          <p:cNvPr id="24" name="Straight Connector 23"/>
+          <p:cNvCxnSpPr>
+            <a:stCxn id="23" idx="2"/>
+          </p:cNvCxnSpPr>
+          <p:nvPr/>
+        </p:nvCxnSpPr>
+        <p:spPr>
+          <a:xfrm>
+            <a:off x="3461543" y="1809705"/>
+            <a:ext cx="0" cy="781095"/>
+          </a:xfrm>
+          <a:prstGeom prst="line">
+            <a:avLst/>
+          </a:prstGeom>
+          <a:ln>
+            <a:solidFill>
+              <a:schemeClr val="tx1"/>
+            </a:solidFill>
+            <a:prstDash val="dash"/>
+            <a:headEnd type="none"/>
+            <a:tailEnd type="none"/>
+          </a:ln>
+          <a:effectLst/>
+        </p:spPr>
+        <p:style>
+          <a:lnRef idx="2">
+            <a:schemeClr val="accent1"/>
+          </a:lnRef>
+          <a:fillRef idx="0">
+            <a:schemeClr val="accent1"/>
+          </a:fillRef>
+          <a:effectRef idx="1">
+            <a:schemeClr val="accent1"/>
+          </a:effectRef>
+          <a:fontRef idx="minor">
+            <a:schemeClr val="tx1"/>
+          </a:fontRef>
+        </p:style>
+      </p:cxnSp>
+      <p:sp>
+        <p:nvSpPr>
+          <p:cNvPr id="25" name="TextBox 24"/>
+          <p:cNvSpPr txBox="1"/>
+          <p:nvPr/>
+        </p:nvSpPr>
+        <p:spPr>
+          <a:xfrm>
+            <a:off x="4287245" y="2810877"/>
+            <a:ext cx="1189041" cy="338554"/>
+          </a:xfrm>
+          <a:prstGeom prst="rect">
+            <a:avLst/>
+          </a:prstGeom>
+          <a:noFill/>
+        </p:spPr>
+        <p:txBody>
+          <a:bodyPr wrap="square" rtlCol="0">
+            <a:spAutoFit/>
+          </a:bodyPr>
+          <a:lstStyle/>
+          <a:p>
+            <a:pPr algn="ctr"/>
+            <a:r>
+              <a:rPr lang="en-US" sz="1600" dirty="0" smtClean="0">
+                <a:solidFill>
+                  <a:schemeClr val="bg1">
+                    <a:lumMod val="50000"/>
+                  </a:schemeClr>
+                </a:solidFill>
+              </a:rPr>
+              <a:t>p</a:t>
+            </a:r>
+            <a:r>
+              <a:rPr lang="en-US" sz="1600" baseline="-25000" dirty="0" smtClean="0">
+                <a:solidFill>
+                  <a:schemeClr val="bg1">
+                    <a:lumMod val="50000"/>
+                  </a:schemeClr>
+                </a:solidFill>
+              </a:rPr>
+              <a:t>cell</a:t>
+            </a:r>
+            <a:r>
+              <a:rPr lang="en-US" sz="1600" dirty="0" smtClean="0">
+                <a:solidFill>
+                  <a:schemeClr val="bg1">
+                    <a:lumMod val="50000"/>
+                  </a:schemeClr>
+                </a:solidFill>
+              </a:rPr>
+              <a:t>/p</a:t>
+            </a:r>
+            <a:r>
+              <a:rPr lang="en-US" sz="1600" baseline="-25000" dirty="0" smtClean="0">
+                <a:solidFill>
+                  <a:schemeClr val="bg1">
+                    <a:lumMod val="50000"/>
+                  </a:schemeClr>
+                </a:solidFill>
+              </a:rPr>
+              <a:t>cell </a:t>
+            </a:r>
+            <a:r>
+              <a:rPr lang="en-US" sz="1600" dirty="0" smtClean="0">
+                <a:solidFill>
+                  <a:schemeClr val="bg1">
+                    <a:lumMod val="50000"/>
+                  </a:schemeClr>
+                </a:solidFill>
+              </a:rPr>
+              <a:t>= 1</a:t>
+            </a:r>
+          </a:p>
+        </p:txBody>
+      </p:sp>
+      <p:sp>
+        <p:nvSpPr>
+          <p:cNvPr id="32" name="TextBox 31"/>
+          <p:cNvSpPr txBox="1"/>
+          <p:nvPr/>
+        </p:nvSpPr>
+        <p:spPr>
+          <a:xfrm>
+            <a:off x="2516979" y="2810877"/>
+            <a:ext cx="647700" cy="369332"/>
+          </a:xfrm>
+          <a:prstGeom prst="rect">
+            <a:avLst/>
+          </a:prstGeom>
+          <a:noFill/>
+        </p:spPr>
+        <p:txBody>
+          <a:bodyPr wrap="square" rtlCol="0">
+            <a:spAutoFit/>
+          </a:bodyPr>
+          <a:lstStyle/>
+          <a:p>
+            <a:r>
+              <a:rPr lang="en-US" dirty="0" smtClean="0">
+                <a:solidFill>
+                  <a:srgbClr val="FF6600"/>
+                </a:solidFill>
+              </a:rPr>
+              <a:t>Pass</a:t>
+            </a:r>
+          </a:p>
+        </p:txBody>
+      </p:sp>
+      <p:cxnSp>
+        <p:nvCxnSpPr>
+          <p:cNvPr id="29" name="Straight Arrow Connector 28"/>
+          <p:cNvCxnSpPr/>
+          <p:nvPr/>
+        </p:nvCxnSpPr>
+        <p:spPr>
+          <a:xfrm flipH="1">
+            <a:off x="2147094" y="3149431"/>
+            <a:ext cx="1310877" cy="0"/>
+          </a:xfrm>
+          <a:prstGeom prst="straightConnector1">
+            <a:avLst/>
+          </a:prstGeom>
+          <a:ln>
+            <a:solidFill>
+              <a:srgbClr val="FF6600"/>
+            </a:solidFill>
+            <a:headEnd type="oval"/>
+            <a:tailEnd type="arrow"/>
+          </a:ln>
+          <a:effectLst/>
+        </p:spPr>
+        <p:style>
+          <a:lnRef idx="2">
+            <a:schemeClr val="accent1"/>
+          </a:lnRef>
+          <a:fillRef idx="0">
+            <a:schemeClr val="accent1"/>
+          </a:fillRef>
+          <a:effectRef idx="1">
+            <a:schemeClr val="accent1"/>
+          </a:effectRef>
+          <a:fontRef idx="minor">
+            <a:schemeClr val="tx1"/>
+          </a:fontRef>
+        </p:style>
+      </p:cxnSp>
+      <p:sp>
+        <p:nvSpPr>
+          <p:cNvPr id="7" name="Left Brace 6"/>
+          <p:cNvSpPr/>
+          <p:nvPr/>
+        </p:nvSpPr>
+        <p:spPr>
+          <a:xfrm rot="16200000">
+            <a:off x="3635497" y="2223214"/>
+            <a:ext cx="354764" cy="3326814"/>
+          </a:xfrm>
+          <a:prstGeom prst="leftBrace">
+            <a:avLst>
+              <a:gd name="adj1" fmla="val 8333"/>
+              <a:gd name="adj2" fmla="val 60046"/>
+            </a:avLst>
+          </a:prstGeom>
+          <a:ln>
+            <a:solidFill>
+              <a:srgbClr val="7F7F7F"/>
+            </a:solidFill>
+            <a:headEnd type="none"/>
+            <a:tailEnd type="none"/>
+          </a:ln>
+          <a:effectLst/>
+        </p:spPr>
+        <p:style>
+          <a:lnRef idx="2">
+            <a:schemeClr val="accent1"/>
+          </a:lnRef>
+          <a:fillRef idx="0">
+            <a:schemeClr val="accent1"/>
+          </a:fillRef>
+          <a:effectRef idx="1">
+            <a:schemeClr val="accent1"/>
+          </a:effectRef>
+          <a:fontRef idx="minor">
+            <a:schemeClr val="tx1"/>
+          </a:fontRef>
+        </p:style>
+        <p:txBody>
+          <a:bodyPr rtlCol="0" anchor="ctr"/>
+          <a:lstStyle/>
+          <a:p>
+            <a:pPr algn="ctr"/>
+            <a:endParaRPr lang="en-US"/>
+          </a:p>
+        </p:txBody>
+      </p:sp>
+    </p:spTree>
+    <p:extLst>
+      <p:ext uri="{BB962C8B-B14F-4D97-AF65-F5344CB8AC3E}">
+        <p14:creationId xmlns:p14="http://schemas.microsoft.com/office/powerpoint/2010/main" val="1887523220"/>
+      </p:ext>
+    </p:extLst>
+  </p:cSld>
+  <p:clrMapOvr>
+    <a:masterClrMapping/>
+  </p:clrMapOvr>
+</p:sld>
+</file>
+
+<file path=ppt/slides/slide24.xml><?xml version="1.0" encoding="utf-8"?>
+<p:sld xmlns:a="http://schemas.openxmlformats.org/drawingml/2006/main" xmlns:r="http://schemas.openxmlformats.org/officeDocument/2006/relationships" xmlns:p="http://schemas.openxmlformats.org/presentationml/2006/main">
+  <p:cSld>
+    <p:spTree>
+      <p:nvGrpSpPr>
+        <p:cNvPr id="1" name=""/>
+        <p:cNvGrpSpPr/>
+        <p:nvPr/>
+      </p:nvGrpSpPr>
+      <p:grpSpPr>
+        <a:xfrm>
+          <a:off x="0" y="0"/>
+          <a:ext cx="0" cy="0"/>
+          <a:chOff x="0" y="0"/>
+          <a:chExt cx="0" cy="0"/>
+        </a:xfrm>
+      </p:grpSpPr>
+      <p:cxnSp>
+        <p:nvCxnSpPr>
+          <p:cNvPr id="38" name="Straight Connector 37"/>
+          <p:cNvCxnSpPr>
+            <a:stCxn id="37" idx="2"/>
+          </p:cNvCxnSpPr>
+          <p:nvPr/>
+        </p:nvCxnSpPr>
+        <p:spPr>
+          <a:xfrm>
+            <a:off x="5476286" y="1139493"/>
+            <a:ext cx="0" cy="2934533"/>
+          </a:xfrm>
+          <a:prstGeom prst="line">
+            <a:avLst/>
+          </a:prstGeom>
+          <a:ln>
+            <a:solidFill>
+              <a:schemeClr val="tx1"/>
+            </a:solidFill>
+            <a:prstDash val="dash"/>
+            <a:headEnd type="none"/>
+            <a:tailEnd type="none"/>
+          </a:ln>
+          <a:effectLst/>
+        </p:spPr>
+        <p:style>
+          <a:lnRef idx="2">
+            <a:schemeClr val="accent1"/>
+          </a:lnRef>
+          <a:fillRef idx="0">
+            <a:schemeClr val="accent1"/>
+          </a:fillRef>
+          <a:effectRef idx="1">
+            <a:schemeClr val="accent1"/>
+          </a:effectRef>
+          <a:fontRef idx="minor">
+            <a:schemeClr val="tx1"/>
+          </a:fontRef>
+        </p:style>
+      </p:cxnSp>
+      <p:cxnSp>
+        <p:nvCxnSpPr>
+          <p:cNvPr id="3" name="Straight Connector 2"/>
+          <p:cNvCxnSpPr/>
+          <p:nvPr/>
+        </p:nvCxnSpPr>
+        <p:spPr>
+          <a:xfrm flipV="1">
+            <a:off x="2149472" y="1797050"/>
+            <a:ext cx="3657600" cy="38100"/>
+          </a:xfrm>
+          <a:prstGeom prst="line">
+            <a:avLst/>
+          </a:prstGeom>
+          <a:ln>
+            <a:solidFill>
+              <a:schemeClr val="bg1">
+                <a:lumMod val="50000"/>
+              </a:schemeClr>
+            </a:solidFill>
+            <a:headEnd type="oval"/>
+            <a:tailEnd type="oval"/>
+          </a:ln>
+          <a:effectLst/>
+        </p:spPr>
+        <p:style>
+          <a:lnRef idx="2">
+            <a:schemeClr val="accent1"/>
+          </a:lnRef>
+          <a:fillRef idx="0">
+            <a:schemeClr val="accent1"/>
+          </a:fillRef>
+          <a:effectRef idx="1">
+            <a:schemeClr val="accent1"/>
+          </a:effectRef>
+          <a:fontRef idx="minor">
+            <a:schemeClr val="tx1"/>
+          </a:fontRef>
+        </p:style>
+      </p:cxnSp>
+      <p:sp>
+        <p:nvSpPr>
+          <p:cNvPr id="21" name="TextBox 20"/>
+          <p:cNvSpPr txBox="1"/>
+          <p:nvPr/>
+        </p:nvSpPr>
+        <p:spPr>
+          <a:xfrm>
+            <a:off x="1965322" y="1263819"/>
+            <a:ext cx="368300" cy="338554"/>
+          </a:xfrm>
+          <a:prstGeom prst="rect">
+            <a:avLst/>
+          </a:prstGeom>
+          <a:noFill/>
+        </p:spPr>
+        <p:txBody>
+          <a:bodyPr wrap="square" rtlCol="0">
+            <a:spAutoFit/>
+          </a:bodyPr>
+          <a:lstStyle/>
+          <a:p>
+            <a:pPr algn="ctr"/>
+            <a:r>
+              <a:rPr lang="en-US" sz="1600" dirty="0" smtClean="0">
+                <a:solidFill>
+                  <a:schemeClr val="bg1">
+                    <a:lumMod val="50000"/>
+                  </a:schemeClr>
+                </a:solidFill>
+              </a:rPr>
+              <a:t>0</a:t>
+            </a:r>
+            <a:endParaRPr lang="en-US" sz="1600" baseline="-25000" dirty="0" smtClean="0">
+              <a:solidFill>
+                <a:schemeClr val="bg1">
+                  <a:lumMod val="50000"/>
+                </a:schemeClr>
+              </a:solidFill>
+            </a:endParaRPr>
+          </a:p>
+        </p:txBody>
+      </p:sp>
+      <p:sp>
+        <p:nvSpPr>
+          <p:cNvPr id="22" name="TextBox 21"/>
+          <p:cNvSpPr txBox="1"/>
+          <p:nvPr/>
+        </p:nvSpPr>
+        <p:spPr>
+          <a:xfrm flipH="1">
+            <a:off x="5611809" y="1263819"/>
+            <a:ext cx="390525" cy="338554"/>
+          </a:xfrm>
+          <a:prstGeom prst="rect">
+            <a:avLst/>
+          </a:prstGeom>
+          <a:noFill/>
+        </p:spPr>
+        <p:txBody>
+          <a:bodyPr wrap="square" rtlCol="0">
+            <a:spAutoFit/>
+          </a:bodyPr>
+          <a:lstStyle/>
+          <a:p>
+            <a:pPr algn="ctr"/>
+            <a:r>
+              <a:rPr lang="en-US" sz="1600" dirty="0" smtClean="0">
+                <a:solidFill>
+                  <a:schemeClr val="bg1">
+                    <a:lumMod val="50000"/>
+                  </a:schemeClr>
+                </a:solidFill>
+              </a:rPr>
+              <a:t>1</a:t>
+            </a:r>
+            <a:endParaRPr lang="en-US" sz="1600" baseline="-25000" dirty="0" smtClean="0">
+              <a:solidFill>
+                <a:schemeClr val="bg1">
+                  <a:lumMod val="50000"/>
+                </a:schemeClr>
+              </a:solidFill>
+            </a:endParaRPr>
+          </a:p>
+        </p:txBody>
+      </p:sp>
+      <p:sp>
+        <p:nvSpPr>
+          <p:cNvPr id="8" name="TextBox 7"/>
+          <p:cNvSpPr txBox="1"/>
+          <p:nvPr/>
+        </p:nvSpPr>
+        <p:spPr>
+          <a:xfrm>
+            <a:off x="1830386" y="382721"/>
+            <a:ext cx="4672808" cy="646331"/>
+          </a:xfrm>
+          <a:prstGeom prst="rect">
+            <a:avLst/>
+          </a:prstGeom>
+          <a:noFill/>
+        </p:spPr>
+        <p:txBody>
+          <a:bodyPr wrap="square" rtlCol="0">
+            <a:spAutoFit/>
+          </a:bodyPr>
+          <a:lstStyle/>
+          <a:p>
+            <a:r>
+              <a:rPr lang="en-US" dirty="0" smtClean="0"/>
+              <a:t>Calculate probability p</a:t>
+            </a:r>
+            <a:r>
+              <a:rPr lang="en-US" baseline="-25000" dirty="0" smtClean="0"/>
+              <a:t>n</a:t>
+            </a:r>
+            <a:r>
+              <a:rPr lang="en-US" dirty="0"/>
+              <a:t> </a:t>
+            </a:r>
+            <a:r>
+              <a:rPr lang="en-US" dirty="0" smtClean="0"/>
+              <a:t>and scale this value to p</a:t>
+            </a:r>
+            <a:r>
+              <a:rPr lang="en-US" baseline="-25000" dirty="0" smtClean="0"/>
+              <a:t>cell</a:t>
+            </a:r>
+            <a:r>
+              <a:rPr lang="en-US" dirty="0" smtClean="0"/>
+              <a:t>.</a:t>
+            </a:r>
+          </a:p>
+        </p:txBody>
+      </p:sp>
+      <p:sp>
+        <p:nvSpPr>
+          <p:cNvPr id="37" name="TextBox 36"/>
+          <p:cNvSpPr txBox="1"/>
+          <p:nvPr/>
+        </p:nvSpPr>
+        <p:spPr>
+          <a:xfrm>
+            <a:off x="5165929" y="800939"/>
+            <a:ext cx="620713" cy="338554"/>
+          </a:xfrm>
+          <a:prstGeom prst="rect">
+            <a:avLst/>
+          </a:prstGeom>
+          <a:noFill/>
+        </p:spPr>
+        <p:txBody>
+          <a:bodyPr wrap="square" rtlCol="0">
+            <a:spAutoFit/>
+          </a:bodyPr>
+          <a:lstStyle/>
+          <a:p>
+            <a:pPr algn="r"/>
+            <a:r>
+              <a:rPr lang="en-US" sz="1600" dirty="0" smtClean="0"/>
+              <a:t>p</a:t>
+            </a:r>
+            <a:r>
+              <a:rPr lang="en-US" sz="1600" baseline="-25000" dirty="0" smtClean="0"/>
+              <a:t>cell</a:t>
+            </a:r>
+          </a:p>
+        </p:txBody>
+      </p:sp>
+      <p:cxnSp>
+        <p:nvCxnSpPr>
+          <p:cNvPr id="15" name="Straight Arrow Connector 14"/>
+          <p:cNvCxnSpPr>
+            <a:endCxn id="21" idx="2"/>
+          </p:cNvCxnSpPr>
+          <p:nvPr/>
+        </p:nvCxnSpPr>
+        <p:spPr>
+          <a:xfrm flipH="1">
+            <a:off x="2149472" y="1602373"/>
+            <a:ext cx="3326814" cy="0"/>
+          </a:xfrm>
+          <a:prstGeom prst="straightConnector1">
+            <a:avLst/>
+          </a:prstGeom>
+          <a:ln>
+            <a:solidFill>
+              <a:srgbClr val="008000"/>
+            </a:solidFill>
+            <a:headEnd type="oval"/>
+            <a:tailEnd type="arrow"/>
+          </a:ln>
+          <a:effectLst/>
+        </p:spPr>
+        <p:style>
+          <a:lnRef idx="2">
+            <a:schemeClr val="accent1"/>
+          </a:lnRef>
+          <a:fillRef idx="0">
+            <a:schemeClr val="accent1"/>
+          </a:fillRef>
+          <a:effectRef idx="1">
+            <a:schemeClr val="accent1"/>
+          </a:effectRef>
+          <a:fontRef idx="minor">
+            <a:schemeClr val="tx1"/>
+          </a:fontRef>
+        </p:style>
+      </p:cxnSp>
+      <p:cxnSp>
+        <p:nvCxnSpPr>
+          <p:cNvPr id="14" name="Straight Connector 13"/>
+          <p:cNvCxnSpPr/>
+          <p:nvPr/>
+        </p:nvCxnSpPr>
+        <p:spPr>
+          <a:xfrm flipV="1">
+            <a:off x="2147093" y="2741860"/>
+            <a:ext cx="3329193" cy="38100"/>
+          </a:xfrm>
+          <a:prstGeom prst="line">
+            <a:avLst/>
+          </a:prstGeom>
+          <a:ln>
+            <a:solidFill>
+              <a:schemeClr val="bg1">
+                <a:lumMod val="50000"/>
+              </a:schemeClr>
+            </a:solidFill>
+            <a:headEnd type="oval"/>
+            <a:tailEnd type="oval"/>
+          </a:ln>
+          <a:effectLst/>
+        </p:spPr>
+        <p:style>
+          <a:lnRef idx="2">
+            <a:schemeClr val="accent1"/>
+          </a:lnRef>
+          <a:fillRef idx="0">
+            <a:schemeClr val="accent1"/>
+          </a:fillRef>
+          <a:effectRef idx="1">
+            <a:schemeClr val="accent1"/>
+          </a:effectRef>
+          <a:fontRef idx="minor">
+            <a:schemeClr val="tx1"/>
+          </a:fontRef>
+        </p:style>
+      </p:cxnSp>
+      <p:sp>
+        <p:nvSpPr>
+          <p:cNvPr id="17" name="TextBox 16"/>
+          <p:cNvSpPr txBox="1"/>
+          <p:nvPr/>
+        </p:nvSpPr>
+        <p:spPr>
+          <a:xfrm>
+            <a:off x="1962943" y="2208629"/>
+            <a:ext cx="368300" cy="338554"/>
+          </a:xfrm>
+          <a:prstGeom prst="rect">
+            <a:avLst/>
+          </a:prstGeom>
+          <a:noFill/>
+        </p:spPr>
+        <p:txBody>
+          <a:bodyPr wrap="square" rtlCol="0">
+            <a:spAutoFit/>
+          </a:bodyPr>
+          <a:lstStyle/>
+          <a:p>
+            <a:pPr algn="ctr"/>
+            <a:r>
+              <a:rPr lang="en-US" sz="1600" dirty="0" smtClean="0">
+                <a:solidFill>
+                  <a:schemeClr val="bg1">
+                    <a:lumMod val="50000"/>
+                  </a:schemeClr>
+                </a:solidFill>
+              </a:rPr>
+              <a:t>0</a:t>
+            </a:r>
+            <a:endParaRPr lang="en-US" sz="1600" baseline="-25000" dirty="0" smtClean="0">
+              <a:solidFill>
+                <a:schemeClr val="bg1">
+                  <a:lumMod val="50000"/>
+                </a:schemeClr>
+              </a:solidFill>
+            </a:endParaRPr>
+          </a:p>
+        </p:txBody>
+      </p:sp>
+      <p:sp>
+        <p:nvSpPr>
+          <p:cNvPr id="19" name="TextBox 18"/>
+          <p:cNvSpPr txBox="1"/>
+          <p:nvPr/>
+        </p:nvSpPr>
+        <p:spPr>
+          <a:xfrm>
+            <a:off x="3035300" y="2171700"/>
+            <a:ext cx="1031079" cy="502702"/>
+          </a:xfrm>
+          <a:prstGeom prst="rect">
+            <a:avLst/>
+          </a:prstGeom>
+          <a:noFill/>
+        </p:spPr>
+        <p:txBody>
+          <a:bodyPr wrap="square" rtlCol="0">
+            <a:spAutoFit/>
+          </a:bodyPr>
+          <a:lstStyle/>
+          <a:p>
+            <a:pPr algn="r"/>
+            <a:r>
+              <a:rPr lang="en-US" sz="1600" dirty="0" smtClean="0"/>
+              <a:t>p</a:t>
+            </a:r>
+            <a:r>
+              <a:rPr lang="en-US" sz="1600" baseline="-25000" dirty="0" smtClean="0"/>
+              <a:t>x</a:t>
+            </a:r>
+            <a:r>
+              <a:rPr lang="en-US" sz="1600" dirty="0" smtClean="0"/>
+              <a:t>/</a:t>
+            </a:r>
+            <a:r>
+              <a:rPr lang="en-US" sz="1600" dirty="0"/>
+              <a:t>p</a:t>
+            </a:r>
+            <a:r>
+              <a:rPr lang="en-US" sz="1600" baseline="-25000" dirty="0"/>
+              <a:t>cell</a:t>
+            </a:r>
+          </a:p>
+          <a:p>
+            <a:pPr algn="r"/>
+            <a:endParaRPr lang="en-US" sz="1600" baseline="-25000" dirty="0" smtClean="0"/>
+          </a:p>
+        </p:txBody>
+      </p:sp>
+      <p:cxnSp>
+        <p:nvCxnSpPr>
+          <p:cNvPr id="20" name="Straight Connector 19"/>
+          <p:cNvCxnSpPr/>
+          <p:nvPr/>
+        </p:nvCxnSpPr>
+        <p:spPr>
+          <a:xfrm>
+            <a:off x="3457971" y="2547183"/>
+            <a:ext cx="7144" cy="575680"/>
+          </a:xfrm>
+          <a:prstGeom prst="line">
+            <a:avLst/>
+          </a:prstGeom>
+          <a:ln>
+            <a:solidFill>
+              <a:schemeClr val="tx1"/>
+            </a:solidFill>
+            <a:prstDash val="dash"/>
+            <a:headEnd type="none"/>
+            <a:tailEnd type="none"/>
+          </a:ln>
+          <a:effectLst/>
+        </p:spPr>
+        <p:style>
+          <a:lnRef idx="2">
+            <a:schemeClr val="accent1"/>
+          </a:lnRef>
+          <a:fillRef idx="0">
+            <a:schemeClr val="accent1"/>
+          </a:fillRef>
+          <a:effectRef idx="1">
+            <a:schemeClr val="accent1"/>
+          </a:effectRef>
+          <a:fontRef idx="minor">
+            <a:schemeClr val="tx1"/>
+          </a:fontRef>
+        </p:style>
+      </p:cxnSp>
+      <p:sp>
+        <p:nvSpPr>
+          <p:cNvPr id="2" name="TextBox 1"/>
+          <p:cNvSpPr txBox="1"/>
+          <p:nvPr/>
+        </p:nvSpPr>
+        <p:spPr>
+          <a:xfrm>
+            <a:off x="1715294" y="4043776"/>
+            <a:ext cx="6997700" cy="2031325"/>
+          </a:xfrm>
+          <a:prstGeom prst="rect">
+            <a:avLst/>
+          </a:prstGeom>
+          <a:noFill/>
+        </p:spPr>
+        <p:txBody>
+          <a:bodyPr wrap="square" rtlCol="0">
+            <a:spAutoFit/>
+          </a:bodyPr>
+          <a:lstStyle/>
+          <a:p>
+            <a:endParaRPr lang="en-US" dirty="0"/>
+          </a:p>
+          <a:p>
+            <a:r>
+              <a:rPr lang="en-US" i="1" dirty="0" smtClean="0"/>
+              <a:t>Use the same </a:t>
+            </a:r>
+            <a:r>
+              <a:rPr lang="en-US" i="1" dirty="0"/>
+              <a:t>random number</a:t>
+            </a:r>
+            <a:r>
+              <a:rPr lang="en-US" dirty="0"/>
+              <a:t> </a:t>
+            </a:r>
+            <a:r>
+              <a:rPr lang="en-US" dirty="0" err="1" smtClean="0">
+                <a:solidFill>
+                  <a:srgbClr val="FF6600"/>
+                </a:solidFill>
+              </a:rPr>
+              <a:t>r</a:t>
+            </a:r>
+            <a:r>
+              <a:rPr lang="en-US" baseline="-25000" dirty="0" err="1" smtClean="0">
+                <a:solidFill>
+                  <a:srgbClr val="FF6600"/>
+                </a:solidFill>
+              </a:rPr>
+              <a:t>n</a:t>
+            </a:r>
+            <a:r>
+              <a:rPr lang="en-US" dirty="0" smtClean="0">
+                <a:solidFill>
+                  <a:srgbClr val="FF6600"/>
+                </a:solidFill>
+              </a:rPr>
+              <a:t> </a:t>
+            </a:r>
+            <a:r>
+              <a:rPr lang="en-US" dirty="0" smtClean="0">
+                <a:solidFill>
+                  <a:srgbClr val="FF6600"/>
+                </a:solidFill>
+              </a:rPr>
+              <a:t>that passed the p</a:t>
+            </a:r>
+            <a:r>
+              <a:rPr lang="en-US" baseline="-25000" dirty="0" smtClean="0">
+                <a:solidFill>
+                  <a:srgbClr val="FF6600"/>
+                </a:solidFill>
+              </a:rPr>
+              <a:t>x</a:t>
+            </a:r>
+            <a:r>
+              <a:rPr lang="en-US" dirty="0" smtClean="0">
+                <a:solidFill>
+                  <a:srgbClr val="FF6600"/>
+                </a:solidFill>
+              </a:rPr>
+              <a:t> test </a:t>
+            </a:r>
+            <a:r>
+              <a:rPr lang="en-US" dirty="0" smtClean="0"/>
+              <a:t>(remember, p</a:t>
+            </a:r>
+            <a:r>
+              <a:rPr lang="en-US" baseline="-25000" dirty="0" smtClean="0"/>
+              <a:t>x</a:t>
+            </a:r>
+            <a:r>
+              <a:rPr lang="en-US" dirty="0" smtClean="0"/>
+              <a:t> was just a filter to see if </a:t>
+            </a:r>
+            <a:r>
+              <a:rPr lang="en-US" dirty="0" err="1" smtClean="0"/>
+              <a:t>r</a:t>
+            </a:r>
+            <a:r>
+              <a:rPr lang="en-US" baseline="-25000" dirty="0" err="1" smtClean="0"/>
+              <a:t>n</a:t>
+            </a:r>
+            <a:r>
+              <a:rPr lang="en-US" dirty="0" smtClean="0"/>
+              <a:t> could be failed immediately)</a:t>
+            </a:r>
+            <a:r>
+              <a:rPr lang="en-US" dirty="0" smtClean="0"/>
+              <a:t>.</a:t>
+            </a:r>
+            <a:endParaRPr lang="en-US" dirty="0"/>
+          </a:p>
+          <a:p>
+            <a:endParaRPr lang="en-US" dirty="0"/>
+          </a:p>
+          <a:p>
+            <a:r>
+              <a:rPr lang="en-US" dirty="0">
+                <a:solidFill>
+                  <a:srgbClr val="3366FF"/>
+                </a:solidFill>
+              </a:rPr>
+              <a:t>Pass: </a:t>
+            </a:r>
+            <a:r>
+              <a:rPr lang="en-US" dirty="0" err="1" smtClean="0">
+                <a:solidFill>
+                  <a:srgbClr val="3366FF"/>
+                </a:solidFill>
+              </a:rPr>
+              <a:t>r</a:t>
+            </a:r>
+            <a:r>
+              <a:rPr lang="en-US" baseline="-25000" dirty="0" err="1" smtClean="0">
+                <a:solidFill>
+                  <a:srgbClr val="3366FF"/>
+                </a:solidFill>
+              </a:rPr>
+              <a:t>n</a:t>
+            </a:r>
+            <a:r>
+              <a:rPr lang="en-US" dirty="0" smtClean="0">
+                <a:solidFill>
+                  <a:srgbClr val="3366FF"/>
+                </a:solidFill>
+              </a:rPr>
+              <a:t> </a:t>
+            </a:r>
+            <a:r>
+              <a:rPr lang="en-US" dirty="0" smtClean="0">
+                <a:solidFill>
+                  <a:srgbClr val="3366FF"/>
+                </a:solidFill>
+              </a:rPr>
+              <a:t>≤ p</a:t>
+            </a:r>
+            <a:r>
+              <a:rPr lang="en-US" baseline="-25000" dirty="0" smtClean="0">
+                <a:solidFill>
+                  <a:srgbClr val="3366FF"/>
+                </a:solidFill>
+              </a:rPr>
+              <a:t>n</a:t>
+            </a:r>
+            <a:r>
+              <a:rPr lang="en-US" dirty="0" smtClean="0">
+                <a:solidFill>
+                  <a:srgbClr val="3366FF"/>
+                </a:solidFill>
+              </a:rPr>
+              <a:t>/p</a:t>
+            </a:r>
+            <a:r>
+              <a:rPr lang="en-US" baseline="-25000" dirty="0" smtClean="0">
+                <a:solidFill>
+                  <a:srgbClr val="3366FF"/>
+                </a:solidFill>
+              </a:rPr>
+              <a:t>cell</a:t>
+            </a:r>
+            <a:r>
+              <a:rPr lang="en-US" dirty="0"/>
+              <a:t>, </a:t>
+            </a:r>
+            <a:r>
+              <a:rPr lang="en-US" dirty="0" smtClean="0"/>
+              <a:t>this premises is infected</a:t>
+            </a:r>
+            <a:endParaRPr lang="en-US" dirty="0"/>
+          </a:p>
+          <a:p>
+            <a:r>
+              <a:rPr lang="en-US" dirty="0"/>
+              <a:t>Fail: </a:t>
+            </a:r>
+            <a:r>
+              <a:rPr lang="en-US" dirty="0" err="1" smtClean="0"/>
+              <a:t>r</a:t>
+            </a:r>
+            <a:r>
+              <a:rPr lang="en-US" baseline="-25000" dirty="0" err="1" smtClean="0"/>
+              <a:t>n</a:t>
+            </a:r>
+            <a:r>
+              <a:rPr lang="en-US" baseline="-25000" dirty="0" smtClean="0"/>
+              <a:t> </a:t>
+            </a:r>
+            <a:r>
+              <a:rPr lang="en-US" dirty="0" smtClean="0"/>
+              <a:t>&gt; p</a:t>
+            </a:r>
+            <a:r>
+              <a:rPr lang="en-US" baseline="-25000" dirty="0" smtClean="0"/>
+              <a:t>n</a:t>
+            </a:r>
+            <a:r>
+              <a:rPr lang="en-US" dirty="0" smtClean="0"/>
+              <a:t>/p</a:t>
+            </a:r>
+            <a:r>
+              <a:rPr lang="en-US" baseline="-25000" dirty="0" smtClean="0"/>
+              <a:t>cell</a:t>
+            </a:r>
+            <a:r>
+              <a:rPr lang="en-US" dirty="0"/>
+              <a:t>, </a:t>
+            </a:r>
+            <a:r>
+              <a:rPr lang="en-US" dirty="0" smtClean="0"/>
+              <a:t>this premises is not infected</a:t>
+            </a:r>
+            <a:endParaRPr lang="en-US" dirty="0"/>
+          </a:p>
+          <a:p>
+            <a:endParaRPr lang="en-US" dirty="0"/>
+          </a:p>
+        </p:txBody>
+      </p:sp>
+      <p:sp>
+        <p:nvSpPr>
+          <p:cNvPr id="23" name="TextBox 22"/>
+          <p:cNvSpPr txBox="1"/>
+          <p:nvPr/>
+        </p:nvSpPr>
+        <p:spPr>
+          <a:xfrm>
+            <a:off x="3277393" y="963151"/>
+            <a:ext cx="368300" cy="338554"/>
+          </a:xfrm>
+          <a:prstGeom prst="rect">
+            <a:avLst/>
+          </a:prstGeom>
+          <a:noFill/>
+        </p:spPr>
+        <p:txBody>
+          <a:bodyPr wrap="square" rtlCol="0">
+            <a:spAutoFit/>
+          </a:bodyPr>
+          <a:lstStyle/>
+          <a:p>
+            <a:pPr algn="r"/>
+            <a:r>
+              <a:rPr lang="en-US" sz="1600" dirty="0" smtClean="0"/>
+              <a:t>p</a:t>
+            </a:r>
+            <a:r>
+              <a:rPr lang="en-US" sz="1600" baseline="-25000" dirty="0"/>
+              <a:t>x</a:t>
+            </a:r>
+            <a:endParaRPr lang="en-US" sz="1600" baseline="-25000" dirty="0" smtClean="0"/>
+          </a:p>
+        </p:txBody>
+      </p:sp>
+      <p:cxnSp>
+        <p:nvCxnSpPr>
+          <p:cNvPr id="24" name="Straight Connector 23"/>
+          <p:cNvCxnSpPr>
+            <a:stCxn id="23" idx="2"/>
+          </p:cNvCxnSpPr>
+          <p:nvPr/>
+        </p:nvCxnSpPr>
+        <p:spPr>
+          <a:xfrm>
+            <a:off x="3461543" y="1301705"/>
+            <a:ext cx="0" cy="781095"/>
+          </a:xfrm>
+          <a:prstGeom prst="line">
+            <a:avLst/>
+          </a:prstGeom>
+          <a:ln>
+            <a:solidFill>
+              <a:schemeClr val="tx1"/>
+            </a:solidFill>
+            <a:prstDash val="dash"/>
+            <a:headEnd type="none"/>
+            <a:tailEnd type="none"/>
+          </a:ln>
+          <a:effectLst/>
+        </p:spPr>
+        <p:style>
+          <a:lnRef idx="2">
+            <a:schemeClr val="accent1"/>
+          </a:lnRef>
+          <a:fillRef idx="0">
+            <a:schemeClr val="accent1"/>
+          </a:fillRef>
+          <a:effectRef idx="1">
+            <a:schemeClr val="accent1"/>
+          </a:effectRef>
+          <a:fontRef idx="minor">
+            <a:schemeClr val="tx1"/>
+          </a:fontRef>
+        </p:style>
+      </p:cxnSp>
+      <p:sp>
+        <p:nvSpPr>
+          <p:cNvPr id="25" name="TextBox 24"/>
+          <p:cNvSpPr txBox="1"/>
+          <p:nvPr/>
+        </p:nvSpPr>
+        <p:spPr>
+          <a:xfrm>
+            <a:off x="4369296" y="2349216"/>
+            <a:ext cx="1189041" cy="338554"/>
+          </a:xfrm>
+          <a:prstGeom prst="rect">
+            <a:avLst/>
+          </a:prstGeom>
+          <a:noFill/>
+        </p:spPr>
+        <p:txBody>
+          <a:bodyPr wrap="square" rtlCol="0">
+            <a:spAutoFit/>
+          </a:bodyPr>
+          <a:lstStyle/>
+          <a:p>
+            <a:pPr algn="ctr"/>
+            <a:r>
+              <a:rPr lang="en-US" sz="1600" dirty="0" smtClean="0">
+                <a:solidFill>
+                  <a:schemeClr val="bg1">
+                    <a:lumMod val="50000"/>
+                  </a:schemeClr>
+                </a:solidFill>
+              </a:rPr>
+              <a:t>p</a:t>
+            </a:r>
+            <a:r>
+              <a:rPr lang="en-US" sz="1600" baseline="-25000" dirty="0" smtClean="0">
+                <a:solidFill>
+                  <a:schemeClr val="bg1">
+                    <a:lumMod val="50000"/>
+                  </a:schemeClr>
+                </a:solidFill>
+              </a:rPr>
+              <a:t>cell</a:t>
+            </a:r>
+            <a:r>
+              <a:rPr lang="en-US" sz="1600" dirty="0" smtClean="0">
+                <a:solidFill>
+                  <a:schemeClr val="bg1">
+                    <a:lumMod val="50000"/>
+                  </a:schemeClr>
+                </a:solidFill>
+              </a:rPr>
+              <a:t>/p</a:t>
+            </a:r>
+            <a:r>
+              <a:rPr lang="en-US" sz="1600" baseline="-25000" dirty="0" smtClean="0">
+                <a:solidFill>
+                  <a:schemeClr val="bg1">
+                    <a:lumMod val="50000"/>
+                  </a:schemeClr>
+                </a:solidFill>
+              </a:rPr>
+              <a:t>cell </a:t>
+            </a:r>
+            <a:r>
+              <a:rPr lang="en-US" sz="1600" dirty="0" smtClean="0">
+                <a:solidFill>
+                  <a:schemeClr val="bg1">
+                    <a:lumMod val="50000"/>
+                  </a:schemeClr>
+                </a:solidFill>
+              </a:rPr>
+              <a:t>= 1</a:t>
+            </a:r>
+          </a:p>
+        </p:txBody>
+      </p:sp>
+      <p:cxnSp>
+        <p:nvCxnSpPr>
+          <p:cNvPr id="29" name="Straight Arrow Connector 28"/>
+          <p:cNvCxnSpPr/>
+          <p:nvPr/>
+        </p:nvCxnSpPr>
+        <p:spPr>
+          <a:xfrm flipH="1">
+            <a:off x="2147094" y="2641431"/>
+            <a:ext cx="1310877" cy="0"/>
+          </a:xfrm>
+          <a:prstGeom prst="straightConnector1">
+            <a:avLst/>
+          </a:prstGeom>
+          <a:ln>
+            <a:solidFill>
+              <a:srgbClr val="FF6600"/>
+            </a:solidFill>
+            <a:headEnd type="oval"/>
+            <a:tailEnd type="arrow"/>
+          </a:ln>
+          <a:effectLst/>
+        </p:spPr>
+        <p:style>
+          <a:lnRef idx="2">
+            <a:schemeClr val="accent1"/>
+          </a:lnRef>
+          <a:fillRef idx="0">
+            <a:schemeClr val="accent1"/>
+          </a:fillRef>
+          <a:effectRef idx="1">
+            <a:schemeClr val="accent1"/>
+          </a:effectRef>
+          <a:fontRef idx="minor">
+            <a:schemeClr val="tx1"/>
+          </a:fontRef>
+        </p:style>
+      </p:cxnSp>
+      <p:cxnSp>
+        <p:nvCxnSpPr>
+          <p:cNvPr id="26" name="Straight Connector 25"/>
+          <p:cNvCxnSpPr/>
+          <p:nvPr/>
+        </p:nvCxnSpPr>
+        <p:spPr>
+          <a:xfrm>
+            <a:off x="2162965" y="3731123"/>
+            <a:ext cx="3313321" cy="0"/>
+          </a:xfrm>
+          <a:prstGeom prst="line">
+            <a:avLst/>
+          </a:prstGeom>
+          <a:ln>
+            <a:solidFill>
+              <a:schemeClr val="bg1">
+                <a:lumMod val="50000"/>
+              </a:schemeClr>
+            </a:solidFill>
+            <a:headEnd type="oval"/>
+            <a:tailEnd type="oval"/>
+          </a:ln>
+          <a:effectLst/>
+        </p:spPr>
+        <p:style>
+          <a:lnRef idx="2">
+            <a:schemeClr val="accent1"/>
+          </a:lnRef>
+          <a:fillRef idx="0">
+            <a:schemeClr val="accent1"/>
+          </a:fillRef>
+          <a:effectRef idx="1">
+            <a:schemeClr val="accent1"/>
+          </a:effectRef>
+          <a:fontRef idx="minor">
+            <a:schemeClr val="tx1"/>
+          </a:fontRef>
+        </p:style>
+      </p:cxnSp>
+      <p:sp>
+        <p:nvSpPr>
+          <p:cNvPr id="27" name="TextBox 26"/>
+          <p:cNvSpPr txBox="1"/>
+          <p:nvPr/>
+        </p:nvSpPr>
+        <p:spPr>
+          <a:xfrm>
+            <a:off x="1978815" y="3159792"/>
+            <a:ext cx="368300" cy="338554"/>
+          </a:xfrm>
+          <a:prstGeom prst="rect">
+            <a:avLst/>
+          </a:prstGeom>
+          <a:noFill/>
+        </p:spPr>
+        <p:txBody>
+          <a:bodyPr wrap="square" rtlCol="0">
+            <a:spAutoFit/>
+          </a:bodyPr>
+          <a:lstStyle/>
+          <a:p>
+            <a:pPr algn="ctr"/>
+            <a:r>
+              <a:rPr lang="en-US" sz="1600" dirty="0" smtClean="0">
+                <a:solidFill>
+                  <a:schemeClr val="bg1">
+                    <a:lumMod val="50000"/>
+                  </a:schemeClr>
+                </a:solidFill>
+              </a:rPr>
+              <a:t>0</a:t>
+            </a:r>
+            <a:endParaRPr lang="en-US" sz="1600" baseline="-25000" dirty="0" smtClean="0">
+              <a:solidFill>
+                <a:schemeClr val="bg1">
+                  <a:lumMod val="50000"/>
+                </a:schemeClr>
+              </a:solidFill>
+            </a:endParaRPr>
+          </a:p>
+        </p:txBody>
+      </p:sp>
+      <p:sp>
+        <p:nvSpPr>
+          <p:cNvPr id="28" name="TextBox 27"/>
+          <p:cNvSpPr txBox="1"/>
+          <p:nvPr/>
+        </p:nvSpPr>
+        <p:spPr>
+          <a:xfrm>
+            <a:off x="3051172" y="3122863"/>
+            <a:ext cx="1031079" cy="502702"/>
+          </a:xfrm>
+          <a:prstGeom prst="rect">
+            <a:avLst/>
+          </a:prstGeom>
+          <a:noFill/>
+        </p:spPr>
+        <p:txBody>
+          <a:bodyPr wrap="square" rtlCol="0">
+            <a:spAutoFit/>
+          </a:bodyPr>
+          <a:lstStyle/>
+          <a:p>
+            <a:pPr algn="r"/>
+            <a:r>
+              <a:rPr lang="en-US" sz="1600" dirty="0" smtClean="0"/>
+              <a:t>p</a:t>
+            </a:r>
+            <a:r>
+              <a:rPr lang="en-US" sz="1600" baseline="-25000" dirty="0" smtClean="0"/>
+              <a:t>x</a:t>
+            </a:r>
+            <a:r>
+              <a:rPr lang="en-US" sz="1600" dirty="0" smtClean="0"/>
+              <a:t>/</a:t>
+            </a:r>
+            <a:r>
+              <a:rPr lang="en-US" sz="1600" dirty="0"/>
+              <a:t>p</a:t>
+            </a:r>
+            <a:r>
+              <a:rPr lang="en-US" sz="1600" baseline="-25000" dirty="0"/>
+              <a:t>cell</a:t>
+            </a:r>
+          </a:p>
+          <a:p>
+            <a:pPr algn="r"/>
+            <a:endParaRPr lang="en-US" sz="1600" baseline="-25000" dirty="0" smtClean="0"/>
+          </a:p>
+        </p:txBody>
+      </p:sp>
+      <p:cxnSp>
+        <p:nvCxnSpPr>
+          <p:cNvPr id="30" name="Straight Connector 29"/>
+          <p:cNvCxnSpPr/>
+          <p:nvPr/>
+        </p:nvCxnSpPr>
+        <p:spPr>
+          <a:xfrm>
+            <a:off x="3473843" y="3498346"/>
+            <a:ext cx="7144" cy="575680"/>
+          </a:xfrm>
+          <a:prstGeom prst="line">
+            <a:avLst/>
+          </a:prstGeom>
+          <a:ln>
+            <a:solidFill>
+              <a:schemeClr val="tx1"/>
+            </a:solidFill>
+            <a:prstDash val="dash"/>
+            <a:headEnd type="none"/>
+            <a:tailEnd type="none"/>
+          </a:ln>
+          <a:effectLst/>
+        </p:spPr>
+        <p:style>
+          <a:lnRef idx="2">
+            <a:schemeClr val="accent1"/>
+          </a:lnRef>
+          <a:fillRef idx="0">
+            <a:schemeClr val="accent1"/>
+          </a:fillRef>
+          <a:effectRef idx="1">
+            <a:schemeClr val="accent1"/>
+          </a:effectRef>
+          <a:fontRef idx="minor">
+            <a:schemeClr val="tx1"/>
+          </a:fontRef>
+        </p:style>
+      </p:cxnSp>
+      <p:cxnSp>
+        <p:nvCxnSpPr>
+          <p:cNvPr id="33" name="Straight Arrow Connector 32"/>
+          <p:cNvCxnSpPr/>
+          <p:nvPr/>
+        </p:nvCxnSpPr>
+        <p:spPr>
+          <a:xfrm flipH="1">
+            <a:off x="2162967" y="3592594"/>
+            <a:ext cx="693734" cy="0"/>
+          </a:xfrm>
+          <a:prstGeom prst="straightConnector1">
+            <a:avLst/>
+          </a:prstGeom>
+          <a:ln>
+            <a:solidFill>
+              <a:srgbClr val="3366FF"/>
+            </a:solidFill>
+            <a:headEnd type="oval"/>
+            <a:tailEnd type="arrow"/>
+          </a:ln>
+          <a:effectLst/>
+        </p:spPr>
+        <p:style>
+          <a:lnRef idx="2">
+            <a:schemeClr val="accent1"/>
+          </a:lnRef>
+          <a:fillRef idx="0">
+            <a:schemeClr val="accent1"/>
+          </a:fillRef>
+          <a:effectRef idx="1">
+            <a:schemeClr val="accent1"/>
+          </a:effectRef>
+          <a:fontRef idx="minor">
+            <a:schemeClr val="tx1"/>
+          </a:fontRef>
+        </p:style>
+      </p:cxnSp>
+      <p:sp>
+        <p:nvSpPr>
+          <p:cNvPr id="34" name="TextBox 33"/>
+          <p:cNvSpPr txBox="1"/>
+          <p:nvPr/>
+        </p:nvSpPr>
+        <p:spPr>
+          <a:xfrm>
+            <a:off x="2195633" y="3276734"/>
+            <a:ext cx="647700" cy="369332"/>
+          </a:xfrm>
+          <a:prstGeom prst="rect">
+            <a:avLst/>
+          </a:prstGeom>
+          <a:noFill/>
+          <a:ln>
+            <a:noFill/>
+          </a:ln>
+        </p:spPr>
+        <p:txBody>
+          <a:bodyPr wrap="square" rtlCol="0">
+            <a:spAutoFit/>
+          </a:bodyPr>
+          <a:lstStyle/>
+          <a:p>
+            <a:r>
+              <a:rPr lang="en-US" dirty="0" smtClean="0">
+                <a:solidFill>
+                  <a:srgbClr val="3366FF"/>
+                </a:solidFill>
+              </a:rPr>
+              <a:t>Pass</a:t>
+            </a:r>
+          </a:p>
+        </p:txBody>
+      </p:sp>
+      <p:sp>
+        <p:nvSpPr>
+          <p:cNvPr id="35" name="TextBox 34"/>
+          <p:cNvSpPr txBox="1"/>
+          <p:nvPr/>
+        </p:nvSpPr>
+        <p:spPr>
+          <a:xfrm>
+            <a:off x="2499896" y="3122863"/>
+            <a:ext cx="827962" cy="502702"/>
+          </a:xfrm>
+          <a:prstGeom prst="rect">
+            <a:avLst/>
+          </a:prstGeom>
+          <a:noFill/>
+        </p:spPr>
+        <p:txBody>
+          <a:bodyPr wrap="square" rtlCol="0">
+            <a:spAutoFit/>
+          </a:bodyPr>
+          <a:lstStyle/>
+          <a:p>
+            <a:pPr algn="r"/>
+            <a:r>
+              <a:rPr lang="en-US" sz="1600" dirty="0" smtClean="0"/>
+              <a:t>p</a:t>
+            </a:r>
+            <a:r>
+              <a:rPr lang="en-US" sz="1600" baseline="-25000" dirty="0" smtClean="0"/>
+              <a:t>n</a:t>
+            </a:r>
+            <a:r>
+              <a:rPr lang="en-US" sz="1600" dirty="0" smtClean="0"/>
+              <a:t>/</a:t>
+            </a:r>
+            <a:r>
+              <a:rPr lang="en-US" sz="1600" dirty="0"/>
+              <a:t>p</a:t>
+            </a:r>
+            <a:r>
+              <a:rPr lang="en-US" sz="1600" baseline="-25000" dirty="0"/>
+              <a:t>cell</a:t>
+            </a:r>
+          </a:p>
+          <a:p>
+            <a:pPr algn="r"/>
+            <a:endParaRPr lang="en-US" sz="1600" baseline="-25000" dirty="0" smtClean="0"/>
+          </a:p>
+        </p:txBody>
+      </p:sp>
+      <p:cxnSp>
+        <p:nvCxnSpPr>
+          <p:cNvPr id="36" name="Straight Connector 35"/>
+          <p:cNvCxnSpPr/>
+          <p:nvPr/>
+        </p:nvCxnSpPr>
+        <p:spPr>
+          <a:xfrm>
+            <a:off x="2853129" y="3498346"/>
+            <a:ext cx="7144" cy="575680"/>
+          </a:xfrm>
+          <a:prstGeom prst="line">
+            <a:avLst/>
+          </a:prstGeom>
+          <a:ln>
+            <a:solidFill>
+              <a:schemeClr val="tx1"/>
+            </a:solidFill>
+            <a:prstDash val="dash"/>
+            <a:headEnd type="none"/>
+            <a:tailEnd type="none"/>
+          </a:ln>
+          <a:effectLst/>
+        </p:spPr>
+        <p:style>
+          <a:lnRef idx="2">
+            <a:schemeClr val="accent1"/>
+          </a:lnRef>
+          <a:fillRef idx="0">
+            <a:schemeClr val="accent1"/>
+          </a:fillRef>
+          <a:effectRef idx="1">
+            <a:schemeClr val="accent1"/>
+          </a:effectRef>
+          <a:fontRef idx="minor">
+            <a:schemeClr val="tx1"/>
+          </a:fontRef>
+        </p:style>
+      </p:cxnSp>
+    </p:spTree>
+    <p:extLst>
+      <p:ext uri="{BB962C8B-B14F-4D97-AF65-F5344CB8AC3E}">
+        <p14:creationId xmlns:p14="http://schemas.microsoft.com/office/powerpoint/2010/main" val="3039941758"/>
+      </p:ext>
+    </p:extLst>
+  </p:cSld>
+  <p:clrMapOvr>
+    <a:masterClrMapping/>
+  </p:clrMapOvr>
+</p:sld>
+</file>
+
+<file path=ppt/slides/slide25.xml><?xml version="1.0" encoding="utf-8"?>
+<p:sld xmlns:a="http://schemas.openxmlformats.org/drawingml/2006/main" xmlns:r="http://schemas.openxmlformats.org/officeDocument/2006/relationships" xmlns:p="http://schemas.openxmlformats.org/presentationml/2006/main">
+  <p:cSld>
+    <p:spTree>
+      <p:nvGrpSpPr>
+        <p:cNvPr id="1" name=""/>
+        <p:cNvGrpSpPr/>
+        <p:nvPr/>
+      </p:nvGrpSpPr>
+      <p:grpSpPr>
+        <a:xfrm>
+          <a:off x="0" y="0"/>
+          <a:ext cx="0" cy="0"/>
+          <a:chOff x="0" y="0"/>
+          <a:chExt cx="0" cy="0"/>
+        </a:xfrm>
+      </p:grpSpPr>
+      <p:sp>
+        <p:nvSpPr>
+          <p:cNvPr id="2" name="Title 1"/>
+          <p:cNvSpPr>
+            <a:spLocks noGrp="1"/>
+          </p:cNvSpPr>
+          <p:nvPr>
+            <p:ph type="title"/>
+          </p:nvPr>
+        </p:nvSpPr>
+        <p:spPr/>
+        <p:txBody>
+          <a:bodyPr/>
+          <a:lstStyle/>
+          <a:p>
+            <a:r>
+              <a:rPr lang="en-US" dirty="0" smtClean="0"/>
+              <a:t>Testing</a:t>
+            </a:r>
+            <a:endParaRPr lang="en-US" dirty="0"/>
+          </a:p>
+        </p:txBody>
+      </p:sp>
+      <p:sp>
+        <p:nvSpPr>
+          <p:cNvPr id="3" name="Content Placeholder 2"/>
+          <p:cNvSpPr>
+            <a:spLocks noGrp="1"/>
+          </p:cNvSpPr>
+          <p:nvPr>
+            <p:ph sz="half" idx="1"/>
+          </p:nvPr>
+        </p:nvSpPr>
+        <p:spPr>
+          <a:xfrm>
+            <a:off x="457200" y="1961147"/>
+            <a:ext cx="4038600" cy="4525963"/>
+          </a:xfrm>
+        </p:spPr>
+        <p:txBody>
+          <a:bodyPr>
+            <a:normAutofit fontScale="92500" lnSpcReduction="20000"/>
+          </a:bodyPr>
+          <a:lstStyle/>
+          <a:p>
+            <a:pPr marL="0" indent="0">
+              <a:buNone/>
+            </a:pPr>
+            <a:r>
+              <a:rPr lang="en-US" dirty="0" smtClean="0">
+                <a:solidFill>
+                  <a:schemeClr val="bg1">
+                    <a:lumMod val="50000"/>
+                  </a:schemeClr>
+                </a:solidFill>
+              </a:rPr>
+              <a:t>Pairwise</a:t>
+            </a:r>
+          </a:p>
+          <a:p>
+            <a:pPr marL="514350" indent="-514350">
+              <a:buFont typeface="+mj-lt"/>
+              <a:buAutoNum type="arabicPeriod"/>
+            </a:pPr>
+            <a:r>
+              <a:rPr lang="en-US" dirty="0"/>
+              <a:t>C</a:t>
+            </a:r>
+            <a:r>
+              <a:rPr lang="en-US" dirty="0" smtClean="0"/>
+              <a:t>alculate all pairwise probabilities</a:t>
+            </a:r>
+          </a:p>
+          <a:p>
+            <a:pPr marL="514350" indent="-514350">
+              <a:buFont typeface="+mj-lt"/>
+              <a:buAutoNum type="arabicPeriod"/>
+            </a:pPr>
+            <a:r>
+              <a:rPr lang="en-US" dirty="0" smtClean="0"/>
+              <a:t>Store the random number (</a:t>
+            </a:r>
+            <a:r>
+              <a:rPr lang="en-US" dirty="0" err="1" smtClean="0"/>
+              <a:t>r</a:t>
+            </a:r>
+            <a:r>
+              <a:rPr lang="en-US" baseline="-25000" dirty="0" err="1" smtClean="0"/>
+              <a:t>n</a:t>
+            </a:r>
+            <a:r>
+              <a:rPr lang="en-US" dirty="0" smtClean="0"/>
+              <a:t>) used to test each farm</a:t>
+            </a:r>
+          </a:p>
+          <a:p>
+            <a:pPr marL="514350" indent="-514350">
+              <a:buFont typeface="+mj-lt"/>
+              <a:buAutoNum type="arabicPeriod"/>
+            </a:pPr>
+            <a:r>
+              <a:rPr lang="en-US" dirty="0" smtClean="0"/>
+              <a:t>Evaluate and store which farms were infected</a:t>
+            </a:r>
+            <a:endParaRPr lang="en-US" dirty="0"/>
+          </a:p>
+        </p:txBody>
+      </p:sp>
+      <p:sp>
+        <p:nvSpPr>
+          <p:cNvPr id="4" name="Content Placeholder 3"/>
+          <p:cNvSpPr>
+            <a:spLocks noGrp="1"/>
+          </p:cNvSpPr>
+          <p:nvPr>
+            <p:ph sz="half" idx="2"/>
+          </p:nvPr>
+        </p:nvSpPr>
+        <p:spPr>
+          <a:xfrm>
+            <a:off x="4648200" y="1961147"/>
+            <a:ext cx="4038600" cy="4525963"/>
+          </a:xfrm>
+        </p:spPr>
+        <p:txBody>
+          <a:bodyPr>
+            <a:normAutofit fontScale="92500" lnSpcReduction="20000"/>
+          </a:bodyPr>
+          <a:lstStyle/>
+          <a:p>
+            <a:pPr marL="0" indent="0">
+              <a:buNone/>
+            </a:pPr>
+            <a:r>
+              <a:rPr lang="en-US" dirty="0" smtClean="0">
+                <a:solidFill>
+                  <a:srgbClr val="7F7F7F"/>
+                </a:solidFill>
+              </a:rPr>
+              <a:t>Gridding</a:t>
+            </a:r>
+          </a:p>
+          <a:p>
+            <a:pPr marL="514350" indent="-514350">
+              <a:buFont typeface="+mj-lt"/>
+              <a:buAutoNum type="arabicPeriod" startAt="4"/>
+            </a:pPr>
+            <a:r>
+              <a:rPr lang="en-US" dirty="0" smtClean="0"/>
+              <a:t>Use a new random number (</a:t>
+            </a:r>
+            <a:r>
+              <a:rPr lang="en-US" dirty="0" err="1" smtClean="0"/>
+              <a:t>r</a:t>
+            </a:r>
+            <a:r>
+              <a:rPr lang="en-US" baseline="-25000" dirty="0" err="1" smtClean="0"/>
+              <a:t>cell</a:t>
+            </a:r>
+            <a:r>
+              <a:rPr lang="en-US" dirty="0" smtClean="0"/>
+              <a:t>) to decide whether or not to enter a cell</a:t>
+            </a:r>
+          </a:p>
+          <a:p>
+            <a:pPr marL="514350" indent="-514350">
+              <a:buFont typeface="+mj-lt"/>
+              <a:buAutoNum type="arabicPeriod" startAt="4"/>
+            </a:pPr>
+            <a:r>
+              <a:rPr lang="en-US" dirty="0" smtClean="0"/>
+              <a:t>If entering and checking each farm, use the corresponding random number from step 2 for the remaining gridding steps for that farm</a:t>
+            </a:r>
+          </a:p>
+          <a:p>
+            <a:pPr marL="514350" indent="-514350">
+              <a:buFont typeface="+mj-lt"/>
+              <a:buAutoNum type="arabicPeriod" startAt="4"/>
+            </a:pPr>
+            <a:r>
+              <a:rPr lang="en-US" dirty="0" smtClean="0"/>
+              <a:t>Store which farms were infected</a:t>
+            </a:r>
+          </a:p>
+          <a:p>
+            <a:endParaRPr lang="en-US" dirty="0"/>
+          </a:p>
+        </p:txBody>
+      </p:sp>
+      <p:sp>
+        <p:nvSpPr>
+          <p:cNvPr id="5" name="TextBox 4"/>
+          <p:cNvSpPr txBox="1"/>
+          <p:nvPr/>
+        </p:nvSpPr>
+        <p:spPr>
+          <a:xfrm>
+            <a:off x="457200" y="1417638"/>
+            <a:ext cx="6654800" cy="461665"/>
+          </a:xfrm>
+          <a:prstGeom prst="rect">
+            <a:avLst/>
+          </a:prstGeom>
+          <a:noFill/>
+        </p:spPr>
+        <p:txBody>
+          <a:bodyPr wrap="square" rtlCol="0">
+            <a:spAutoFit/>
+          </a:bodyPr>
+          <a:lstStyle/>
+          <a:p>
+            <a:r>
+              <a:rPr lang="en-US" sz="2400" dirty="0" smtClean="0"/>
+              <a:t>For each source farm to grid cell comparison:</a:t>
+            </a:r>
+            <a:endParaRPr lang="en-US" sz="2400" dirty="0"/>
+          </a:p>
+        </p:txBody>
+      </p:sp>
+    </p:spTree>
+    <p:extLst>
+      <p:ext uri="{BB962C8B-B14F-4D97-AF65-F5344CB8AC3E}">
+        <p14:creationId xmlns:p14="http://schemas.microsoft.com/office/powerpoint/2010/main" val="1226874562"/>
+      </p:ext>
+    </p:extLst>
+  </p:cSld>
+  <p:clrMapOvr>
+    <a:masterClrMapping/>
+  </p:clrMapOvr>
 </p:sld>
 </file>
 
@@ -13800,7 +20475,7 @@
           <a:p>
             <a:r>
               <a:rPr lang="en-US" dirty="0" smtClean="0"/>
-              <a:t>For each infectious premises in the focal cell:</a:t>
+              <a:t>For each infectious premises (IP) in the focal cell:</a:t>
             </a:r>
           </a:p>
           <a:p>
@@ -14018,8 +20693,8 @@
         </p:nvSpPr>
         <p:spPr>
           <a:xfrm>
-            <a:off x="611060" y="2878265"/>
-            <a:ext cx="5648897" cy="923330"/>
+            <a:off x="611061" y="2878265"/>
+            <a:ext cx="4799139" cy="923330"/>
           </a:xfrm>
           <a:prstGeom prst="rect">
             <a:avLst/>
@@ -14036,22 +20711,22 @@
           <a:lstStyle/>
           <a:p>
             <a:r>
+              <a:rPr lang="en-US" dirty="0" smtClean="0"/>
+              <a:t>Based on a</a:t>
+            </a:r>
+            <a:r>
+              <a:rPr lang="en-US" dirty="0" smtClean="0"/>
+              <a:t> </a:t>
+            </a:r>
+            <a:r>
               <a:rPr lang="en-US" dirty="0" smtClean="0">
                 <a:hlinkClick r:id="rId2" action="ppaction://hlinksldjump"/>
               </a:rPr>
-              <a:t>Would transmission occur</a:t>
-            </a:r>
-            <a:r>
-              <a:rPr lang="en-US" dirty="0" smtClean="0"/>
-              <a:t> from this infectious premises in the focal cell to </a:t>
-            </a:r>
-            <a:r>
-              <a:rPr lang="en-US" i="1" dirty="0" smtClean="0"/>
-              <a:t>any</a:t>
-            </a:r>
-            <a:r>
-              <a:rPr lang="en-US" dirty="0" smtClean="0"/>
-              <a:t> susceptible premises in the comparison cell?</a:t>
+              <a:t>conservative probability</a:t>
+            </a:r>
+            <a:r>
+              <a:rPr lang="en-US" dirty="0" smtClean="0"/>
+              <a:t>, do we observe zero infections among all susceptible premises in this cell?</a:t>
             </a:r>
             <a:endParaRPr lang="en-US" dirty="0"/>
           </a:p>
@@ -14152,7 +20827,7 @@
           <a:p>
             <a:r>
               <a:rPr lang="en-US" dirty="0" smtClean="0"/>
-              <a:t>For each susceptible premises in the comparison cell:</a:t>
+              <a:t>For each susceptible premises (SP) in the comparison cell:</a:t>
             </a:r>
           </a:p>
           <a:p>
@@ -14186,8 +20861,8 @@
         </p:nvSpPr>
         <p:spPr>
           <a:xfrm>
-            <a:off x="652296" y="4263360"/>
-            <a:ext cx="2111263" cy="1477328"/>
+            <a:off x="671328" y="4201937"/>
+            <a:ext cx="1843272" cy="2031325"/>
           </a:xfrm>
           <a:prstGeom prst="rect">
             <a:avLst/>
@@ -14205,14 +20880,34 @@
           <a:p>
             <a:pPr algn="ctr"/>
             <a:r>
+              <a:rPr lang="en-US" dirty="0" smtClean="0"/>
+              <a:t>Is the </a:t>
+            </a:r>
+            <a:r>
+              <a:rPr lang="en-US" dirty="0" smtClean="0"/>
+              <a:t>known-to-be larger </a:t>
+            </a:r>
+            <a:r>
               <a:rPr lang="en-US" dirty="0" smtClean="0">
                 <a:hlinkClick r:id="rId3" action="ppaction://hlinksldjump"/>
               </a:rPr>
-              <a:t>Would transmission occur</a:t>
-            </a:r>
-            <a:r>
-              <a:rPr lang="en-US" dirty="0" smtClean="0"/>
-              <a:t> from this premises to any of the remaining premises in the cell?</a:t>
+              <a:t>probability </a:t>
+            </a:r>
+            <a:r>
+              <a:rPr lang="en-US" dirty="0" smtClean="0"/>
+              <a:t>of transmission from </a:t>
+            </a:r>
+            <a:r>
+              <a:rPr lang="en-US" dirty="0" smtClean="0"/>
+              <a:t>this IP to </a:t>
+            </a:r>
+            <a:r>
+              <a:rPr lang="en-US" dirty="0" smtClean="0"/>
+              <a:t>the </a:t>
+            </a:r>
+            <a:r>
+              <a:rPr lang="en-US" dirty="0" smtClean="0"/>
+              <a:t>SP successful?</a:t>
             </a:r>
             <a:endParaRPr lang="en-US" dirty="0"/>
           </a:p>
@@ -14268,8 +20963,8 @@
         </p:nvCxnSpPr>
         <p:spPr>
           <a:xfrm flipV="1">
-            <a:off x="2763559" y="4759045"/>
-            <a:ext cx="771339" cy="242979"/>
+            <a:off x="2514600" y="4697636"/>
+            <a:ext cx="1039330" cy="519964"/>
           </a:xfrm>
           <a:prstGeom prst="straightConnector1">
             <a:avLst/>
@@ -14673,8 +21368,8 @@
         </p:nvCxnSpPr>
         <p:spPr>
           <a:xfrm>
-            <a:off x="2763559" y="5002024"/>
-            <a:ext cx="771339" cy="669466"/>
+            <a:off x="2514600" y="5217600"/>
+            <a:ext cx="1020298" cy="453890"/>
           </a:xfrm>
           <a:prstGeom prst="straightConnector1">
             <a:avLst/>
@@ -14895,12 +21590,22 @@
         </p:nvSpPr>
         <p:spPr/>
         <p:txBody>
-          <a:bodyPr/>
-          <a:lstStyle/>
-          <a:p>
-            <a:r>
-              <a:rPr lang="en-US" dirty="0" smtClean="0"/>
-              <a:t>Enter the cell? #1</a:t>
+          <a:bodyPr>
+            <a:normAutofit fontScale="90000"/>
+          </a:bodyPr>
+          <a:lstStyle/>
+          <a:p>
+            <a:r>
+              <a:rPr lang="en-US" dirty="0" smtClean="0"/>
+              <a:t>Step 1: </a:t>
+            </a:r>
+            <a:r>
+              <a:rPr lang="en-US" dirty="0" smtClean="0"/>
+              <a:t>Conservative “zero-infections” </a:t>
+            </a:r>
+            <a:r>
+              <a:rPr lang="en-US" dirty="0" smtClean="0"/>
+              <a:t>probability</a:t>
             </a:r>
             <a:endParaRPr lang="en-US" dirty="0"/>
           </a:p>
@@ -14937,7 +21642,7 @@
           <a:p>
             <a:r>
               <a:rPr lang="en-US" sz="2400" dirty="0" smtClean="0"/>
-              <a:t>Calculate the probability of transmission between an infectious premises (with infectiousness value </a:t>
+              <a:t>Calculate an upper bound on the probability of transmission between an infectious premises (with infectiousness value </a:t>
             </a:r>
             <a:r>
               <a:rPr lang="en-US" sz="2400" dirty="0" err="1" smtClean="0"/>
@@ -14960,9 +21665,18 @@
             <a:endParaRPr lang="en-US" sz="2400" dirty="0" smtClean="0"/>
           </a:p>
           <a:p>
+            <a:pPr algn="ctr"/>
             <a:r>
               <a:rPr lang="en-US" sz="2400" dirty="0" smtClean="0"/>
-              <a:t>P(premises to cell) = 1 – e</a:t>
+              <a:t>P</a:t>
+            </a:r>
+            <a:r>
+              <a:rPr lang="en-US" sz="2400" baseline="-25000" dirty="0" smtClean="0"/>
+              <a:t>cell</a:t>
+            </a:r>
+            <a:r>
+              <a:rPr lang="en-US" sz="2400" dirty="0" smtClean="0"/>
+              <a:t>= 1 – e</a:t>
             </a:r>
             <a:r>
               <a:rPr lang="en-US" sz="2400" baseline="30000" dirty="0" smtClean="0"/>
@@ -15020,7 +21734,15 @@
             </a:r>
             <a:r>
               <a:rPr lang="en-US" sz="2400" dirty="0" smtClean="0"/>
-              <a:t> ≤ P, enter the cell. If x</a:t>
+              <a:t> ≤ P</a:t>
+            </a:r>
+            <a:r>
+              <a:rPr lang="en-US" sz="2400" baseline="-25000" dirty="0" smtClean="0"/>
+              <a:t>cell</a:t>
+            </a:r>
+            <a:r>
+              <a:rPr lang="en-US" sz="2400" dirty="0" smtClean="0"/>
+              <a:t>, the probability is successful, enter the cell. If x</a:t>
             </a:r>
             <a:r>
               <a:rPr lang="en-US" sz="2400" baseline="-25000" dirty="0" smtClean="0"/>
@@ -15028,7 +21750,15 @@
             </a:r>
             <a:r>
               <a:rPr lang="en-US" sz="2400" dirty="0" smtClean="0"/>
-              <a:t> &gt; P, don’t enter the cell. </a:t>
+              <a:t> &gt; P</a:t>
+            </a:r>
+            <a:r>
+              <a:rPr lang="en-US" sz="2400" baseline="-25000" dirty="0" smtClean="0"/>
+              <a:t>cell</a:t>
+            </a:r>
+            <a:r>
+              <a:rPr lang="en-US" sz="2400" dirty="0" smtClean="0"/>
+              <a:t>, don’t enter the cell. </a:t>
             </a:r>
             <a:endParaRPr lang="en-US" dirty="0"/>
           </a:p>
@@ -15402,7 +22132,16 @@
       </a:style>
     </a:spDef>
     <a:lnDef>
-      <a:spPr/>
+      <a:spPr>
+        <a:ln>
+          <a:solidFill>
+            <a:schemeClr val="tx1"/>
+          </a:solidFill>
+          <a:headEnd type="none"/>
+          <a:tailEnd type="none"/>
+        </a:ln>
+        <a:effectLst/>
+      </a:spPr>
       <a:bodyPr/>
       <a:lstStyle/>
       <a:style>

--- a/Schematics.pptx
+++ b/Schematics.pptx
@@ -5,7 +5,7 @@
     <p:sldMasterId id="2147483648" r:id="rId1"/>
   </p:sldMasterIdLst>
   <p:notesMasterIdLst>
-    <p:notesMasterId r:id="rId38"/>
+    <p:notesMasterId r:id="rId37"/>
   </p:notesMasterIdLst>
   <p:sldIdLst>
     <p:sldId id="256" r:id="rId2"/>
@@ -43,7 +43,6 @@
     <p:sldId id="293" r:id="rId34"/>
     <p:sldId id="294" r:id="rId35"/>
     <p:sldId id="295" r:id="rId36"/>
-    <p:sldId id="296" r:id="rId37"/>
   </p:sldIdLst>
   <p:sldSz cx="9144000" cy="6858000" type="screen4x3"/>
   <p:notesSz cx="6858000" cy="9144000"/>
@@ -227,7 +226,7 @@
           <a:p>
             <a:fld id="{9C623587-ED78-7A4F-A0A9-8C100C245B15}" type="datetimeFigureOut">
               <a:rPr lang="en-US" smtClean="0"/>
-              <a:t>2/16/15</a:t>
+              <a:t>2/26/15</a:t>
             </a:fld>
             <a:endParaRPr lang="en-US"/>
           </a:p>
@@ -1772,7 +1771,7 @@
           <a:p>
             <a:fld id="{756CED51-C4CA-3343-98C9-94E03FC0165E}" type="datetimeFigureOut">
               <a:rPr lang="en-US" smtClean="0"/>
-              <a:t>2/16/15</a:t>
+              <a:t>2/26/15</a:t>
             </a:fld>
             <a:endParaRPr lang="en-US"/>
           </a:p>
@@ -1942,7 +1941,7 @@
           <a:p>
             <a:fld id="{756CED51-C4CA-3343-98C9-94E03FC0165E}" type="datetimeFigureOut">
               <a:rPr lang="en-US" smtClean="0"/>
-              <a:t>2/16/15</a:t>
+              <a:t>2/26/15</a:t>
             </a:fld>
             <a:endParaRPr lang="en-US"/>
           </a:p>
@@ -2122,7 +2121,7 @@
           <a:p>
             <a:fld id="{756CED51-C4CA-3343-98C9-94E03FC0165E}" type="datetimeFigureOut">
               <a:rPr lang="en-US" smtClean="0"/>
-              <a:t>2/16/15</a:t>
+              <a:t>2/26/15</a:t>
             </a:fld>
             <a:endParaRPr lang="en-US"/>
           </a:p>
@@ -2292,7 +2291,7 @@
           <a:p>
             <a:fld id="{756CED51-C4CA-3343-98C9-94E03FC0165E}" type="datetimeFigureOut">
               <a:rPr lang="en-US" smtClean="0"/>
-              <a:t>2/16/15</a:t>
+              <a:t>2/26/15</a:t>
             </a:fld>
             <a:endParaRPr lang="en-US"/>
           </a:p>
@@ -2538,7 +2537,7 @@
           <a:p>
             <a:fld id="{756CED51-C4CA-3343-98C9-94E03FC0165E}" type="datetimeFigureOut">
               <a:rPr lang="en-US" smtClean="0"/>
-              <a:t>2/16/15</a:t>
+              <a:t>2/26/15</a:t>
             </a:fld>
             <a:endParaRPr lang="en-US"/>
           </a:p>
@@ -2826,7 +2825,7 @@
           <a:p>
             <a:fld id="{756CED51-C4CA-3343-98C9-94E03FC0165E}" type="datetimeFigureOut">
               <a:rPr lang="en-US" smtClean="0"/>
-              <a:t>2/16/15</a:t>
+              <a:t>2/26/15</a:t>
             </a:fld>
             <a:endParaRPr lang="en-US"/>
           </a:p>
@@ -3248,7 +3247,7 @@
           <a:p>
             <a:fld id="{756CED51-C4CA-3343-98C9-94E03FC0165E}" type="datetimeFigureOut">
               <a:rPr lang="en-US" smtClean="0"/>
-              <a:t>2/16/15</a:t>
+              <a:t>2/26/15</a:t>
             </a:fld>
             <a:endParaRPr lang="en-US"/>
           </a:p>
@@ -3366,7 +3365,7 @@
           <a:p>
             <a:fld id="{756CED51-C4CA-3343-98C9-94E03FC0165E}" type="datetimeFigureOut">
               <a:rPr lang="en-US" smtClean="0"/>
-              <a:t>2/16/15</a:t>
+              <a:t>2/26/15</a:t>
             </a:fld>
             <a:endParaRPr lang="en-US"/>
           </a:p>
@@ -3461,7 +3460,7 @@
           <a:p>
             <a:fld id="{756CED51-C4CA-3343-98C9-94E03FC0165E}" type="datetimeFigureOut">
               <a:rPr lang="en-US" smtClean="0"/>
-              <a:t>2/16/15</a:t>
+              <a:t>2/26/15</a:t>
             </a:fld>
             <a:endParaRPr lang="en-US"/>
           </a:p>
@@ -3738,7 +3737,7 @@
           <a:p>
             <a:fld id="{756CED51-C4CA-3343-98C9-94E03FC0165E}" type="datetimeFigureOut">
               <a:rPr lang="en-US" smtClean="0"/>
-              <a:t>2/16/15</a:t>
+              <a:t>2/26/15</a:t>
             </a:fld>
             <a:endParaRPr lang="en-US"/>
           </a:p>
@@ -3991,7 +3990,7 @@
           <a:p>
             <a:fld id="{756CED51-C4CA-3343-98C9-94E03FC0165E}" type="datetimeFigureOut">
               <a:rPr lang="en-US" smtClean="0"/>
-              <a:t>2/16/15</a:t>
+              <a:t>2/26/15</a:t>
             </a:fld>
             <a:endParaRPr lang="en-US"/>
           </a:p>
@@ -4204,7 +4203,7 @@
           <a:p>
             <a:fld id="{756CED51-C4CA-3343-98C9-94E03FC0165E}" type="datetimeFigureOut">
               <a:rPr lang="en-US" smtClean="0"/>
-              <a:t>2/16/15</a:t>
+              <a:t>2/26/15</a:t>
             </a:fld>
             <a:endParaRPr lang="en-US"/>
           </a:p>
@@ -6304,7 +6303,7 @@
           <a:graphicData uri="http://schemas.openxmlformats.org/presentationml/2006/ole">
             <mc:AlternateContent xmlns:mc="http://schemas.openxmlformats.org/markup-compatibility/2006">
               <mc:Choice xmlns:v="urn:schemas-microsoft-com:vml" Requires="v">
-                <p:oleObj spid="_x0000_s1156" name="Equation" r:id="rId4" imgW="609600" imgH="457200" progId="Equation.3">
+                <p:oleObj spid="_x0000_s1161" name="Equation" r:id="rId4" imgW="609600" imgH="457200" progId="Equation.3">
                   <p:embed/>
                 </p:oleObj>
               </mc:Choice>
@@ -6361,7 +6360,7 @@
           <a:graphicData uri="http://schemas.openxmlformats.org/presentationml/2006/ole">
             <mc:AlternateContent xmlns:mc="http://schemas.openxmlformats.org/markup-compatibility/2006">
               <mc:Choice xmlns:v="urn:schemas-microsoft-com:vml" Requires="v">
-                <p:oleObj spid="_x0000_s1157" name="Equation" r:id="rId6" imgW="635000" imgH="457200" progId="Equation.3">
+                <p:oleObj spid="_x0000_s1162" name="Equation" r:id="rId6" imgW="635000" imgH="457200" progId="Equation.3">
                   <p:embed/>
                 </p:oleObj>
               </mc:Choice>
@@ -19909,7 +19908,7 @@
         </p:nvSpPr>
         <p:spPr>
           <a:xfrm>
-            <a:off x="975895" y="1000140"/>
+            <a:off x="975895" y="612456"/>
             <a:ext cx="7178842" cy="1200329"/>
           </a:xfrm>
           <a:prstGeom prst="rect">
@@ -19925,7 +19924,19 @@
           <a:p>
             <a:r>
               <a:rPr lang="en-US" dirty="0" smtClean="0"/>
-              <a:t>All possible permutations of outcomes: 2</a:t>
+              <a:t>Imagine a cell with N </a:t>
+            </a:r>
+            <a:r>
+              <a:rPr lang="en-US" dirty="0" smtClean="0"/>
+              <a:t>susceptible farms (in the following example, N=3). </a:t>
+            </a:r>
+            <a:r>
+              <a:rPr lang="en-US" dirty="0" smtClean="0"/>
+              <a:t>All </a:t>
+            </a:r>
+            <a:r>
+              <a:rPr lang="en-US" dirty="0" smtClean="0"/>
+              <a:t>possible permutations of outcomes: 2</a:t>
             </a:r>
             <a:r>
               <a:rPr lang="en-US" baseline="30000" dirty="0" smtClean="0"/>
@@ -19933,7 +19944,15 @@
             </a:r>
             <a:r>
               <a:rPr lang="en-US" dirty="0" smtClean="0"/>
-              <a:t> total options, where N is the total number of farms. An outcome of 1 means infected, and has probability </a:t>
+              <a:t> total </a:t>
+            </a:r>
+            <a:r>
+              <a:rPr lang="en-US" dirty="0" smtClean="0"/>
+              <a:t>options. </a:t>
+            </a:r>
+            <a:r>
+              <a:rPr lang="en-US" dirty="0" smtClean="0"/>
+              <a:t>An outcome of 1 means infected, and has probability </a:t>
             </a:r>
             <a:r>
               <a:rPr lang="en-US" dirty="0" err="1" smtClean="0"/>
@@ -21321,7 +21340,23 @@
           <a:p>
             <a:r>
               <a:rPr lang="en-US" dirty="0" smtClean="0"/>
-              <a:t>Gridding chooses to realize the first option (0,0,0), or eliminate it (and enter the cell):</a:t>
+              <a:t>Gridding chooses to realize the first option (0,0,0</a:t>
+            </a:r>
+            <a:r>
+              <a:rPr lang="en-US" dirty="0" smtClean="0"/>
+              <a:t>) </a:t>
+            </a:r>
+            <a:r>
+              <a:rPr lang="en-US" dirty="0" smtClean="0"/>
+              <a:t>(skipping a cell)</a:t>
+            </a:r>
+            <a:r>
+              <a:rPr lang="en-US" dirty="0" smtClean="0"/>
+              <a:t>, </a:t>
+            </a:r>
+            <a:r>
+              <a:rPr lang="en-US" dirty="0" smtClean="0"/>
+              <a:t>or eliminate it (and enter the cell):</a:t>
             </a:r>
             <a:endParaRPr lang="en-US" baseline="30000" dirty="0"/>
           </a:p>
@@ -26882,7 +26917,7 @@
         <p:spPr>
           <a:xfrm>
             <a:off x="775368" y="909310"/>
-            <a:ext cx="7927474" cy="1477328"/>
+            <a:ext cx="7927474" cy="1754327"/>
           </a:xfrm>
           <a:prstGeom prst="rect">
             <a:avLst/>
@@ -26897,7 +26932,11 @@
           <a:p>
             <a:r>
               <a:rPr lang="en-US" dirty="0" smtClean="0"/>
-              <a:t>Using the same random number to evaluate </a:t>
+              <a:t>Using the same random number to </a:t>
+            </a:r>
+            <a:r>
+              <a:rPr lang="en-US" dirty="0" smtClean="0"/>
+              <a:t>evaluate the adjusted version of </a:t>
             </a:r>
             <a:r>
               <a:rPr lang="en-US" dirty="0" err="1" smtClean="0"/>
@@ -26908,120 +26947,20 @@
               <a:t>max</a:t>
             </a:r>
             <a:r>
-              <a:rPr lang="en-US" dirty="0" smtClean="0"/>
-              <a:t>, then evaluate actual p using the same expression (either just p or </a:t>
-            </a:r>
-            <a:r>
-              <a:rPr lang="en-US" dirty="0" smtClean="0">
-                <a:solidFill>
-                  <a:srgbClr val="008000"/>
-                </a:solidFill>
-              </a:rPr>
-              <a:t>2</a:t>
-            </a:r>
-            <a:r>
-              <a:rPr lang="en-US" baseline="30000" dirty="0" smtClean="0">
-                <a:solidFill>
-                  <a:srgbClr val="008000"/>
-                </a:solidFill>
-              </a:rPr>
-              <a:t>N</a:t>
-            </a:r>
-            <a:r>
-              <a:rPr lang="en-US" baseline="30000" dirty="0">
-                <a:solidFill>
-                  <a:srgbClr val="008000"/>
-                </a:solidFill>
-              </a:rPr>
-              <a:t>-</a:t>
-            </a:r>
-            <a:r>
-              <a:rPr lang="en-US" baseline="30000" dirty="0" smtClean="0">
-                <a:solidFill>
-                  <a:srgbClr val="008000"/>
-                </a:solidFill>
-              </a:rPr>
-              <a:t>f</a:t>
-            </a:r>
-            <a:r>
               <a:rPr lang="en-US" dirty="0"/>
-              <a:t>*</a:t>
-            </a:r>
-            <a:r>
-              <a:rPr lang="en-US" dirty="0" smtClean="0"/>
-              <a:t>p/ </a:t>
-            </a:r>
-            <a:r>
-              <a:rPr lang="en-US" dirty="0"/>
-              <a:t>(</a:t>
-            </a:r>
-            <a:r>
-              <a:rPr lang="en-US" dirty="0" smtClean="0">
-                <a:solidFill>
-                  <a:srgbClr val="008000"/>
-                </a:solidFill>
-              </a:rPr>
-              <a:t>2</a:t>
-            </a:r>
-            <a:r>
-              <a:rPr lang="en-US" baseline="30000" dirty="0" smtClean="0">
-                <a:solidFill>
-                  <a:srgbClr val="008000"/>
-                </a:solidFill>
-              </a:rPr>
-              <a:t>N-f</a:t>
-            </a:r>
-            <a:r>
-              <a:rPr lang="en-US" dirty="0"/>
-              <a:t>*</a:t>
-            </a:r>
-            <a:r>
-              <a:rPr lang="en-US" dirty="0" smtClean="0"/>
-              <a:t>p </a:t>
-            </a:r>
-            <a:r>
-              <a:rPr lang="en-US" dirty="0"/>
-              <a:t>+ </a:t>
-            </a:r>
-            <a:r>
-              <a:rPr lang="en-US" dirty="0">
-                <a:solidFill>
-                  <a:srgbClr val="0000FF"/>
-                </a:solidFill>
-              </a:rPr>
-              <a:t>(</a:t>
-            </a:r>
-            <a:r>
-              <a:rPr lang="en-US" dirty="0" smtClean="0">
-                <a:solidFill>
-                  <a:srgbClr val="0000FF"/>
-                </a:solidFill>
-              </a:rPr>
-              <a:t>2</a:t>
-            </a:r>
-            <a:r>
-              <a:rPr lang="en-US" baseline="30000" dirty="0" smtClean="0">
-                <a:solidFill>
-                  <a:srgbClr val="0000FF"/>
-                </a:solidFill>
-              </a:rPr>
-              <a:t>N-f </a:t>
-            </a:r>
-            <a:r>
-              <a:rPr lang="en-US" dirty="0">
-                <a:solidFill>
-                  <a:srgbClr val="0000FF"/>
-                </a:solidFill>
-              </a:rPr>
-              <a:t>– 1)</a:t>
-            </a:r>
-            <a:r>
-              <a:rPr lang="en-US" dirty="0"/>
-              <a:t>*(1-</a:t>
-            </a:r>
-            <a:r>
-              <a:rPr lang="en-US" dirty="0" smtClean="0"/>
-              <a:t>p))). The relationship between </a:t>
+              <a:t> </a:t>
+            </a:r>
+            <a:r>
+              <a:rPr lang="en-US" dirty="0" smtClean="0"/>
+              <a:t>– the probability the hypothetical farm is infected given a particular permutation of infections. </a:t>
+            </a:r>
+            <a:r>
+              <a:rPr lang="en-US" dirty="0" smtClean="0"/>
+              <a:t>Using the same random number, evaluate actual p. The </a:t>
+            </a:r>
+            <a:r>
+              <a:rPr lang="en-US" dirty="0" smtClean="0"/>
+              <a:t>relationship between </a:t>
             </a:r>
             <a:r>
               <a:rPr lang="en-US" dirty="0" err="1" smtClean="0"/>
@@ -27033,7 +26972,23 @@
             </a:r>
             <a:r>
               <a:rPr lang="en-US" dirty="0" smtClean="0"/>
-              <a:t> and p if you use the same random number to compare them, is that </a:t>
+              <a:t> and p </a:t>
+            </a:r>
+            <a:r>
+              <a:rPr lang="en-US" dirty="0" smtClean="0"/>
+              <a:t>(if </a:t>
+            </a:r>
+            <a:r>
+              <a:rPr lang="en-US" dirty="0" smtClean="0"/>
+              <a:t>you use the same random number to compare </a:t>
+            </a:r>
+            <a:r>
+              <a:rPr lang="en-US" dirty="0" smtClean="0"/>
+              <a:t>them), </a:t>
+            </a:r>
+            <a:r>
+              <a:rPr lang="en-US" dirty="0" smtClean="0"/>
+              <a:t>is that </a:t>
             </a:r>
             <a:r>
               <a:rPr lang="en-US" dirty="0" err="1" smtClean="0"/>
@@ -27058,195 +27013,6 @@
     <p:extLst>
       <p:ext uri="{BB962C8B-B14F-4D97-AF65-F5344CB8AC3E}">
         <p14:creationId xmlns:p14="http://schemas.microsoft.com/office/powerpoint/2010/main" val="1931304942"/>
-      </p:ext>
-    </p:extLst>
-  </p:cSld>
-  <p:clrMapOvr>
-    <a:masterClrMapping/>
-  </p:clrMapOvr>
-</p:sld>
-</file>
-
-<file path=ppt/slides/slide36.xml><?xml version="1.0" encoding="utf-8"?>
-<p:sld xmlns:a="http://schemas.openxmlformats.org/drawingml/2006/main" xmlns:r="http://schemas.openxmlformats.org/officeDocument/2006/relationships" xmlns:p="http://schemas.openxmlformats.org/presentationml/2006/main">
-  <p:cSld>
-    <p:spTree>
-      <p:nvGrpSpPr>
-        <p:cNvPr id="1" name=""/>
-        <p:cNvGrpSpPr/>
-        <p:nvPr/>
-      </p:nvGrpSpPr>
-      <p:grpSpPr>
-        <a:xfrm>
-          <a:off x="0" y="0"/>
-          <a:ext cx="0" cy="0"/>
-          <a:chOff x="0" y="0"/>
-          <a:chExt cx="0" cy="0"/>
-        </a:xfrm>
-      </p:grpSpPr>
-      <p:sp>
-        <p:nvSpPr>
-          <p:cNvPr id="2" name="TextBox 1"/>
-          <p:cNvSpPr txBox="1"/>
-          <p:nvPr/>
-        </p:nvSpPr>
-        <p:spPr>
-          <a:xfrm>
-            <a:off x="1470526" y="1336842"/>
-            <a:ext cx="5427579" cy="3693319"/>
-          </a:xfrm>
-          <a:prstGeom prst="rect">
-            <a:avLst/>
-          </a:prstGeom>
-          <a:noFill/>
-        </p:spPr>
-        <p:txBody>
-          <a:bodyPr wrap="square" rtlCol="0">
-            <a:spAutoFit/>
-          </a:bodyPr>
-          <a:lstStyle/>
-          <a:p>
-            <a:r>
-              <a:rPr lang="en-US" dirty="0" smtClean="0"/>
-              <a:t>Changes to code:</a:t>
-            </a:r>
-          </a:p>
-          <a:p>
-            <a:r>
-              <a:rPr lang="en-US" dirty="0" smtClean="0"/>
-              <a:t>Add a lookup table for 2</a:t>
-            </a:r>
-            <a:r>
-              <a:rPr lang="en-US" baseline="30000" dirty="0" smtClean="0"/>
-              <a:t>N</a:t>
-            </a:r>
-            <a:r>
-              <a:rPr lang="en-US" dirty="0" smtClean="0"/>
-              <a:t>, up to the max number of farms detected during grid formation.</a:t>
-            </a:r>
-          </a:p>
-          <a:p>
-            <a:endParaRPr lang="en-US" dirty="0"/>
-          </a:p>
-          <a:p>
-            <a:r>
-              <a:rPr lang="en-US" dirty="0" smtClean="0"/>
-              <a:t>Instead of a simple s= 0 or 1 switch, the options are now</a:t>
-            </a:r>
-          </a:p>
-          <a:p>
-            <a:pPr marL="285750" indent="-285750">
-              <a:buFontTx/>
-              <a:buChar char="-"/>
-            </a:pPr>
-            <a:r>
-              <a:rPr lang="en-US" dirty="0" smtClean="0"/>
-              <a:t>use p as is</a:t>
-            </a:r>
-          </a:p>
-          <a:p>
-            <a:pPr marL="285750" indent="-285750">
-              <a:buFontTx/>
-              <a:buChar char="-"/>
-            </a:pPr>
-            <a:r>
-              <a:rPr lang="en-US" dirty="0" smtClean="0"/>
-              <a:t>Use 2</a:t>
-            </a:r>
-            <a:r>
-              <a:rPr lang="en-US" baseline="30000" dirty="0" smtClean="0"/>
-              <a:t>N-f</a:t>
-            </a:r>
-            <a:r>
-              <a:rPr lang="en-US" dirty="0" smtClean="0"/>
-              <a:t>*p/(2</a:t>
-            </a:r>
-            <a:r>
-              <a:rPr lang="en-US" baseline="30000" dirty="0" smtClean="0"/>
-              <a:t>N</a:t>
-            </a:r>
-            <a:r>
-              <a:rPr lang="en-US" baseline="30000" dirty="0"/>
-              <a:t>-f</a:t>
-            </a:r>
-            <a:r>
-              <a:rPr lang="en-US" dirty="0"/>
-              <a:t>*</a:t>
-            </a:r>
-            <a:r>
-              <a:rPr lang="en-US" dirty="0" smtClean="0"/>
-              <a:t>p + (2</a:t>
-            </a:r>
-            <a:r>
-              <a:rPr lang="en-US" baseline="30000" dirty="0" smtClean="0"/>
-              <a:t>N</a:t>
-            </a:r>
-            <a:r>
-              <a:rPr lang="en-US" baseline="30000" dirty="0"/>
-              <a:t>-</a:t>
-            </a:r>
-            <a:r>
-              <a:rPr lang="en-US" baseline="30000" dirty="0" smtClean="0"/>
-              <a:t>f</a:t>
-            </a:r>
-            <a:r>
-              <a:rPr lang="en-US" dirty="0" smtClean="0"/>
-              <a:t>-1)*(1-p))</a:t>
-            </a:r>
-          </a:p>
-          <a:p>
-            <a:pPr marL="285750" indent="-285750">
-              <a:buFontTx/>
-              <a:buChar char="-"/>
-            </a:pPr>
-            <a:endParaRPr lang="en-US" dirty="0"/>
-          </a:p>
-          <a:p>
-            <a:r>
-              <a:rPr lang="en-US" dirty="0" smtClean="0"/>
-              <a:t>Determined by a “</a:t>
-            </a:r>
-            <a:r>
-              <a:rPr lang="en-US" dirty="0" err="1" smtClean="0"/>
-              <a:t>AllZeros</a:t>
-            </a:r>
-            <a:r>
-              <a:rPr lang="en-US" dirty="0" smtClean="0"/>
-              <a:t>” </a:t>
-            </a:r>
-            <a:r>
-              <a:rPr lang="en-US" dirty="0" err="1" smtClean="0"/>
-              <a:t>boolean</a:t>
-            </a:r>
-            <a:r>
-              <a:rPr lang="en-US" dirty="0" smtClean="0"/>
-              <a:t>: if false use former, if true use latter. Default true until a hypothetical farm is infected.</a:t>
-            </a:r>
-          </a:p>
-          <a:p>
-            <a:endParaRPr lang="en-US" dirty="0" smtClean="0"/>
-          </a:p>
-          <a:p>
-            <a:r>
-              <a:rPr lang="en-US" dirty="0" smtClean="0"/>
-              <a:t>Initiate </a:t>
-            </a:r>
-            <a:r>
-              <a:rPr lang="en-US" dirty="0" err="1" smtClean="0"/>
-              <a:t>fcount</a:t>
-            </a:r>
-            <a:r>
-              <a:rPr lang="en-US" dirty="0" smtClean="0"/>
-              <a:t> as 1 as soon as cell is entered</a:t>
-            </a:r>
-            <a:endParaRPr lang="en-US" dirty="0"/>
-          </a:p>
-        </p:txBody>
-      </p:sp>
-    </p:spTree>
-    <p:extLst>
-      <p:ext uri="{BB962C8B-B14F-4D97-AF65-F5344CB8AC3E}">
-        <p14:creationId xmlns:p14="http://schemas.microsoft.com/office/powerpoint/2010/main" val="1633522541"/>
       </p:ext>
     </p:extLst>
   </p:cSld>
@@ -31887,15 +31653,7 @@
           <a:p>
             <a:r>
               <a:rPr lang="en-US" dirty="0" smtClean="0"/>
-              <a:t>Step 1: </a:t>
-            </a:r>
-            <a:r>
-              <a:rPr lang="en-US" dirty="0" smtClean="0"/>
-              <a:t>Cell </a:t>
-            </a:r>
-            <a:r>
-              <a:rPr lang="en-US" dirty="0" smtClean="0"/>
-              <a:t>entry</a:t>
+              <a:t>Step 1: Cell entry</a:t>
             </a:r>
             <a:endParaRPr lang="en-US" dirty="0"/>
           </a:p>
